--- a/Measurements/WO3196 IV-curve kinks.pptx
+++ b/Measurements/WO3196 IV-curve kinks.pptx
@@ -8,9 +8,9 @@
     <p:sldId id="257" r:id="rId2"/>
     <p:sldId id="263" r:id="rId3"/>
     <p:sldId id="258" r:id="rId4"/>
-    <p:sldId id="260" r:id="rId5"/>
-    <p:sldId id="261" r:id="rId6"/>
-    <p:sldId id="262" r:id="rId7"/>
+    <p:sldId id="261" r:id="rId5"/>
+    <p:sldId id="262" r:id="rId6"/>
+    <p:sldId id="260" r:id="rId7"/>
     <p:sldId id="259" r:id="rId8"/>
   </p:sldIdLst>
   <p:sldSz cx="12192000" cy="6858000"/>
@@ -267,7 +267,7 @@
           <a:p>
             <a:fld id="{98CA18D3-6576-41F5-B181-F7F01EF0FAFE}" type="datetimeFigureOut">
               <a:rPr lang="en-GB" smtClean="0"/>
-              <a:t>31/01/2020</a:t>
+              <a:t>17/02/2020</a:t>
             </a:fld>
             <a:endParaRPr lang="en-GB"/>
           </a:p>
@@ -467,7 +467,7 @@
           <a:p>
             <a:fld id="{98CA18D3-6576-41F5-B181-F7F01EF0FAFE}" type="datetimeFigureOut">
               <a:rPr lang="en-GB" smtClean="0"/>
-              <a:t>31/01/2020</a:t>
+              <a:t>17/02/2020</a:t>
             </a:fld>
             <a:endParaRPr lang="en-GB"/>
           </a:p>
@@ -677,7 +677,7 @@
           <a:p>
             <a:fld id="{98CA18D3-6576-41F5-B181-F7F01EF0FAFE}" type="datetimeFigureOut">
               <a:rPr lang="en-GB" smtClean="0"/>
-              <a:t>31/01/2020</a:t>
+              <a:t>17/02/2020</a:t>
             </a:fld>
             <a:endParaRPr lang="en-GB"/>
           </a:p>
@@ -877,7 +877,7 @@
           <a:p>
             <a:fld id="{98CA18D3-6576-41F5-B181-F7F01EF0FAFE}" type="datetimeFigureOut">
               <a:rPr lang="en-GB" smtClean="0"/>
-              <a:t>31/01/2020</a:t>
+              <a:t>17/02/2020</a:t>
             </a:fld>
             <a:endParaRPr lang="en-GB"/>
           </a:p>
@@ -1153,7 +1153,7 @@
           <a:p>
             <a:fld id="{98CA18D3-6576-41F5-B181-F7F01EF0FAFE}" type="datetimeFigureOut">
               <a:rPr lang="en-GB" smtClean="0"/>
-              <a:t>31/01/2020</a:t>
+              <a:t>17/02/2020</a:t>
             </a:fld>
             <a:endParaRPr lang="en-GB"/>
           </a:p>
@@ -1421,7 +1421,7 @@
           <a:p>
             <a:fld id="{98CA18D3-6576-41F5-B181-F7F01EF0FAFE}" type="datetimeFigureOut">
               <a:rPr lang="en-GB" smtClean="0"/>
-              <a:t>31/01/2020</a:t>
+              <a:t>17/02/2020</a:t>
             </a:fld>
             <a:endParaRPr lang="en-GB"/>
           </a:p>
@@ -1836,7 +1836,7 @@
           <a:p>
             <a:fld id="{98CA18D3-6576-41F5-B181-F7F01EF0FAFE}" type="datetimeFigureOut">
               <a:rPr lang="en-GB" smtClean="0"/>
-              <a:t>31/01/2020</a:t>
+              <a:t>17/02/2020</a:t>
             </a:fld>
             <a:endParaRPr lang="en-GB"/>
           </a:p>
@@ -1978,7 +1978,7 @@
           <a:p>
             <a:fld id="{98CA18D3-6576-41F5-B181-F7F01EF0FAFE}" type="datetimeFigureOut">
               <a:rPr lang="en-GB" smtClean="0"/>
-              <a:t>31/01/2020</a:t>
+              <a:t>17/02/2020</a:t>
             </a:fld>
             <a:endParaRPr lang="en-GB"/>
           </a:p>
@@ -2091,7 +2091,7 @@
           <a:p>
             <a:fld id="{98CA18D3-6576-41F5-B181-F7F01EF0FAFE}" type="datetimeFigureOut">
               <a:rPr lang="en-GB" smtClean="0"/>
-              <a:t>31/01/2020</a:t>
+              <a:t>17/02/2020</a:t>
             </a:fld>
             <a:endParaRPr lang="en-GB"/>
           </a:p>
@@ -2404,7 +2404,7 @@
           <a:p>
             <a:fld id="{98CA18D3-6576-41F5-B181-F7F01EF0FAFE}" type="datetimeFigureOut">
               <a:rPr lang="en-GB" smtClean="0"/>
-              <a:t>31/01/2020</a:t>
+              <a:t>17/02/2020</a:t>
             </a:fld>
             <a:endParaRPr lang="en-GB"/>
           </a:p>
@@ -2693,7 +2693,7 @@
           <a:p>
             <a:fld id="{98CA18D3-6576-41F5-B181-F7F01EF0FAFE}" type="datetimeFigureOut">
               <a:rPr lang="en-GB" smtClean="0"/>
-              <a:t>31/01/2020</a:t>
+              <a:t>17/02/2020</a:t>
             </a:fld>
             <a:endParaRPr lang="en-GB"/>
           </a:p>
@@ -2936,7 +2936,7 @@
           <a:p>
             <a:fld id="{98CA18D3-6576-41F5-B181-F7F01EF0FAFE}" type="datetimeFigureOut">
               <a:rPr lang="en-GB" smtClean="0"/>
-              <a:t>31/01/2020</a:t>
+              <a:t>17/02/2020</a:t>
             </a:fld>
             <a:endParaRPr lang="en-GB"/>
           </a:p>
@@ -4022,7 +4022,7 @@
         </p:blipFill>
         <p:spPr>
           <a:xfrm>
-            <a:off x="5961085" y="573811"/>
+            <a:off x="4189851" y="240363"/>
             <a:ext cx="5850538" cy="4351338"/>
           </a:xfrm>
           <a:prstGeom prst="rect">
@@ -5774,6 +5774,41 @@
           </a:p>
         </p:txBody>
       </p:sp>
+      <p:pic>
+        <p:nvPicPr>
+          <p:cNvPr id="8" name="Picture 7">
+            <a:extLst>
+              <a:ext uri="{FF2B5EF4-FFF2-40B4-BE49-F238E27FC236}">
+                <a16:creationId xmlns:a16="http://schemas.microsoft.com/office/drawing/2014/main" id="{C7C468D9-7C99-4584-912D-9B6F4AB3D912}"/>
+              </a:ext>
+            </a:extLst>
+          </p:cNvPr>
+          <p:cNvPicPr>
+            <a:picLocks noChangeAspect="1"/>
+          </p:cNvPicPr>
+          <p:nvPr/>
+        </p:nvPicPr>
+        <p:blipFill rotWithShape="1">
+          <a:blip r:embed="rId3">
+            <a:extLst>
+              <a:ext uri="{28A0092B-C50C-407E-A947-70E740481C1C}">
+                <a14:useLocalDpi xmlns:a14="http://schemas.microsoft.com/office/drawing/2010/main" val="0"/>
+              </a:ext>
+            </a:extLst>
+          </a:blip>
+          <a:srcRect t="-1705" b="-1"/>
+          <a:stretch/>
+        </p:blipFill>
+        <p:spPr>
+          <a:xfrm>
+            <a:off x="9893152" y="982092"/>
+            <a:ext cx="2298848" cy="3117404"/>
+          </a:xfrm>
+          <a:prstGeom prst="rect">
+            <a:avLst/>
+          </a:prstGeom>
+        </p:spPr>
+      </p:pic>
     </p:spTree>
     <p:extLst>
       <p:ext uri="{BB962C8B-B14F-4D97-AF65-F5344CB8AC3E}">
@@ -5788,6 +5823,2822 @@
 </file>
 
 <file path=ppt/slides/slide4.xml><?xml version="1.0" encoding="utf-8"?>
+<p:sld xmlns:a="http://schemas.openxmlformats.org/drawingml/2006/main" xmlns:r="http://schemas.openxmlformats.org/officeDocument/2006/relationships" xmlns:p="http://schemas.openxmlformats.org/presentationml/2006/main">
+  <p:cSld>
+    <p:spTree>
+      <p:nvGrpSpPr>
+        <p:cNvPr id="1" name=""/>
+        <p:cNvGrpSpPr/>
+        <p:nvPr/>
+      </p:nvGrpSpPr>
+      <p:grpSpPr>
+        <a:xfrm>
+          <a:off x="0" y="0"/>
+          <a:ext cx="0" cy="0"/>
+          <a:chOff x="0" y="0"/>
+          <a:chExt cx="0" cy="0"/>
+        </a:xfrm>
+      </p:grpSpPr>
+      <p:sp>
+        <p:nvSpPr>
+          <p:cNvPr id="2" name="Title 1">
+            <a:extLst>
+              <a:ext uri="{FF2B5EF4-FFF2-40B4-BE49-F238E27FC236}">
+                <a16:creationId xmlns:a16="http://schemas.microsoft.com/office/drawing/2014/main" id="{A09F2B33-E98A-4775-AFEE-D670902EE854}"/>
+              </a:ext>
+            </a:extLst>
+          </p:cNvPr>
+          <p:cNvSpPr>
+            <a:spLocks noGrp="1"/>
+          </p:cNvSpPr>
+          <p:nvPr>
+            <p:ph type="title"/>
+          </p:nvPr>
+        </p:nvSpPr>
+        <p:spPr/>
+        <p:txBody>
+          <a:bodyPr/>
+          <a:lstStyle/>
+          <a:p>
+            <a:r>
+              <a:rPr lang="en-GB" dirty="0"/>
+              <a:t>Dark 25 C</a:t>
+            </a:r>
+          </a:p>
+        </p:txBody>
+      </p:sp>
+      <p:pic>
+        <p:nvPicPr>
+          <p:cNvPr id="5" name="Content Placeholder 4">
+            <a:extLst>
+              <a:ext uri="{FF2B5EF4-FFF2-40B4-BE49-F238E27FC236}">
+                <a16:creationId xmlns:a16="http://schemas.microsoft.com/office/drawing/2014/main" id="{F56BC750-A4B2-4717-97C7-D81955AB4555}"/>
+              </a:ext>
+            </a:extLst>
+          </p:cNvPr>
+          <p:cNvPicPr>
+            <a:picLocks noGrp="1" noChangeAspect="1"/>
+          </p:cNvPicPr>
+          <p:nvPr>
+            <p:ph idx="1"/>
+          </p:nvPr>
+        </p:nvPicPr>
+        <p:blipFill>
+          <a:blip r:embed="rId2">
+            <a:extLst>
+              <a:ext uri="{28A0092B-C50C-407E-A947-70E740481C1C}">
+                <a14:useLocalDpi xmlns:a14="http://schemas.microsoft.com/office/drawing/2010/main" val="0"/>
+              </a:ext>
+            </a:extLst>
+          </a:blip>
+          <a:stretch>
+            <a:fillRect/>
+          </a:stretch>
+        </p:blipFill>
+        <p:spPr>
+          <a:xfrm>
+            <a:off x="6172224" y="113783"/>
+            <a:ext cx="5801784" cy="4351338"/>
+          </a:xfrm>
+        </p:spPr>
+      </p:pic>
+      <p:graphicFrame>
+        <p:nvGraphicFramePr>
+          <p:cNvPr id="7" name="Table 6">
+            <a:extLst>
+              <a:ext uri="{FF2B5EF4-FFF2-40B4-BE49-F238E27FC236}">
+                <a16:creationId xmlns:a16="http://schemas.microsoft.com/office/drawing/2014/main" id="{1FF4F0C0-4278-4E52-8B06-5E22C14E5823}"/>
+              </a:ext>
+            </a:extLst>
+          </p:cNvPr>
+          <p:cNvGraphicFramePr>
+            <a:graphicFrameLocks noGrp="1"/>
+          </p:cNvGraphicFramePr>
+          <p:nvPr>
+            <p:extLst>
+              <p:ext uri="{D42A27DB-BD31-4B8C-83A1-F6EECF244321}">
+                <p14:modId xmlns:p14="http://schemas.microsoft.com/office/powerpoint/2010/main" val="2274864421"/>
+              </p:ext>
+            </p:extLst>
+          </p:nvPr>
+        </p:nvGraphicFramePr>
+        <p:xfrm>
+          <a:off x="838200" y="4716463"/>
+          <a:ext cx="9588501" cy="1333500"/>
+        </p:xfrm>
+        <a:graphic>
+          <a:graphicData uri="http://schemas.openxmlformats.org/drawingml/2006/table">
+            <a:tbl>
+              <a:tblPr/>
+              <a:tblGrid>
+                <a:gridCol w="2769024">
+                  <a:extLst>
+                    <a:ext uri="{9D8B030D-6E8A-4147-A177-3AD203B41FA5}">
+                      <a16:colId xmlns:a16="http://schemas.microsoft.com/office/drawing/2014/main" val="668525327"/>
+                    </a:ext>
+                  </a:extLst>
+                </a:gridCol>
+                <a:gridCol w="1585925">
+                  <a:extLst>
+                    <a:ext uri="{9D8B030D-6E8A-4147-A177-3AD203B41FA5}">
+                      <a16:colId xmlns:a16="http://schemas.microsoft.com/office/drawing/2014/main" val="2130462678"/>
+                    </a:ext>
+                  </a:extLst>
+                </a:gridCol>
+                <a:gridCol w="1585925">
+                  <a:extLst>
+                    <a:ext uri="{9D8B030D-6E8A-4147-A177-3AD203B41FA5}">
+                      <a16:colId xmlns:a16="http://schemas.microsoft.com/office/drawing/2014/main" val="1114181779"/>
+                    </a:ext>
+                  </a:extLst>
+                </a:gridCol>
+                <a:gridCol w="697807">
+                  <a:extLst>
+                    <a:ext uri="{9D8B030D-6E8A-4147-A177-3AD203B41FA5}">
+                      <a16:colId xmlns:a16="http://schemas.microsoft.com/office/drawing/2014/main" val="2538120917"/>
+                    </a:ext>
+                  </a:extLst>
+                </a:gridCol>
+                <a:gridCol w="1474910">
+                  <a:extLst>
+                    <a:ext uri="{9D8B030D-6E8A-4147-A177-3AD203B41FA5}">
+                      <a16:colId xmlns:a16="http://schemas.microsoft.com/office/drawing/2014/main" val="4215215402"/>
+                    </a:ext>
+                  </a:extLst>
+                </a:gridCol>
+                <a:gridCol w="1474910">
+                  <a:extLst>
+                    <a:ext uri="{9D8B030D-6E8A-4147-A177-3AD203B41FA5}">
+                      <a16:colId xmlns:a16="http://schemas.microsoft.com/office/drawing/2014/main" val="1597128942"/>
+                    </a:ext>
+                  </a:extLst>
+                </a:gridCol>
+              </a:tblGrid>
+              <a:tr h="190500">
+                <a:tc>
+                  <a:txBody>
+                    <a:bodyPr/>
+                    <a:lstStyle/>
+                    <a:p>
+                      <a:pPr algn="l" fontAlgn="b"/>
+                      <a:r>
+                        <a:rPr lang="en-GB" sz="1100" b="1" i="0" u="none" strike="noStrike">
+                          <a:solidFill>
+                            <a:srgbClr val="000000"/>
+                          </a:solidFill>
+                          <a:effectLst/>
+                          <a:latin typeface="Calibri" panose="020F0502020204030204" pitchFamily="34" charset="0"/>
+                        </a:rPr>
+                        <a:t>Name</a:t>
+                      </a:r>
+                    </a:p>
+                  </a:txBody>
+                  <a:tcPr marL="9525" marR="9525" marT="9525" marB="0" anchor="b">
+                    <a:lnL>
+                      <a:noFill/>
+                    </a:lnL>
+                    <a:lnR>
+                      <a:noFill/>
+                    </a:lnR>
+                    <a:lnT w="6350" cap="flat" cmpd="sng" algn="ctr">
+                      <a:solidFill>
+                        <a:srgbClr val="000000"/>
+                      </a:solidFill>
+                      <a:prstDash val="solid"/>
+                      <a:round/>
+                      <a:headEnd type="none" w="med" len="med"/>
+                      <a:tailEnd type="none" w="med" len="med"/>
+                    </a:lnT>
+                    <a:lnB w="6350" cap="flat" cmpd="sng" algn="ctr">
+                      <a:solidFill>
+                        <a:srgbClr val="000000"/>
+                      </a:solidFill>
+                      <a:prstDash val="solid"/>
+                      <a:round/>
+                      <a:headEnd type="none" w="med" len="med"/>
+                      <a:tailEnd type="none" w="med" len="med"/>
+                    </a:lnB>
+                  </a:tcPr>
+                </a:tc>
+                <a:tc>
+                  <a:txBody>
+                    <a:bodyPr/>
+                    <a:lstStyle/>
+                    <a:p>
+                      <a:pPr algn="l" fontAlgn="b"/>
+                      <a:r>
+                        <a:rPr lang="en-GB" sz="1100" b="1" i="0" u="none" strike="noStrike">
+                          <a:solidFill>
+                            <a:srgbClr val="000000"/>
+                          </a:solidFill>
+                          <a:effectLst/>
+                          <a:latin typeface="Calibri" panose="020F0502020204030204" pitchFamily="34" charset="0"/>
+                        </a:rPr>
+                        <a:t>Measurement</a:t>
+                      </a:r>
+                    </a:p>
+                  </a:txBody>
+                  <a:tcPr marL="9525" marR="9525" marT="9525" marB="0" anchor="b">
+                    <a:lnL>
+                      <a:noFill/>
+                    </a:lnL>
+                    <a:lnR>
+                      <a:noFill/>
+                    </a:lnR>
+                    <a:lnT w="6350" cap="flat" cmpd="sng" algn="ctr">
+                      <a:solidFill>
+                        <a:srgbClr val="000000"/>
+                      </a:solidFill>
+                      <a:prstDash val="solid"/>
+                      <a:round/>
+                      <a:headEnd type="none" w="med" len="med"/>
+                      <a:tailEnd type="none" w="med" len="med"/>
+                    </a:lnT>
+                    <a:lnB w="6350" cap="flat" cmpd="sng" algn="ctr">
+                      <a:solidFill>
+                        <a:srgbClr val="000000"/>
+                      </a:solidFill>
+                      <a:prstDash val="solid"/>
+                      <a:round/>
+                      <a:headEnd type="none" w="med" len="med"/>
+                      <a:tailEnd type="none" w="med" len="med"/>
+                    </a:lnB>
+                  </a:tcPr>
+                </a:tc>
+                <a:tc>
+                  <a:txBody>
+                    <a:bodyPr/>
+                    <a:lstStyle/>
+                    <a:p>
+                      <a:pPr algn="l" fontAlgn="b"/>
+                      <a:r>
+                        <a:rPr lang="en-GB" sz="1100" b="1" i="0" u="none" strike="noStrike">
+                          <a:solidFill>
+                            <a:srgbClr val="000000"/>
+                          </a:solidFill>
+                          <a:effectLst/>
+                          <a:latin typeface="Calibri" panose="020F0502020204030204" pitchFamily="34" charset="0"/>
+                        </a:rPr>
+                        <a:t>Direction</a:t>
+                      </a:r>
+                    </a:p>
+                  </a:txBody>
+                  <a:tcPr marL="9525" marR="9525" marT="9525" marB="0" anchor="b">
+                    <a:lnL>
+                      <a:noFill/>
+                    </a:lnL>
+                    <a:lnR>
+                      <a:noFill/>
+                    </a:lnR>
+                    <a:lnT w="6350" cap="flat" cmpd="sng" algn="ctr">
+                      <a:solidFill>
+                        <a:srgbClr val="000000"/>
+                      </a:solidFill>
+                      <a:prstDash val="solid"/>
+                      <a:round/>
+                      <a:headEnd type="none" w="med" len="med"/>
+                      <a:tailEnd type="none" w="med" len="med"/>
+                    </a:lnT>
+                    <a:lnB w="6350" cap="flat" cmpd="sng" algn="ctr">
+                      <a:solidFill>
+                        <a:srgbClr val="000000"/>
+                      </a:solidFill>
+                      <a:prstDash val="solid"/>
+                      <a:round/>
+                      <a:headEnd type="none" w="med" len="med"/>
+                      <a:tailEnd type="none" w="med" len="med"/>
+                    </a:lnB>
+                  </a:tcPr>
+                </a:tc>
+                <a:tc>
+                  <a:txBody>
+                    <a:bodyPr/>
+                    <a:lstStyle/>
+                    <a:p>
+                      <a:pPr algn="l" fontAlgn="b"/>
+                      <a:r>
+                        <a:rPr lang="en-GB" sz="1100" b="1" i="0" u="none" strike="noStrike">
+                          <a:solidFill>
+                            <a:srgbClr val="000000"/>
+                          </a:solidFill>
+                          <a:effectLst/>
+                          <a:latin typeface="Calibri" panose="020F0502020204030204" pitchFamily="34" charset="0"/>
+                        </a:rPr>
+                        <a:t>Position</a:t>
+                      </a:r>
+                    </a:p>
+                  </a:txBody>
+                  <a:tcPr marL="9525" marR="9525" marT="9525" marB="0" anchor="b">
+                    <a:lnL>
+                      <a:noFill/>
+                    </a:lnL>
+                    <a:lnR>
+                      <a:noFill/>
+                    </a:lnR>
+                    <a:lnT w="6350" cap="flat" cmpd="sng" algn="ctr">
+                      <a:solidFill>
+                        <a:srgbClr val="000000"/>
+                      </a:solidFill>
+                      <a:prstDash val="solid"/>
+                      <a:round/>
+                      <a:headEnd type="none" w="med" len="med"/>
+                      <a:tailEnd type="none" w="med" len="med"/>
+                    </a:lnT>
+                    <a:lnB w="6350" cap="flat" cmpd="sng" algn="ctr">
+                      <a:solidFill>
+                        <a:srgbClr val="000000"/>
+                      </a:solidFill>
+                      <a:prstDash val="solid"/>
+                      <a:round/>
+                      <a:headEnd type="none" w="med" len="med"/>
+                      <a:tailEnd type="none" w="med" len="med"/>
+                    </a:lnB>
+                  </a:tcPr>
+                </a:tc>
+                <a:tc>
+                  <a:txBody>
+                    <a:bodyPr/>
+                    <a:lstStyle/>
+                    <a:p>
+                      <a:pPr algn="l" fontAlgn="b"/>
+                      <a:r>
+                        <a:rPr lang="en-GB" sz="1100" b="1" i="0" u="none" strike="noStrike">
+                          <a:solidFill>
+                            <a:srgbClr val="000000"/>
+                          </a:solidFill>
+                          <a:effectLst/>
+                          <a:latin typeface="Calibri" panose="020F0502020204030204" pitchFamily="34" charset="0"/>
+                        </a:rPr>
+                        <a:t>R (Ohm)</a:t>
+                      </a:r>
+                    </a:p>
+                  </a:txBody>
+                  <a:tcPr marL="9525" marR="9525" marT="9525" marB="0" anchor="b">
+                    <a:lnL>
+                      <a:noFill/>
+                    </a:lnL>
+                    <a:lnR>
+                      <a:noFill/>
+                    </a:lnR>
+                    <a:lnT w="6350" cap="flat" cmpd="sng" algn="ctr">
+                      <a:solidFill>
+                        <a:srgbClr val="000000"/>
+                      </a:solidFill>
+                      <a:prstDash val="solid"/>
+                      <a:round/>
+                      <a:headEnd type="none" w="med" len="med"/>
+                      <a:tailEnd type="none" w="med" len="med"/>
+                    </a:lnT>
+                    <a:lnB w="6350" cap="flat" cmpd="sng" algn="ctr">
+                      <a:solidFill>
+                        <a:srgbClr val="000000"/>
+                      </a:solidFill>
+                      <a:prstDash val="solid"/>
+                      <a:round/>
+                      <a:headEnd type="none" w="med" len="med"/>
+                      <a:tailEnd type="none" w="med" len="med"/>
+                    </a:lnB>
+                  </a:tcPr>
+                </a:tc>
+                <a:tc>
+                  <a:txBody>
+                    <a:bodyPr/>
+                    <a:lstStyle/>
+                    <a:p>
+                      <a:pPr algn="l" fontAlgn="b"/>
+                      <a:r>
+                        <a:rPr lang="en-GB" sz="1100" b="1" i="0" u="none" strike="noStrike">
+                          <a:solidFill>
+                            <a:srgbClr val="000000"/>
+                          </a:solidFill>
+                          <a:effectLst/>
+                          <a:latin typeface="Calibri" panose="020F0502020204030204" pitchFamily="34" charset="0"/>
+                        </a:rPr>
+                        <a:t>R Std (Ohm)</a:t>
+                      </a:r>
+                    </a:p>
+                  </a:txBody>
+                  <a:tcPr marL="9525" marR="9525" marT="9525" marB="0" anchor="b">
+                    <a:lnL>
+                      <a:noFill/>
+                    </a:lnL>
+                    <a:lnR>
+                      <a:noFill/>
+                    </a:lnR>
+                    <a:lnT w="6350" cap="flat" cmpd="sng" algn="ctr">
+                      <a:solidFill>
+                        <a:srgbClr val="000000"/>
+                      </a:solidFill>
+                      <a:prstDash val="solid"/>
+                      <a:round/>
+                      <a:headEnd type="none" w="med" len="med"/>
+                      <a:tailEnd type="none" w="med" len="med"/>
+                    </a:lnT>
+                    <a:lnB w="6350" cap="flat" cmpd="sng" algn="ctr">
+                      <a:solidFill>
+                        <a:srgbClr val="000000"/>
+                      </a:solidFill>
+                      <a:prstDash val="solid"/>
+                      <a:round/>
+                      <a:headEnd type="none" w="med" len="med"/>
+                      <a:tailEnd type="none" w="med" len="med"/>
+                    </a:lnB>
+                  </a:tcPr>
+                </a:tc>
+                <a:extLst>
+                  <a:ext uri="{0D108BD9-81ED-4DB2-BD59-A6C34878D82A}">
+                    <a16:rowId xmlns:a16="http://schemas.microsoft.com/office/drawing/2014/main" val="1459912918"/>
+                  </a:ext>
+                </a:extLst>
+              </a:tr>
+              <a:tr h="190500">
+                <a:tc>
+                  <a:txBody>
+                    <a:bodyPr/>
+                    <a:lstStyle/>
+                    <a:p>
+                      <a:pPr algn="l" fontAlgn="b"/>
+                      <a:r>
+                        <a:rPr lang="en-GB" sz="1100" b="0" i="0" u="none" strike="noStrike">
+                          <a:solidFill>
+                            <a:srgbClr val="000000"/>
+                          </a:solidFill>
+                          <a:effectLst/>
+                          <a:latin typeface="Calibri" panose="020F0502020204030204" pitchFamily="34" charset="0"/>
+                        </a:rPr>
+                        <a:t>0124_1816_WO3196_full_IV_curve_dark</a:t>
+                      </a:r>
+                    </a:p>
+                  </a:txBody>
+                  <a:tcPr marL="9525" marR="9525" marT="9525" marB="0" anchor="b">
+                    <a:lnL>
+                      <a:noFill/>
+                    </a:lnL>
+                    <a:lnR>
+                      <a:noFill/>
+                    </a:lnR>
+                    <a:lnT w="6350" cap="flat" cmpd="sng" algn="ctr">
+                      <a:solidFill>
+                        <a:srgbClr val="000000"/>
+                      </a:solidFill>
+                      <a:prstDash val="solid"/>
+                      <a:round/>
+                      <a:headEnd type="none" w="med" len="med"/>
+                      <a:tailEnd type="none" w="med" len="med"/>
+                    </a:lnT>
+                    <a:lnB>
+                      <a:noFill/>
+                    </a:lnB>
+                    <a:solidFill>
+                      <a:srgbClr val="D9D9D9"/>
+                    </a:solidFill>
+                  </a:tcPr>
+                </a:tc>
+                <a:tc>
+                  <a:txBody>
+                    <a:bodyPr/>
+                    <a:lstStyle/>
+                    <a:p>
+                      <a:pPr algn="l" fontAlgn="b"/>
+                      <a:r>
+                        <a:rPr lang="en-GB" sz="1100" b="0" i="0" u="none" strike="noStrike">
+                          <a:solidFill>
+                            <a:srgbClr val="000000"/>
+                          </a:solidFill>
+                          <a:effectLst/>
+                          <a:latin typeface="Calibri" panose="020F0502020204030204" pitchFamily="34" charset="0"/>
+                        </a:rPr>
+                        <a:t>Dark 25</a:t>
+                      </a:r>
+                    </a:p>
+                  </a:txBody>
+                  <a:tcPr marL="9525" marR="9525" marT="9525" marB="0" anchor="b">
+                    <a:lnL>
+                      <a:noFill/>
+                    </a:lnL>
+                    <a:lnR>
+                      <a:noFill/>
+                    </a:lnR>
+                    <a:lnT w="6350" cap="flat" cmpd="sng" algn="ctr">
+                      <a:solidFill>
+                        <a:srgbClr val="000000"/>
+                      </a:solidFill>
+                      <a:prstDash val="solid"/>
+                      <a:round/>
+                      <a:headEnd type="none" w="med" len="med"/>
+                      <a:tailEnd type="none" w="med" len="med"/>
+                    </a:lnT>
+                    <a:lnB>
+                      <a:noFill/>
+                    </a:lnB>
+                    <a:solidFill>
+                      <a:srgbClr val="D9D9D9"/>
+                    </a:solidFill>
+                  </a:tcPr>
+                </a:tc>
+                <a:tc>
+                  <a:txBody>
+                    <a:bodyPr/>
+                    <a:lstStyle/>
+                    <a:p>
+                      <a:pPr algn="l" fontAlgn="b"/>
+                      <a:r>
+                        <a:rPr lang="en-GB" sz="1100" b="0" i="0" u="none" strike="noStrike">
+                          <a:solidFill>
+                            <a:srgbClr val="000000"/>
+                          </a:solidFill>
+                          <a:effectLst/>
+                          <a:latin typeface="Calibri" panose="020F0502020204030204" pitchFamily="34" charset="0"/>
+                        </a:rPr>
+                        <a:t>Minus</a:t>
+                      </a:r>
+                    </a:p>
+                  </a:txBody>
+                  <a:tcPr marL="9525" marR="9525" marT="9525" marB="0" anchor="b">
+                    <a:lnL>
+                      <a:noFill/>
+                    </a:lnL>
+                    <a:lnR>
+                      <a:noFill/>
+                    </a:lnR>
+                    <a:lnT w="6350" cap="flat" cmpd="sng" algn="ctr">
+                      <a:solidFill>
+                        <a:srgbClr val="000000"/>
+                      </a:solidFill>
+                      <a:prstDash val="solid"/>
+                      <a:round/>
+                      <a:headEnd type="none" w="med" len="med"/>
+                      <a:tailEnd type="none" w="med" len="med"/>
+                    </a:lnT>
+                    <a:lnB>
+                      <a:noFill/>
+                    </a:lnB>
+                    <a:solidFill>
+                      <a:srgbClr val="D9D9D9"/>
+                    </a:solidFill>
+                  </a:tcPr>
+                </a:tc>
+                <a:tc>
+                  <a:txBody>
+                    <a:bodyPr/>
+                    <a:lstStyle/>
+                    <a:p>
+                      <a:pPr algn="l" fontAlgn="b"/>
+                      <a:r>
+                        <a:rPr lang="en-GB" sz="1100" b="0" i="0" u="none" strike="noStrike" dirty="0">
+                          <a:solidFill>
+                            <a:srgbClr val="000000"/>
+                          </a:solidFill>
+                          <a:effectLst/>
+                          <a:latin typeface="Calibri" panose="020F0502020204030204" pitchFamily="34" charset="0"/>
+                        </a:rPr>
+                        <a:t>Bottom</a:t>
+                      </a:r>
+                    </a:p>
+                  </a:txBody>
+                  <a:tcPr marL="9525" marR="9525" marT="9525" marB="0" anchor="b">
+                    <a:lnL>
+                      <a:noFill/>
+                    </a:lnL>
+                    <a:lnR>
+                      <a:noFill/>
+                    </a:lnR>
+                    <a:lnT w="6350" cap="flat" cmpd="sng" algn="ctr">
+                      <a:solidFill>
+                        <a:srgbClr val="000000"/>
+                      </a:solidFill>
+                      <a:prstDash val="solid"/>
+                      <a:round/>
+                      <a:headEnd type="none" w="med" len="med"/>
+                      <a:tailEnd type="none" w="med" len="med"/>
+                    </a:lnT>
+                    <a:lnB>
+                      <a:noFill/>
+                    </a:lnB>
+                    <a:solidFill>
+                      <a:srgbClr val="D9D9D9"/>
+                    </a:solidFill>
+                  </a:tcPr>
+                </a:tc>
+                <a:tc>
+                  <a:txBody>
+                    <a:bodyPr/>
+                    <a:lstStyle/>
+                    <a:p>
+                      <a:pPr algn="r" fontAlgn="b"/>
+                      <a:r>
+                        <a:rPr lang="en-GB" sz="1100" b="0" i="0" u="none" strike="noStrike">
+                          <a:solidFill>
+                            <a:srgbClr val="000000"/>
+                          </a:solidFill>
+                          <a:effectLst/>
+                          <a:latin typeface="Calibri" panose="020F0502020204030204" pitchFamily="34" charset="0"/>
+                        </a:rPr>
+                        <a:t>8.05E+07</a:t>
+                      </a:r>
+                    </a:p>
+                  </a:txBody>
+                  <a:tcPr marL="9525" marR="9525" marT="9525" marB="0" anchor="b">
+                    <a:lnL>
+                      <a:noFill/>
+                    </a:lnL>
+                    <a:lnR>
+                      <a:noFill/>
+                    </a:lnR>
+                    <a:lnT w="6350" cap="flat" cmpd="sng" algn="ctr">
+                      <a:solidFill>
+                        <a:srgbClr val="000000"/>
+                      </a:solidFill>
+                      <a:prstDash val="solid"/>
+                      <a:round/>
+                      <a:headEnd type="none" w="med" len="med"/>
+                      <a:tailEnd type="none" w="med" len="med"/>
+                    </a:lnT>
+                    <a:lnB>
+                      <a:noFill/>
+                    </a:lnB>
+                    <a:solidFill>
+                      <a:srgbClr val="D9D9D9"/>
+                    </a:solidFill>
+                  </a:tcPr>
+                </a:tc>
+                <a:tc>
+                  <a:txBody>
+                    <a:bodyPr/>
+                    <a:lstStyle/>
+                    <a:p>
+                      <a:pPr algn="r" fontAlgn="b"/>
+                      <a:r>
+                        <a:rPr lang="en-GB" sz="1100" b="0" i="0" u="none" strike="noStrike">
+                          <a:solidFill>
+                            <a:srgbClr val="000000"/>
+                          </a:solidFill>
+                          <a:effectLst/>
+                          <a:latin typeface="Calibri" panose="020F0502020204030204" pitchFamily="34" charset="0"/>
+                        </a:rPr>
+                        <a:t>2.78E+04</a:t>
+                      </a:r>
+                    </a:p>
+                  </a:txBody>
+                  <a:tcPr marL="9525" marR="9525" marT="9525" marB="0" anchor="b">
+                    <a:lnL>
+                      <a:noFill/>
+                    </a:lnL>
+                    <a:lnR>
+                      <a:noFill/>
+                    </a:lnR>
+                    <a:lnT w="6350" cap="flat" cmpd="sng" algn="ctr">
+                      <a:solidFill>
+                        <a:srgbClr val="000000"/>
+                      </a:solidFill>
+                      <a:prstDash val="solid"/>
+                      <a:round/>
+                      <a:headEnd type="none" w="med" len="med"/>
+                      <a:tailEnd type="none" w="med" len="med"/>
+                    </a:lnT>
+                    <a:lnB>
+                      <a:noFill/>
+                    </a:lnB>
+                    <a:solidFill>
+                      <a:srgbClr val="D9D9D9"/>
+                    </a:solidFill>
+                  </a:tcPr>
+                </a:tc>
+                <a:extLst>
+                  <a:ext uri="{0D108BD9-81ED-4DB2-BD59-A6C34878D82A}">
+                    <a16:rowId xmlns:a16="http://schemas.microsoft.com/office/drawing/2014/main" val="1238558310"/>
+                  </a:ext>
+                </a:extLst>
+              </a:tr>
+              <a:tr h="190500">
+                <a:tc>
+                  <a:txBody>
+                    <a:bodyPr/>
+                    <a:lstStyle/>
+                    <a:p>
+                      <a:pPr algn="l" fontAlgn="b"/>
+                      <a:r>
+                        <a:rPr lang="en-GB" sz="1100" b="0" i="0" u="none" strike="noStrike">
+                          <a:solidFill>
+                            <a:srgbClr val="000000"/>
+                          </a:solidFill>
+                          <a:effectLst/>
+                          <a:latin typeface="Calibri" panose="020F0502020204030204" pitchFamily="34" charset="0"/>
+                        </a:rPr>
+                        <a:t>0124_1816_WO3196_full_IV_curve_dark</a:t>
+                      </a:r>
+                    </a:p>
+                  </a:txBody>
+                  <a:tcPr marL="9525" marR="9525" marT="9525" marB="0" anchor="b">
+                    <a:lnL>
+                      <a:noFill/>
+                    </a:lnL>
+                    <a:lnR>
+                      <a:noFill/>
+                    </a:lnR>
+                    <a:lnT>
+                      <a:noFill/>
+                    </a:lnT>
+                    <a:lnB>
+                      <a:noFill/>
+                    </a:lnB>
+                  </a:tcPr>
+                </a:tc>
+                <a:tc>
+                  <a:txBody>
+                    <a:bodyPr/>
+                    <a:lstStyle/>
+                    <a:p>
+                      <a:pPr algn="l" fontAlgn="b"/>
+                      <a:r>
+                        <a:rPr lang="en-GB" sz="1100" b="0" i="0" u="none" strike="noStrike">
+                          <a:solidFill>
+                            <a:srgbClr val="000000"/>
+                          </a:solidFill>
+                          <a:effectLst/>
+                          <a:latin typeface="Calibri" panose="020F0502020204030204" pitchFamily="34" charset="0"/>
+                        </a:rPr>
+                        <a:t>Dark 25</a:t>
+                      </a:r>
+                    </a:p>
+                  </a:txBody>
+                  <a:tcPr marL="9525" marR="9525" marT="9525" marB="0" anchor="b">
+                    <a:lnL>
+                      <a:noFill/>
+                    </a:lnL>
+                    <a:lnR>
+                      <a:noFill/>
+                    </a:lnR>
+                    <a:lnT>
+                      <a:noFill/>
+                    </a:lnT>
+                    <a:lnB>
+                      <a:noFill/>
+                    </a:lnB>
+                  </a:tcPr>
+                </a:tc>
+                <a:tc>
+                  <a:txBody>
+                    <a:bodyPr/>
+                    <a:lstStyle/>
+                    <a:p>
+                      <a:pPr algn="l" fontAlgn="b"/>
+                      <a:r>
+                        <a:rPr lang="en-GB" sz="1100" b="0" i="0" u="none" strike="noStrike">
+                          <a:solidFill>
+                            <a:srgbClr val="000000"/>
+                          </a:solidFill>
+                          <a:effectLst/>
+                          <a:latin typeface="Calibri" panose="020F0502020204030204" pitchFamily="34" charset="0"/>
+                        </a:rPr>
+                        <a:t>Minus</a:t>
+                      </a:r>
+                    </a:p>
+                  </a:txBody>
+                  <a:tcPr marL="9525" marR="9525" marT="9525" marB="0" anchor="b">
+                    <a:lnL>
+                      <a:noFill/>
+                    </a:lnL>
+                    <a:lnR>
+                      <a:noFill/>
+                    </a:lnR>
+                    <a:lnT>
+                      <a:noFill/>
+                    </a:lnT>
+                    <a:lnB>
+                      <a:noFill/>
+                    </a:lnB>
+                  </a:tcPr>
+                </a:tc>
+                <a:tc>
+                  <a:txBody>
+                    <a:bodyPr/>
+                    <a:lstStyle/>
+                    <a:p>
+                      <a:pPr algn="l" fontAlgn="b"/>
+                      <a:r>
+                        <a:rPr lang="en-GB" sz="1100" b="0" i="0" u="none" strike="noStrike">
+                          <a:solidFill>
+                            <a:srgbClr val="000000"/>
+                          </a:solidFill>
+                          <a:effectLst/>
+                          <a:latin typeface="Calibri" panose="020F0502020204030204" pitchFamily="34" charset="0"/>
+                        </a:rPr>
+                        <a:t>Middle</a:t>
+                      </a:r>
+                    </a:p>
+                  </a:txBody>
+                  <a:tcPr marL="9525" marR="9525" marT="9525" marB="0" anchor="b">
+                    <a:lnL>
+                      <a:noFill/>
+                    </a:lnL>
+                    <a:lnR>
+                      <a:noFill/>
+                    </a:lnR>
+                    <a:lnT>
+                      <a:noFill/>
+                    </a:lnT>
+                    <a:lnB>
+                      <a:noFill/>
+                    </a:lnB>
+                  </a:tcPr>
+                </a:tc>
+                <a:tc>
+                  <a:txBody>
+                    <a:bodyPr/>
+                    <a:lstStyle/>
+                    <a:p>
+                      <a:pPr algn="r" fontAlgn="b"/>
+                      <a:r>
+                        <a:rPr lang="en-GB" sz="1100" b="0" i="0" u="none" strike="noStrike">
+                          <a:solidFill>
+                            <a:srgbClr val="000000"/>
+                          </a:solidFill>
+                          <a:effectLst/>
+                          <a:latin typeface="Calibri" panose="020F0502020204030204" pitchFamily="34" charset="0"/>
+                        </a:rPr>
+                        <a:t>3.16E+07</a:t>
+                      </a:r>
+                    </a:p>
+                  </a:txBody>
+                  <a:tcPr marL="9525" marR="9525" marT="9525" marB="0" anchor="b">
+                    <a:lnL>
+                      <a:noFill/>
+                    </a:lnL>
+                    <a:lnR>
+                      <a:noFill/>
+                    </a:lnR>
+                    <a:lnT>
+                      <a:noFill/>
+                    </a:lnT>
+                    <a:lnB>
+                      <a:noFill/>
+                    </a:lnB>
+                  </a:tcPr>
+                </a:tc>
+                <a:tc>
+                  <a:txBody>
+                    <a:bodyPr/>
+                    <a:lstStyle/>
+                    <a:p>
+                      <a:pPr algn="r" fontAlgn="b"/>
+                      <a:r>
+                        <a:rPr lang="en-GB" sz="1100" b="0" i="0" u="none" strike="noStrike">
+                          <a:solidFill>
+                            <a:srgbClr val="000000"/>
+                          </a:solidFill>
+                          <a:effectLst/>
+                          <a:latin typeface="Calibri" panose="020F0502020204030204" pitchFamily="34" charset="0"/>
+                        </a:rPr>
+                        <a:t>8.11E+04</a:t>
+                      </a:r>
+                    </a:p>
+                  </a:txBody>
+                  <a:tcPr marL="9525" marR="9525" marT="9525" marB="0" anchor="b">
+                    <a:lnL>
+                      <a:noFill/>
+                    </a:lnL>
+                    <a:lnR>
+                      <a:noFill/>
+                    </a:lnR>
+                    <a:lnT>
+                      <a:noFill/>
+                    </a:lnT>
+                    <a:lnB>
+                      <a:noFill/>
+                    </a:lnB>
+                  </a:tcPr>
+                </a:tc>
+                <a:extLst>
+                  <a:ext uri="{0D108BD9-81ED-4DB2-BD59-A6C34878D82A}">
+                    <a16:rowId xmlns:a16="http://schemas.microsoft.com/office/drawing/2014/main" val="2337922610"/>
+                  </a:ext>
+                </a:extLst>
+              </a:tr>
+              <a:tr h="190500">
+                <a:tc>
+                  <a:txBody>
+                    <a:bodyPr/>
+                    <a:lstStyle/>
+                    <a:p>
+                      <a:pPr algn="l" fontAlgn="b"/>
+                      <a:r>
+                        <a:rPr lang="en-GB" sz="1100" b="0" i="0" u="none" strike="noStrike">
+                          <a:solidFill>
+                            <a:srgbClr val="000000"/>
+                          </a:solidFill>
+                          <a:effectLst/>
+                          <a:latin typeface="Calibri" panose="020F0502020204030204" pitchFamily="34" charset="0"/>
+                        </a:rPr>
+                        <a:t>0124_1816_WO3196_full_IV_curve_dark</a:t>
+                      </a:r>
+                    </a:p>
+                  </a:txBody>
+                  <a:tcPr marL="9525" marR="9525" marT="9525" marB="0" anchor="b">
+                    <a:lnL>
+                      <a:noFill/>
+                    </a:lnL>
+                    <a:lnR>
+                      <a:noFill/>
+                    </a:lnR>
+                    <a:lnT>
+                      <a:noFill/>
+                    </a:lnT>
+                    <a:lnB>
+                      <a:noFill/>
+                    </a:lnB>
+                    <a:solidFill>
+                      <a:srgbClr val="D9D9D9"/>
+                    </a:solidFill>
+                  </a:tcPr>
+                </a:tc>
+                <a:tc>
+                  <a:txBody>
+                    <a:bodyPr/>
+                    <a:lstStyle/>
+                    <a:p>
+                      <a:pPr algn="l" fontAlgn="b"/>
+                      <a:r>
+                        <a:rPr lang="en-GB" sz="1100" b="0" i="0" u="none" strike="noStrike">
+                          <a:solidFill>
+                            <a:srgbClr val="000000"/>
+                          </a:solidFill>
+                          <a:effectLst/>
+                          <a:latin typeface="Calibri" panose="020F0502020204030204" pitchFamily="34" charset="0"/>
+                        </a:rPr>
+                        <a:t>Dark 25</a:t>
+                      </a:r>
+                    </a:p>
+                  </a:txBody>
+                  <a:tcPr marL="9525" marR="9525" marT="9525" marB="0" anchor="b">
+                    <a:lnL>
+                      <a:noFill/>
+                    </a:lnL>
+                    <a:lnR>
+                      <a:noFill/>
+                    </a:lnR>
+                    <a:lnT>
+                      <a:noFill/>
+                    </a:lnT>
+                    <a:lnB>
+                      <a:noFill/>
+                    </a:lnB>
+                    <a:solidFill>
+                      <a:srgbClr val="D9D9D9"/>
+                    </a:solidFill>
+                  </a:tcPr>
+                </a:tc>
+                <a:tc>
+                  <a:txBody>
+                    <a:bodyPr/>
+                    <a:lstStyle/>
+                    <a:p>
+                      <a:pPr algn="l" fontAlgn="b"/>
+                      <a:r>
+                        <a:rPr lang="en-GB" sz="1100" b="0" i="0" u="none" strike="noStrike">
+                          <a:solidFill>
+                            <a:srgbClr val="000000"/>
+                          </a:solidFill>
+                          <a:effectLst/>
+                          <a:latin typeface="Calibri" panose="020F0502020204030204" pitchFamily="34" charset="0"/>
+                        </a:rPr>
+                        <a:t>Minus</a:t>
+                      </a:r>
+                    </a:p>
+                  </a:txBody>
+                  <a:tcPr marL="9525" marR="9525" marT="9525" marB="0" anchor="b">
+                    <a:lnL>
+                      <a:noFill/>
+                    </a:lnL>
+                    <a:lnR>
+                      <a:noFill/>
+                    </a:lnR>
+                    <a:lnT>
+                      <a:noFill/>
+                    </a:lnT>
+                    <a:lnB>
+                      <a:noFill/>
+                    </a:lnB>
+                    <a:solidFill>
+                      <a:srgbClr val="D9D9D9"/>
+                    </a:solidFill>
+                  </a:tcPr>
+                </a:tc>
+                <a:tc>
+                  <a:txBody>
+                    <a:bodyPr/>
+                    <a:lstStyle/>
+                    <a:p>
+                      <a:pPr algn="l" fontAlgn="b"/>
+                      <a:r>
+                        <a:rPr lang="en-GB" sz="1100" b="0" i="0" u="none" strike="noStrike">
+                          <a:solidFill>
+                            <a:srgbClr val="000000"/>
+                          </a:solidFill>
+                          <a:effectLst/>
+                          <a:latin typeface="Calibri" panose="020F0502020204030204" pitchFamily="34" charset="0"/>
+                        </a:rPr>
+                        <a:t>Top</a:t>
+                      </a:r>
+                    </a:p>
+                  </a:txBody>
+                  <a:tcPr marL="9525" marR="9525" marT="9525" marB="0" anchor="b">
+                    <a:lnL>
+                      <a:noFill/>
+                    </a:lnL>
+                    <a:lnR>
+                      <a:noFill/>
+                    </a:lnR>
+                    <a:lnT>
+                      <a:noFill/>
+                    </a:lnT>
+                    <a:lnB>
+                      <a:noFill/>
+                    </a:lnB>
+                    <a:solidFill>
+                      <a:srgbClr val="D9D9D9"/>
+                    </a:solidFill>
+                  </a:tcPr>
+                </a:tc>
+                <a:tc>
+                  <a:txBody>
+                    <a:bodyPr/>
+                    <a:lstStyle/>
+                    <a:p>
+                      <a:pPr algn="r" fontAlgn="b"/>
+                      <a:r>
+                        <a:rPr lang="en-GB" sz="1100" b="0" i="0" u="none" strike="noStrike">
+                          <a:solidFill>
+                            <a:srgbClr val="000000"/>
+                          </a:solidFill>
+                          <a:effectLst/>
+                          <a:latin typeface="Calibri" panose="020F0502020204030204" pitchFamily="34" charset="0"/>
+                        </a:rPr>
+                        <a:t>8.19E+07</a:t>
+                      </a:r>
+                    </a:p>
+                  </a:txBody>
+                  <a:tcPr marL="9525" marR="9525" marT="9525" marB="0" anchor="b">
+                    <a:lnL>
+                      <a:noFill/>
+                    </a:lnL>
+                    <a:lnR>
+                      <a:noFill/>
+                    </a:lnR>
+                    <a:lnT>
+                      <a:noFill/>
+                    </a:lnT>
+                    <a:lnB>
+                      <a:noFill/>
+                    </a:lnB>
+                    <a:solidFill>
+                      <a:srgbClr val="D9D9D9"/>
+                    </a:solidFill>
+                  </a:tcPr>
+                </a:tc>
+                <a:tc>
+                  <a:txBody>
+                    <a:bodyPr/>
+                    <a:lstStyle/>
+                    <a:p>
+                      <a:pPr algn="r" fontAlgn="b"/>
+                      <a:r>
+                        <a:rPr lang="en-GB" sz="1100" b="0" i="0" u="none" strike="noStrike">
+                          <a:solidFill>
+                            <a:srgbClr val="000000"/>
+                          </a:solidFill>
+                          <a:effectLst/>
+                          <a:latin typeface="Calibri" panose="020F0502020204030204" pitchFamily="34" charset="0"/>
+                        </a:rPr>
+                        <a:t>2.46E+04</a:t>
+                      </a:r>
+                    </a:p>
+                  </a:txBody>
+                  <a:tcPr marL="9525" marR="9525" marT="9525" marB="0" anchor="b">
+                    <a:lnL>
+                      <a:noFill/>
+                    </a:lnL>
+                    <a:lnR>
+                      <a:noFill/>
+                    </a:lnR>
+                    <a:lnT>
+                      <a:noFill/>
+                    </a:lnT>
+                    <a:lnB>
+                      <a:noFill/>
+                    </a:lnB>
+                    <a:solidFill>
+                      <a:srgbClr val="D9D9D9"/>
+                    </a:solidFill>
+                  </a:tcPr>
+                </a:tc>
+                <a:extLst>
+                  <a:ext uri="{0D108BD9-81ED-4DB2-BD59-A6C34878D82A}">
+                    <a16:rowId xmlns:a16="http://schemas.microsoft.com/office/drawing/2014/main" val="3534649390"/>
+                  </a:ext>
+                </a:extLst>
+              </a:tr>
+              <a:tr h="190500">
+                <a:tc>
+                  <a:txBody>
+                    <a:bodyPr/>
+                    <a:lstStyle/>
+                    <a:p>
+                      <a:pPr algn="l" fontAlgn="b"/>
+                      <a:r>
+                        <a:rPr lang="en-GB" sz="1100" b="0" i="0" u="none" strike="noStrike">
+                          <a:solidFill>
+                            <a:srgbClr val="000000"/>
+                          </a:solidFill>
+                          <a:effectLst/>
+                          <a:latin typeface="Calibri" panose="020F0502020204030204" pitchFamily="34" charset="0"/>
+                        </a:rPr>
+                        <a:t>0124_1816_WO3196_full_IV_curve_dark</a:t>
+                      </a:r>
+                    </a:p>
+                  </a:txBody>
+                  <a:tcPr marL="9525" marR="9525" marT="9525" marB="0" anchor="b">
+                    <a:lnL>
+                      <a:noFill/>
+                    </a:lnL>
+                    <a:lnR>
+                      <a:noFill/>
+                    </a:lnR>
+                    <a:lnT>
+                      <a:noFill/>
+                    </a:lnT>
+                    <a:lnB>
+                      <a:noFill/>
+                    </a:lnB>
+                  </a:tcPr>
+                </a:tc>
+                <a:tc>
+                  <a:txBody>
+                    <a:bodyPr/>
+                    <a:lstStyle/>
+                    <a:p>
+                      <a:pPr algn="l" fontAlgn="b"/>
+                      <a:r>
+                        <a:rPr lang="en-GB" sz="1100" b="0" i="0" u="none" strike="noStrike">
+                          <a:solidFill>
+                            <a:srgbClr val="000000"/>
+                          </a:solidFill>
+                          <a:effectLst/>
+                          <a:latin typeface="Calibri" panose="020F0502020204030204" pitchFamily="34" charset="0"/>
+                        </a:rPr>
+                        <a:t>Dark 25</a:t>
+                      </a:r>
+                    </a:p>
+                  </a:txBody>
+                  <a:tcPr marL="9525" marR="9525" marT="9525" marB="0" anchor="b">
+                    <a:lnL>
+                      <a:noFill/>
+                    </a:lnL>
+                    <a:lnR>
+                      <a:noFill/>
+                    </a:lnR>
+                    <a:lnT>
+                      <a:noFill/>
+                    </a:lnT>
+                    <a:lnB>
+                      <a:noFill/>
+                    </a:lnB>
+                  </a:tcPr>
+                </a:tc>
+                <a:tc>
+                  <a:txBody>
+                    <a:bodyPr/>
+                    <a:lstStyle/>
+                    <a:p>
+                      <a:pPr algn="l" fontAlgn="b"/>
+                      <a:r>
+                        <a:rPr lang="en-GB" sz="1100" b="0" i="0" u="none" strike="noStrike">
+                          <a:solidFill>
+                            <a:srgbClr val="000000"/>
+                          </a:solidFill>
+                          <a:effectLst/>
+                          <a:latin typeface="Calibri" panose="020F0502020204030204" pitchFamily="34" charset="0"/>
+                        </a:rPr>
+                        <a:t>Plus</a:t>
+                      </a:r>
+                    </a:p>
+                  </a:txBody>
+                  <a:tcPr marL="9525" marR="9525" marT="9525" marB="0" anchor="b">
+                    <a:lnL>
+                      <a:noFill/>
+                    </a:lnL>
+                    <a:lnR>
+                      <a:noFill/>
+                    </a:lnR>
+                    <a:lnT>
+                      <a:noFill/>
+                    </a:lnT>
+                    <a:lnB>
+                      <a:noFill/>
+                    </a:lnB>
+                  </a:tcPr>
+                </a:tc>
+                <a:tc>
+                  <a:txBody>
+                    <a:bodyPr/>
+                    <a:lstStyle/>
+                    <a:p>
+                      <a:pPr algn="l" fontAlgn="b"/>
+                      <a:r>
+                        <a:rPr lang="en-GB" sz="1100" b="0" i="0" u="none" strike="noStrike">
+                          <a:solidFill>
+                            <a:srgbClr val="000000"/>
+                          </a:solidFill>
+                          <a:effectLst/>
+                          <a:latin typeface="Calibri" panose="020F0502020204030204" pitchFamily="34" charset="0"/>
+                        </a:rPr>
+                        <a:t>Bottom</a:t>
+                      </a:r>
+                    </a:p>
+                  </a:txBody>
+                  <a:tcPr marL="9525" marR="9525" marT="9525" marB="0" anchor="b">
+                    <a:lnL>
+                      <a:noFill/>
+                    </a:lnL>
+                    <a:lnR>
+                      <a:noFill/>
+                    </a:lnR>
+                    <a:lnT>
+                      <a:noFill/>
+                    </a:lnT>
+                    <a:lnB>
+                      <a:noFill/>
+                    </a:lnB>
+                  </a:tcPr>
+                </a:tc>
+                <a:tc>
+                  <a:txBody>
+                    <a:bodyPr/>
+                    <a:lstStyle/>
+                    <a:p>
+                      <a:pPr algn="r" fontAlgn="b"/>
+                      <a:r>
+                        <a:rPr lang="en-GB" sz="1100" b="0" i="0" u="none" strike="noStrike">
+                          <a:solidFill>
+                            <a:srgbClr val="000000"/>
+                          </a:solidFill>
+                          <a:effectLst/>
+                          <a:latin typeface="Calibri" panose="020F0502020204030204" pitchFamily="34" charset="0"/>
+                        </a:rPr>
+                        <a:t>7.96E+07</a:t>
+                      </a:r>
+                    </a:p>
+                  </a:txBody>
+                  <a:tcPr marL="9525" marR="9525" marT="9525" marB="0" anchor="b">
+                    <a:lnL>
+                      <a:noFill/>
+                    </a:lnL>
+                    <a:lnR>
+                      <a:noFill/>
+                    </a:lnR>
+                    <a:lnT>
+                      <a:noFill/>
+                    </a:lnT>
+                    <a:lnB>
+                      <a:noFill/>
+                    </a:lnB>
+                  </a:tcPr>
+                </a:tc>
+                <a:tc>
+                  <a:txBody>
+                    <a:bodyPr/>
+                    <a:lstStyle/>
+                    <a:p>
+                      <a:pPr algn="r" fontAlgn="b"/>
+                      <a:r>
+                        <a:rPr lang="en-GB" sz="1100" b="0" i="0" u="none" strike="noStrike">
+                          <a:solidFill>
+                            <a:srgbClr val="000000"/>
+                          </a:solidFill>
+                          <a:effectLst/>
+                          <a:latin typeface="Calibri" panose="020F0502020204030204" pitchFamily="34" charset="0"/>
+                        </a:rPr>
+                        <a:t>3.31E+04</a:t>
+                      </a:r>
+                    </a:p>
+                  </a:txBody>
+                  <a:tcPr marL="9525" marR="9525" marT="9525" marB="0" anchor="b">
+                    <a:lnL>
+                      <a:noFill/>
+                    </a:lnL>
+                    <a:lnR>
+                      <a:noFill/>
+                    </a:lnR>
+                    <a:lnT>
+                      <a:noFill/>
+                    </a:lnT>
+                    <a:lnB>
+                      <a:noFill/>
+                    </a:lnB>
+                  </a:tcPr>
+                </a:tc>
+                <a:extLst>
+                  <a:ext uri="{0D108BD9-81ED-4DB2-BD59-A6C34878D82A}">
+                    <a16:rowId xmlns:a16="http://schemas.microsoft.com/office/drawing/2014/main" val="3701430715"/>
+                  </a:ext>
+                </a:extLst>
+              </a:tr>
+              <a:tr h="190500">
+                <a:tc>
+                  <a:txBody>
+                    <a:bodyPr/>
+                    <a:lstStyle/>
+                    <a:p>
+                      <a:pPr algn="l" fontAlgn="b"/>
+                      <a:r>
+                        <a:rPr lang="en-GB" sz="1100" b="0" i="0" u="none" strike="noStrike">
+                          <a:solidFill>
+                            <a:srgbClr val="000000"/>
+                          </a:solidFill>
+                          <a:effectLst/>
+                          <a:latin typeface="Calibri" panose="020F0502020204030204" pitchFamily="34" charset="0"/>
+                        </a:rPr>
+                        <a:t>0124_1816_WO3196_full_IV_curve_dark</a:t>
+                      </a:r>
+                    </a:p>
+                  </a:txBody>
+                  <a:tcPr marL="9525" marR="9525" marT="9525" marB="0" anchor="b">
+                    <a:lnL>
+                      <a:noFill/>
+                    </a:lnL>
+                    <a:lnR>
+                      <a:noFill/>
+                    </a:lnR>
+                    <a:lnT>
+                      <a:noFill/>
+                    </a:lnT>
+                    <a:lnB>
+                      <a:noFill/>
+                    </a:lnB>
+                    <a:solidFill>
+                      <a:srgbClr val="D9D9D9"/>
+                    </a:solidFill>
+                  </a:tcPr>
+                </a:tc>
+                <a:tc>
+                  <a:txBody>
+                    <a:bodyPr/>
+                    <a:lstStyle/>
+                    <a:p>
+                      <a:pPr algn="l" fontAlgn="b"/>
+                      <a:r>
+                        <a:rPr lang="en-GB" sz="1100" b="0" i="0" u="none" strike="noStrike">
+                          <a:solidFill>
+                            <a:srgbClr val="000000"/>
+                          </a:solidFill>
+                          <a:effectLst/>
+                          <a:latin typeface="Calibri" panose="020F0502020204030204" pitchFamily="34" charset="0"/>
+                        </a:rPr>
+                        <a:t>Dark 25</a:t>
+                      </a:r>
+                    </a:p>
+                  </a:txBody>
+                  <a:tcPr marL="9525" marR="9525" marT="9525" marB="0" anchor="b">
+                    <a:lnL>
+                      <a:noFill/>
+                    </a:lnL>
+                    <a:lnR>
+                      <a:noFill/>
+                    </a:lnR>
+                    <a:lnT>
+                      <a:noFill/>
+                    </a:lnT>
+                    <a:lnB>
+                      <a:noFill/>
+                    </a:lnB>
+                    <a:solidFill>
+                      <a:srgbClr val="D9D9D9"/>
+                    </a:solidFill>
+                  </a:tcPr>
+                </a:tc>
+                <a:tc>
+                  <a:txBody>
+                    <a:bodyPr/>
+                    <a:lstStyle/>
+                    <a:p>
+                      <a:pPr algn="l" fontAlgn="b"/>
+                      <a:r>
+                        <a:rPr lang="en-GB" sz="1100" b="0" i="0" u="none" strike="noStrike">
+                          <a:solidFill>
+                            <a:srgbClr val="000000"/>
+                          </a:solidFill>
+                          <a:effectLst/>
+                          <a:latin typeface="Calibri" panose="020F0502020204030204" pitchFamily="34" charset="0"/>
+                        </a:rPr>
+                        <a:t>Plus</a:t>
+                      </a:r>
+                    </a:p>
+                  </a:txBody>
+                  <a:tcPr marL="9525" marR="9525" marT="9525" marB="0" anchor="b">
+                    <a:lnL>
+                      <a:noFill/>
+                    </a:lnL>
+                    <a:lnR>
+                      <a:noFill/>
+                    </a:lnR>
+                    <a:lnT>
+                      <a:noFill/>
+                    </a:lnT>
+                    <a:lnB>
+                      <a:noFill/>
+                    </a:lnB>
+                    <a:solidFill>
+                      <a:srgbClr val="D9D9D9"/>
+                    </a:solidFill>
+                  </a:tcPr>
+                </a:tc>
+                <a:tc>
+                  <a:txBody>
+                    <a:bodyPr/>
+                    <a:lstStyle/>
+                    <a:p>
+                      <a:pPr algn="l" fontAlgn="b"/>
+                      <a:r>
+                        <a:rPr lang="en-GB" sz="1100" b="0" i="0" u="none" strike="noStrike">
+                          <a:solidFill>
+                            <a:srgbClr val="000000"/>
+                          </a:solidFill>
+                          <a:effectLst/>
+                          <a:latin typeface="Calibri" panose="020F0502020204030204" pitchFamily="34" charset="0"/>
+                        </a:rPr>
+                        <a:t>Middle</a:t>
+                      </a:r>
+                    </a:p>
+                  </a:txBody>
+                  <a:tcPr marL="9525" marR="9525" marT="9525" marB="0" anchor="b">
+                    <a:lnL>
+                      <a:noFill/>
+                    </a:lnL>
+                    <a:lnR>
+                      <a:noFill/>
+                    </a:lnR>
+                    <a:lnT>
+                      <a:noFill/>
+                    </a:lnT>
+                    <a:lnB>
+                      <a:noFill/>
+                    </a:lnB>
+                    <a:solidFill>
+                      <a:srgbClr val="D9D9D9"/>
+                    </a:solidFill>
+                  </a:tcPr>
+                </a:tc>
+                <a:tc>
+                  <a:txBody>
+                    <a:bodyPr/>
+                    <a:lstStyle/>
+                    <a:p>
+                      <a:pPr algn="r" fontAlgn="b"/>
+                      <a:r>
+                        <a:rPr lang="en-GB" sz="1100" b="0" i="0" u="none" strike="noStrike">
+                          <a:solidFill>
+                            <a:srgbClr val="000000"/>
+                          </a:solidFill>
+                          <a:effectLst/>
+                          <a:latin typeface="Calibri" panose="020F0502020204030204" pitchFamily="34" charset="0"/>
+                        </a:rPr>
+                        <a:t>3.14E+07</a:t>
+                      </a:r>
+                    </a:p>
+                  </a:txBody>
+                  <a:tcPr marL="9525" marR="9525" marT="9525" marB="0" anchor="b">
+                    <a:lnL>
+                      <a:noFill/>
+                    </a:lnL>
+                    <a:lnR>
+                      <a:noFill/>
+                    </a:lnR>
+                    <a:lnT>
+                      <a:noFill/>
+                    </a:lnT>
+                    <a:lnB>
+                      <a:noFill/>
+                    </a:lnB>
+                    <a:solidFill>
+                      <a:srgbClr val="D9D9D9"/>
+                    </a:solidFill>
+                  </a:tcPr>
+                </a:tc>
+                <a:tc>
+                  <a:txBody>
+                    <a:bodyPr/>
+                    <a:lstStyle/>
+                    <a:p>
+                      <a:pPr algn="r" fontAlgn="b"/>
+                      <a:r>
+                        <a:rPr lang="en-GB" sz="1100" b="0" i="0" u="none" strike="noStrike">
+                          <a:solidFill>
+                            <a:srgbClr val="000000"/>
+                          </a:solidFill>
+                          <a:effectLst/>
+                          <a:latin typeface="Calibri" panose="020F0502020204030204" pitchFamily="34" charset="0"/>
+                        </a:rPr>
+                        <a:t>7.42E+04</a:t>
+                      </a:r>
+                    </a:p>
+                  </a:txBody>
+                  <a:tcPr marL="9525" marR="9525" marT="9525" marB="0" anchor="b">
+                    <a:lnL>
+                      <a:noFill/>
+                    </a:lnL>
+                    <a:lnR>
+                      <a:noFill/>
+                    </a:lnR>
+                    <a:lnT>
+                      <a:noFill/>
+                    </a:lnT>
+                    <a:lnB>
+                      <a:noFill/>
+                    </a:lnB>
+                    <a:solidFill>
+                      <a:srgbClr val="D9D9D9"/>
+                    </a:solidFill>
+                  </a:tcPr>
+                </a:tc>
+                <a:extLst>
+                  <a:ext uri="{0D108BD9-81ED-4DB2-BD59-A6C34878D82A}">
+                    <a16:rowId xmlns:a16="http://schemas.microsoft.com/office/drawing/2014/main" val="1640051636"/>
+                  </a:ext>
+                </a:extLst>
+              </a:tr>
+              <a:tr h="190500">
+                <a:tc>
+                  <a:txBody>
+                    <a:bodyPr/>
+                    <a:lstStyle/>
+                    <a:p>
+                      <a:pPr algn="l" fontAlgn="b"/>
+                      <a:r>
+                        <a:rPr lang="en-GB" sz="1100" b="0" i="0" u="none" strike="noStrike">
+                          <a:solidFill>
+                            <a:srgbClr val="000000"/>
+                          </a:solidFill>
+                          <a:effectLst/>
+                          <a:latin typeface="Calibri" panose="020F0502020204030204" pitchFamily="34" charset="0"/>
+                        </a:rPr>
+                        <a:t>0124_1816_WO3196_full_IV_curve_dark</a:t>
+                      </a:r>
+                    </a:p>
+                  </a:txBody>
+                  <a:tcPr marL="9525" marR="9525" marT="9525" marB="0" anchor="b">
+                    <a:lnL>
+                      <a:noFill/>
+                    </a:lnL>
+                    <a:lnR>
+                      <a:noFill/>
+                    </a:lnR>
+                    <a:lnT>
+                      <a:noFill/>
+                    </a:lnT>
+                    <a:lnB>
+                      <a:noFill/>
+                    </a:lnB>
+                  </a:tcPr>
+                </a:tc>
+                <a:tc>
+                  <a:txBody>
+                    <a:bodyPr/>
+                    <a:lstStyle/>
+                    <a:p>
+                      <a:pPr algn="l" fontAlgn="b"/>
+                      <a:r>
+                        <a:rPr lang="en-GB" sz="1100" b="0" i="0" u="none" strike="noStrike">
+                          <a:solidFill>
+                            <a:srgbClr val="000000"/>
+                          </a:solidFill>
+                          <a:effectLst/>
+                          <a:latin typeface="Calibri" panose="020F0502020204030204" pitchFamily="34" charset="0"/>
+                        </a:rPr>
+                        <a:t>Dark 25</a:t>
+                      </a:r>
+                    </a:p>
+                  </a:txBody>
+                  <a:tcPr marL="9525" marR="9525" marT="9525" marB="0" anchor="b">
+                    <a:lnL>
+                      <a:noFill/>
+                    </a:lnL>
+                    <a:lnR>
+                      <a:noFill/>
+                    </a:lnR>
+                    <a:lnT>
+                      <a:noFill/>
+                    </a:lnT>
+                    <a:lnB>
+                      <a:noFill/>
+                    </a:lnB>
+                  </a:tcPr>
+                </a:tc>
+                <a:tc>
+                  <a:txBody>
+                    <a:bodyPr/>
+                    <a:lstStyle/>
+                    <a:p>
+                      <a:pPr algn="l" fontAlgn="b"/>
+                      <a:r>
+                        <a:rPr lang="en-GB" sz="1100" b="0" i="0" u="none" strike="noStrike">
+                          <a:solidFill>
+                            <a:srgbClr val="000000"/>
+                          </a:solidFill>
+                          <a:effectLst/>
+                          <a:latin typeface="Calibri" panose="020F0502020204030204" pitchFamily="34" charset="0"/>
+                        </a:rPr>
+                        <a:t>Plus</a:t>
+                      </a:r>
+                    </a:p>
+                  </a:txBody>
+                  <a:tcPr marL="9525" marR="9525" marT="9525" marB="0" anchor="b">
+                    <a:lnL>
+                      <a:noFill/>
+                    </a:lnL>
+                    <a:lnR>
+                      <a:noFill/>
+                    </a:lnR>
+                    <a:lnT>
+                      <a:noFill/>
+                    </a:lnT>
+                    <a:lnB>
+                      <a:noFill/>
+                    </a:lnB>
+                  </a:tcPr>
+                </a:tc>
+                <a:tc>
+                  <a:txBody>
+                    <a:bodyPr/>
+                    <a:lstStyle/>
+                    <a:p>
+                      <a:pPr algn="l" fontAlgn="b"/>
+                      <a:r>
+                        <a:rPr lang="en-GB" sz="1100" b="0" i="0" u="none" strike="noStrike">
+                          <a:solidFill>
+                            <a:srgbClr val="000000"/>
+                          </a:solidFill>
+                          <a:effectLst/>
+                          <a:latin typeface="Calibri" panose="020F0502020204030204" pitchFamily="34" charset="0"/>
+                        </a:rPr>
+                        <a:t>Top</a:t>
+                      </a:r>
+                    </a:p>
+                  </a:txBody>
+                  <a:tcPr marL="9525" marR="9525" marT="9525" marB="0" anchor="b">
+                    <a:lnL>
+                      <a:noFill/>
+                    </a:lnL>
+                    <a:lnR>
+                      <a:noFill/>
+                    </a:lnR>
+                    <a:lnT>
+                      <a:noFill/>
+                    </a:lnT>
+                    <a:lnB>
+                      <a:noFill/>
+                    </a:lnB>
+                  </a:tcPr>
+                </a:tc>
+                <a:tc>
+                  <a:txBody>
+                    <a:bodyPr/>
+                    <a:lstStyle/>
+                    <a:p>
+                      <a:pPr algn="r" fontAlgn="b"/>
+                      <a:r>
+                        <a:rPr lang="en-GB" sz="1100" b="0" i="0" u="none" strike="noStrike">
+                          <a:solidFill>
+                            <a:srgbClr val="000000"/>
+                          </a:solidFill>
+                          <a:effectLst/>
+                          <a:latin typeface="Calibri" panose="020F0502020204030204" pitchFamily="34" charset="0"/>
+                        </a:rPr>
+                        <a:t>8.21E+07</a:t>
+                      </a:r>
+                    </a:p>
+                  </a:txBody>
+                  <a:tcPr marL="9525" marR="9525" marT="9525" marB="0" anchor="b">
+                    <a:lnL>
+                      <a:noFill/>
+                    </a:lnL>
+                    <a:lnR>
+                      <a:noFill/>
+                    </a:lnR>
+                    <a:lnT>
+                      <a:noFill/>
+                    </a:lnT>
+                    <a:lnB>
+                      <a:noFill/>
+                    </a:lnB>
+                  </a:tcPr>
+                </a:tc>
+                <a:tc>
+                  <a:txBody>
+                    <a:bodyPr/>
+                    <a:lstStyle/>
+                    <a:p>
+                      <a:pPr algn="r" fontAlgn="b"/>
+                      <a:r>
+                        <a:rPr lang="en-GB" sz="1100" b="0" i="0" u="none" strike="noStrike" dirty="0">
+                          <a:solidFill>
+                            <a:srgbClr val="000000"/>
+                          </a:solidFill>
+                          <a:effectLst/>
+                          <a:latin typeface="Calibri" panose="020F0502020204030204" pitchFamily="34" charset="0"/>
+                        </a:rPr>
+                        <a:t>3.58E+04</a:t>
+                      </a:r>
+                    </a:p>
+                  </a:txBody>
+                  <a:tcPr marL="9525" marR="9525" marT="9525" marB="0" anchor="b">
+                    <a:lnL>
+                      <a:noFill/>
+                    </a:lnL>
+                    <a:lnR>
+                      <a:noFill/>
+                    </a:lnR>
+                    <a:lnT>
+                      <a:noFill/>
+                    </a:lnT>
+                    <a:lnB>
+                      <a:noFill/>
+                    </a:lnB>
+                  </a:tcPr>
+                </a:tc>
+                <a:extLst>
+                  <a:ext uri="{0D108BD9-81ED-4DB2-BD59-A6C34878D82A}">
+                    <a16:rowId xmlns:a16="http://schemas.microsoft.com/office/drawing/2014/main" val="703075527"/>
+                  </a:ext>
+                </a:extLst>
+              </a:tr>
+            </a:tbl>
+          </a:graphicData>
+        </a:graphic>
+      </p:graphicFrame>
+      <p:sp>
+        <p:nvSpPr>
+          <p:cNvPr id="8" name="TextBox 7">
+            <a:extLst>
+              <a:ext uri="{FF2B5EF4-FFF2-40B4-BE49-F238E27FC236}">
+                <a16:creationId xmlns:a16="http://schemas.microsoft.com/office/drawing/2014/main" id="{B556825F-1719-4C2B-B844-BD04DA61B30F}"/>
+              </a:ext>
+            </a:extLst>
+          </p:cNvPr>
+          <p:cNvSpPr txBox="1"/>
+          <p:nvPr/>
+        </p:nvSpPr>
+        <p:spPr>
+          <a:xfrm>
+            <a:off x="1584251" y="2158409"/>
+            <a:ext cx="3774558" cy="369332"/>
+          </a:xfrm>
+          <a:prstGeom prst="rect">
+            <a:avLst/>
+          </a:prstGeom>
+          <a:noFill/>
+        </p:spPr>
+        <p:txBody>
+          <a:bodyPr wrap="square" rtlCol="0">
+            <a:spAutoFit/>
+          </a:bodyPr>
+          <a:lstStyle/>
+          <a:p>
+            <a:r>
+              <a:rPr lang="en-GB" dirty="0"/>
+              <a:t>Also kinks at 1.5 V and 0.5e-7 A</a:t>
+            </a:r>
+          </a:p>
+        </p:txBody>
+      </p:sp>
+      <p:sp>
+        <p:nvSpPr>
+          <p:cNvPr id="6" name="TextBox 5">
+            <a:extLst>
+              <a:ext uri="{FF2B5EF4-FFF2-40B4-BE49-F238E27FC236}">
+                <a16:creationId xmlns:a16="http://schemas.microsoft.com/office/drawing/2014/main" id="{DE61092A-D6CE-4E78-8B21-D8E3C62918C8}"/>
+              </a:ext>
+            </a:extLst>
+          </p:cNvPr>
+          <p:cNvSpPr txBox="1"/>
+          <p:nvPr/>
+        </p:nvSpPr>
+        <p:spPr>
+          <a:xfrm>
+            <a:off x="838200" y="4357765"/>
+            <a:ext cx="3489251" cy="369332"/>
+          </a:xfrm>
+          <a:prstGeom prst="rect">
+            <a:avLst/>
+          </a:prstGeom>
+          <a:noFill/>
+        </p:spPr>
+        <p:txBody>
+          <a:bodyPr wrap="square" rtlCol="0">
+            <a:spAutoFit/>
+          </a:bodyPr>
+          <a:lstStyle/>
+          <a:p>
+            <a:r>
+              <a:rPr lang="en-GB" dirty="0"/>
+              <a:t>Fit results</a:t>
+            </a:r>
+          </a:p>
+        </p:txBody>
+      </p:sp>
+    </p:spTree>
+    <p:extLst>
+      <p:ext uri="{BB962C8B-B14F-4D97-AF65-F5344CB8AC3E}">
+        <p14:creationId xmlns:p14="http://schemas.microsoft.com/office/powerpoint/2010/main" val="851369127"/>
+      </p:ext>
+    </p:extLst>
+  </p:cSld>
+  <p:clrMapOvr>
+    <a:masterClrMapping/>
+  </p:clrMapOvr>
+</p:sld>
+</file>
+
+<file path=ppt/slides/slide5.xml><?xml version="1.0" encoding="utf-8"?>
+<p:sld xmlns:a="http://schemas.openxmlformats.org/drawingml/2006/main" xmlns:r="http://schemas.openxmlformats.org/officeDocument/2006/relationships" xmlns:p="http://schemas.openxmlformats.org/presentationml/2006/main">
+  <p:cSld>
+    <p:spTree>
+      <p:nvGrpSpPr>
+        <p:cNvPr id="1" name=""/>
+        <p:cNvGrpSpPr/>
+        <p:nvPr/>
+      </p:nvGrpSpPr>
+      <p:grpSpPr>
+        <a:xfrm>
+          <a:off x="0" y="0"/>
+          <a:ext cx="0" cy="0"/>
+          <a:chOff x="0" y="0"/>
+          <a:chExt cx="0" cy="0"/>
+        </a:xfrm>
+      </p:grpSpPr>
+      <p:sp>
+        <p:nvSpPr>
+          <p:cNvPr id="2" name="Title 1">
+            <a:extLst>
+              <a:ext uri="{FF2B5EF4-FFF2-40B4-BE49-F238E27FC236}">
+                <a16:creationId xmlns:a16="http://schemas.microsoft.com/office/drawing/2014/main" id="{DA37E7AE-987D-4E88-98DA-689707C0C20F}"/>
+              </a:ext>
+            </a:extLst>
+          </p:cNvPr>
+          <p:cNvSpPr>
+            <a:spLocks noGrp="1"/>
+          </p:cNvSpPr>
+          <p:nvPr>
+            <p:ph type="title"/>
+          </p:nvPr>
+        </p:nvSpPr>
+        <p:spPr/>
+        <p:txBody>
+          <a:bodyPr/>
+          <a:lstStyle/>
+          <a:p>
+            <a:r>
+              <a:rPr lang="en-GB" dirty="0"/>
+              <a:t>Dark 65 C</a:t>
+            </a:r>
+          </a:p>
+        </p:txBody>
+      </p:sp>
+      <p:pic>
+        <p:nvPicPr>
+          <p:cNvPr id="5" name="Content Placeholder 4">
+            <a:extLst>
+              <a:ext uri="{FF2B5EF4-FFF2-40B4-BE49-F238E27FC236}">
+                <a16:creationId xmlns:a16="http://schemas.microsoft.com/office/drawing/2014/main" id="{E9F1F8C9-7C07-4F83-9C14-2CE780A26963}"/>
+              </a:ext>
+            </a:extLst>
+          </p:cNvPr>
+          <p:cNvPicPr>
+            <a:picLocks noGrp="1" noChangeAspect="1"/>
+          </p:cNvPicPr>
+          <p:nvPr>
+            <p:ph idx="1"/>
+          </p:nvPr>
+        </p:nvPicPr>
+        <p:blipFill>
+          <a:blip r:embed="rId2">
+            <a:extLst>
+              <a:ext uri="{28A0092B-C50C-407E-A947-70E740481C1C}">
+                <a14:useLocalDpi xmlns:a14="http://schemas.microsoft.com/office/drawing/2010/main" val="0"/>
+              </a:ext>
+            </a:extLst>
+          </a:blip>
+          <a:stretch>
+            <a:fillRect/>
+          </a:stretch>
+        </p:blipFill>
+        <p:spPr>
+          <a:xfrm>
+            <a:off x="5332252" y="454485"/>
+            <a:ext cx="5801784" cy="4351338"/>
+          </a:xfrm>
+        </p:spPr>
+      </p:pic>
+      <p:sp>
+        <p:nvSpPr>
+          <p:cNvPr id="6" name="TextBox 5">
+            <a:extLst>
+              <a:ext uri="{FF2B5EF4-FFF2-40B4-BE49-F238E27FC236}">
+                <a16:creationId xmlns:a16="http://schemas.microsoft.com/office/drawing/2014/main" id="{3BB2E6B9-8461-4040-8D96-F8CF5F7C383A}"/>
+              </a:ext>
+            </a:extLst>
+          </p:cNvPr>
+          <p:cNvSpPr txBox="1"/>
+          <p:nvPr/>
+        </p:nvSpPr>
+        <p:spPr>
+          <a:xfrm>
+            <a:off x="967563" y="2445488"/>
+            <a:ext cx="3732028" cy="369332"/>
+          </a:xfrm>
+          <a:prstGeom prst="rect">
+            <a:avLst/>
+          </a:prstGeom>
+          <a:noFill/>
+        </p:spPr>
+        <p:txBody>
+          <a:bodyPr wrap="square" rtlCol="0">
+            <a:spAutoFit/>
+          </a:bodyPr>
+          <a:lstStyle/>
+          <a:p>
+            <a:r>
+              <a:rPr lang="en-GB" dirty="0"/>
+              <a:t>No kinks at all</a:t>
+            </a:r>
+          </a:p>
+        </p:txBody>
+      </p:sp>
+      <p:graphicFrame>
+        <p:nvGraphicFramePr>
+          <p:cNvPr id="10" name="Table 9">
+            <a:extLst>
+              <a:ext uri="{FF2B5EF4-FFF2-40B4-BE49-F238E27FC236}">
+                <a16:creationId xmlns:a16="http://schemas.microsoft.com/office/drawing/2014/main" id="{86D37568-5F36-464D-9DEB-06B6B99DE18F}"/>
+              </a:ext>
+            </a:extLst>
+          </p:cNvPr>
+          <p:cNvGraphicFramePr>
+            <a:graphicFrameLocks noGrp="1"/>
+          </p:cNvGraphicFramePr>
+          <p:nvPr>
+            <p:extLst>
+              <p:ext uri="{D42A27DB-BD31-4B8C-83A1-F6EECF244321}">
+                <p14:modId xmlns:p14="http://schemas.microsoft.com/office/powerpoint/2010/main" val="1932684095"/>
+              </p:ext>
+            </p:extLst>
+          </p:nvPr>
+        </p:nvGraphicFramePr>
+        <p:xfrm>
+          <a:off x="1301749" y="5182837"/>
+          <a:ext cx="9588501" cy="571500"/>
+        </p:xfrm>
+        <a:graphic>
+          <a:graphicData uri="http://schemas.openxmlformats.org/drawingml/2006/table">
+            <a:tbl>
+              <a:tblPr/>
+              <a:tblGrid>
+                <a:gridCol w="2769024">
+                  <a:extLst>
+                    <a:ext uri="{9D8B030D-6E8A-4147-A177-3AD203B41FA5}">
+                      <a16:colId xmlns:a16="http://schemas.microsoft.com/office/drawing/2014/main" val="1494714113"/>
+                    </a:ext>
+                  </a:extLst>
+                </a:gridCol>
+                <a:gridCol w="1585925">
+                  <a:extLst>
+                    <a:ext uri="{9D8B030D-6E8A-4147-A177-3AD203B41FA5}">
+                      <a16:colId xmlns:a16="http://schemas.microsoft.com/office/drawing/2014/main" val="2257067832"/>
+                    </a:ext>
+                  </a:extLst>
+                </a:gridCol>
+                <a:gridCol w="1585925">
+                  <a:extLst>
+                    <a:ext uri="{9D8B030D-6E8A-4147-A177-3AD203B41FA5}">
+                      <a16:colId xmlns:a16="http://schemas.microsoft.com/office/drawing/2014/main" val="3228902186"/>
+                    </a:ext>
+                  </a:extLst>
+                </a:gridCol>
+                <a:gridCol w="697807">
+                  <a:extLst>
+                    <a:ext uri="{9D8B030D-6E8A-4147-A177-3AD203B41FA5}">
+                      <a16:colId xmlns:a16="http://schemas.microsoft.com/office/drawing/2014/main" val="1809483132"/>
+                    </a:ext>
+                  </a:extLst>
+                </a:gridCol>
+                <a:gridCol w="1474910">
+                  <a:extLst>
+                    <a:ext uri="{9D8B030D-6E8A-4147-A177-3AD203B41FA5}">
+                      <a16:colId xmlns:a16="http://schemas.microsoft.com/office/drawing/2014/main" val="2735900140"/>
+                    </a:ext>
+                  </a:extLst>
+                </a:gridCol>
+                <a:gridCol w="1474910">
+                  <a:extLst>
+                    <a:ext uri="{9D8B030D-6E8A-4147-A177-3AD203B41FA5}">
+                      <a16:colId xmlns:a16="http://schemas.microsoft.com/office/drawing/2014/main" val="3343531616"/>
+                    </a:ext>
+                  </a:extLst>
+                </a:gridCol>
+              </a:tblGrid>
+              <a:tr h="190500">
+                <a:tc>
+                  <a:txBody>
+                    <a:bodyPr/>
+                    <a:lstStyle/>
+                    <a:p>
+                      <a:pPr algn="l" fontAlgn="b"/>
+                      <a:r>
+                        <a:rPr lang="en-GB" sz="1100" b="1" i="0" u="none" strike="noStrike">
+                          <a:solidFill>
+                            <a:srgbClr val="000000"/>
+                          </a:solidFill>
+                          <a:effectLst/>
+                          <a:latin typeface="Calibri" panose="020F0502020204030204" pitchFamily="34" charset="0"/>
+                        </a:rPr>
+                        <a:t>Name</a:t>
+                      </a:r>
+                    </a:p>
+                  </a:txBody>
+                  <a:tcPr marL="9525" marR="9525" marT="9525" marB="0" anchor="b">
+                    <a:lnL>
+                      <a:noFill/>
+                    </a:lnL>
+                    <a:lnR>
+                      <a:noFill/>
+                    </a:lnR>
+                    <a:lnT w="6350" cap="flat" cmpd="sng" algn="ctr">
+                      <a:solidFill>
+                        <a:srgbClr val="000000"/>
+                      </a:solidFill>
+                      <a:prstDash val="solid"/>
+                      <a:round/>
+                      <a:headEnd type="none" w="med" len="med"/>
+                      <a:tailEnd type="none" w="med" len="med"/>
+                    </a:lnT>
+                    <a:lnB w="6350" cap="flat" cmpd="sng" algn="ctr">
+                      <a:solidFill>
+                        <a:srgbClr val="000000"/>
+                      </a:solidFill>
+                      <a:prstDash val="solid"/>
+                      <a:round/>
+                      <a:headEnd type="none" w="med" len="med"/>
+                      <a:tailEnd type="none" w="med" len="med"/>
+                    </a:lnB>
+                  </a:tcPr>
+                </a:tc>
+                <a:tc>
+                  <a:txBody>
+                    <a:bodyPr/>
+                    <a:lstStyle/>
+                    <a:p>
+                      <a:pPr algn="l" fontAlgn="b"/>
+                      <a:r>
+                        <a:rPr lang="en-GB" sz="1100" b="1" i="0" u="none" strike="noStrike">
+                          <a:solidFill>
+                            <a:srgbClr val="000000"/>
+                          </a:solidFill>
+                          <a:effectLst/>
+                          <a:latin typeface="Calibri" panose="020F0502020204030204" pitchFamily="34" charset="0"/>
+                        </a:rPr>
+                        <a:t>Measurement</a:t>
+                      </a:r>
+                    </a:p>
+                  </a:txBody>
+                  <a:tcPr marL="9525" marR="9525" marT="9525" marB="0" anchor="b">
+                    <a:lnL>
+                      <a:noFill/>
+                    </a:lnL>
+                    <a:lnR>
+                      <a:noFill/>
+                    </a:lnR>
+                    <a:lnT w="6350" cap="flat" cmpd="sng" algn="ctr">
+                      <a:solidFill>
+                        <a:srgbClr val="000000"/>
+                      </a:solidFill>
+                      <a:prstDash val="solid"/>
+                      <a:round/>
+                      <a:headEnd type="none" w="med" len="med"/>
+                      <a:tailEnd type="none" w="med" len="med"/>
+                    </a:lnT>
+                    <a:lnB w="6350" cap="flat" cmpd="sng" algn="ctr">
+                      <a:solidFill>
+                        <a:srgbClr val="000000"/>
+                      </a:solidFill>
+                      <a:prstDash val="solid"/>
+                      <a:round/>
+                      <a:headEnd type="none" w="med" len="med"/>
+                      <a:tailEnd type="none" w="med" len="med"/>
+                    </a:lnB>
+                  </a:tcPr>
+                </a:tc>
+                <a:tc>
+                  <a:txBody>
+                    <a:bodyPr/>
+                    <a:lstStyle/>
+                    <a:p>
+                      <a:pPr algn="l" fontAlgn="b"/>
+                      <a:r>
+                        <a:rPr lang="en-GB" sz="1100" b="1" i="0" u="none" strike="noStrike">
+                          <a:solidFill>
+                            <a:srgbClr val="000000"/>
+                          </a:solidFill>
+                          <a:effectLst/>
+                          <a:latin typeface="Calibri" panose="020F0502020204030204" pitchFamily="34" charset="0"/>
+                        </a:rPr>
+                        <a:t>Direction</a:t>
+                      </a:r>
+                    </a:p>
+                  </a:txBody>
+                  <a:tcPr marL="9525" marR="9525" marT="9525" marB="0" anchor="b">
+                    <a:lnL>
+                      <a:noFill/>
+                    </a:lnL>
+                    <a:lnR>
+                      <a:noFill/>
+                    </a:lnR>
+                    <a:lnT w="6350" cap="flat" cmpd="sng" algn="ctr">
+                      <a:solidFill>
+                        <a:srgbClr val="000000"/>
+                      </a:solidFill>
+                      <a:prstDash val="solid"/>
+                      <a:round/>
+                      <a:headEnd type="none" w="med" len="med"/>
+                      <a:tailEnd type="none" w="med" len="med"/>
+                    </a:lnT>
+                    <a:lnB w="6350" cap="flat" cmpd="sng" algn="ctr">
+                      <a:solidFill>
+                        <a:srgbClr val="000000"/>
+                      </a:solidFill>
+                      <a:prstDash val="solid"/>
+                      <a:round/>
+                      <a:headEnd type="none" w="med" len="med"/>
+                      <a:tailEnd type="none" w="med" len="med"/>
+                    </a:lnB>
+                  </a:tcPr>
+                </a:tc>
+                <a:tc>
+                  <a:txBody>
+                    <a:bodyPr/>
+                    <a:lstStyle/>
+                    <a:p>
+                      <a:pPr algn="l" fontAlgn="b"/>
+                      <a:r>
+                        <a:rPr lang="en-GB" sz="1100" b="1" i="0" u="none" strike="noStrike">
+                          <a:solidFill>
+                            <a:srgbClr val="000000"/>
+                          </a:solidFill>
+                          <a:effectLst/>
+                          <a:latin typeface="Calibri" panose="020F0502020204030204" pitchFamily="34" charset="0"/>
+                        </a:rPr>
+                        <a:t>Position</a:t>
+                      </a:r>
+                    </a:p>
+                  </a:txBody>
+                  <a:tcPr marL="9525" marR="9525" marT="9525" marB="0" anchor="b">
+                    <a:lnL>
+                      <a:noFill/>
+                    </a:lnL>
+                    <a:lnR>
+                      <a:noFill/>
+                    </a:lnR>
+                    <a:lnT w="6350" cap="flat" cmpd="sng" algn="ctr">
+                      <a:solidFill>
+                        <a:srgbClr val="000000"/>
+                      </a:solidFill>
+                      <a:prstDash val="solid"/>
+                      <a:round/>
+                      <a:headEnd type="none" w="med" len="med"/>
+                      <a:tailEnd type="none" w="med" len="med"/>
+                    </a:lnT>
+                    <a:lnB w="6350" cap="flat" cmpd="sng" algn="ctr">
+                      <a:solidFill>
+                        <a:srgbClr val="000000"/>
+                      </a:solidFill>
+                      <a:prstDash val="solid"/>
+                      <a:round/>
+                      <a:headEnd type="none" w="med" len="med"/>
+                      <a:tailEnd type="none" w="med" len="med"/>
+                    </a:lnB>
+                  </a:tcPr>
+                </a:tc>
+                <a:tc>
+                  <a:txBody>
+                    <a:bodyPr/>
+                    <a:lstStyle/>
+                    <a:p>
+                      <a:pPr algn="l" fontAlgn="b"/>
+                      <a:r>
+                        <a:rPr lang="en-GB" sz="1100" b="1" i="0" u="none" strike="noStrike">
+                          <a:solidFill>
+                            <a:srgbClr val="000000"/>
+                          </a:solidFill>
+                          <a:effectLst/>
+                          <a:latin typeface="Calibri" panose="020F0502020204030204" pitchFamily="34" charset="0"/>
+                        </a:rPr>
+                        <a:t>R (Ohm)</a:t>
+                      </a:r>
+                    </a:p>
+                  </a:txBody>
+                  <a:tcPr marL="9525" marR="9525" marT="9525" marB="0" anchor="b">
+                    <a:lnL>
+                      <a:noFill/>
+                    </a:lnL>
+                    <a:lnR>
+                      <a:noFill/>
+                    </a:lnR>
+                    <a:lnT w="6350" cap="flat" cmpd="sng" algn="ctr">
+                      <a:solidFill>
+                        <a:srgbClr val="000000"/>
+                      </a:solidFill>
+                      <a:prstDash val="solid"/>
+                      <a:round/>
+                      <a:headEnd type="none" w="med" len="med"/>
+                      <a:tailEnd type="none" w="med" len="med"/>
+                    </a:lnT>
+                    <a:lnB w="6350" cap="flat" cmpd="sng" algn="ctr">
+                      <a:solidFill>
+                        <a:srgbClr val="000000"/>
+                      </a:solidFill>
+                      <a:prstDash val="solid"/>
+                      <a:round/>
+                      <a:headEnd type="none" w="med" len="med"/>
+                      <a:tailEnd type="none" w="med" len="med"/>
+                    </a:lnB>
+                  </a:tcPr>
+                </a:tc>
+                <a:tc>
+                  <a:txBody>
+                    <a:bodyPr/>
+                    <a:lstStyle/>
+                    <a:p>
+                      <a:pPr algn="l" fontAlgn="b"/>
+                      <a:r>
+                        <a:rPr lang="en-GB" sz="1100" b="1" i="0" u="none" strike="noStrike">
+                          <a:solidFill>
+                            <a:srgbClr val="000000"/>
+                          </a:solidFill>
+                          <a:effectLst/>
+                          <a:latin typeface="Calibri" panose="020F0502020204030204" pitchFamily="34" charset="0"/>
+                        </a:rPr>
+                        <a:t>R Std (Ohm)</a:t>
+                      </a:r>
+                    </a:p>
+                  </a:txBody>
+                  <a:tcPr marL="9525" marR="9525" marT="9525" marB="0" anchor="b">
+                    <a:lnL>
+                      <a:noFill/>
+                    </a:lnL>
+                    <a:lnR>
+                      <a:noFill/>
+                    </a:lnR>
+                    <a:lnT w="6350" cap="flat" cmpd="sng" algn="ctr">
+                      <a:solidFill>
+                        <a:srgbClr val="000000"/>
+                      </a:solidFill>
+                      <a:prstDash val="solid"/>
+                      <a:round/>
+                      <a:headEnd type="none" w="med" len="med"/>
+                      <a:tailEnd type="none" w="med" len="med"/>
+                    </a:lnT>
+                    <a:lnB w="6350" cap="flat" cmpd="sng" algn="ctr">
+                      <a:solidFill>
+                        <a:srgbClr val="000000"/>
+                      </a:solidFill>
+                      <a:prstDash val="solid"/>
+                      <a:round/>
+                      <a:headEnd type="none" w="med" len="med"/>
+                      <a:tailEnd type="none" w="med" len="med"/>
+                    </a:lnB>
+                  </a:tcPr>
+                </a:tc>
+                <a:extLst>
+                  <a:ext uri="{0D108BD9-81ED-4DB2-BD59-A6C34878D82A}">
+                    <a16:rowId xmlns:a16="http://schemas.microsoft.com/office/drawing/2014/main" val="4086214900"/>
+                  </a:ext>
+                </a:extLst>
+              </a:tr>
+              <a:tr h="190500">
+                <a:tc>
+                  <a:txBody>
+                    <a:bodyPr/>
+                    <a:lstStyle/>
+                    <a:p>
+                      <a:pPr algn="l" fontAlgn="b"/>
+                      <a:r>
+                        <a:rPr lang="en-GB" sz="1100" b="0" i="0" u="none" strike="noStrike">
+                          <a:solidFill>
+                            <a:srgbClr val="000000"/>
+                          </a:solidFill>
+                          <a:effectLst/>
+                          <a:latin typeface="Calibri" panose="020F0502020204030204" pitchFamily="34" charset="0"/>
+                        </a:rPr>
+                        <a:t>0127_1527_WO3196_full_IV_curve_dark</a:t>
+                      </a:r>
+                    </a:p>
+                  </a:txBody>
+                  <a:tcPr marL="9525" marR="9525" marT="9525" marB="0" anchor="b">
+                    <a:lnL>
+                      <a:noFill/>
+                    </a:lnL>
+                    <a:lnR>
+                      <a:noFill/>
+                    </a:lnR>
+                    <a:lnT w="6350" cap="flat" cmpd="sng" algn="ctr">
+                      <a:solidFill>
+                        <a:srgbClr val="000000"/>
+                      </a:solidFill>
+                      <a:prstDash val="solid"/>
+                      <a:round/>
+                      <a:headEnd type="none" w="med" len="med"/>
+                      <a:tailEnd type="none" w="med" len="med"/>
+                    </a:lnT>
+                    <a:lnB>
+                      <a:noFill/>
+                    </a:lnB>
+                    <a:solidFill>
+                      <a:srgbClr val="D9D9D9"/>
+                    </a:solidFill>
+                  </a:tcPr>
+                </a:tc>
+                <a:tc>
+                  <a:txBody>
+                    <a:bodyPr/>
+                    <a:lstStyle/>
+                    <a:p>
+                      <a:pPr algn="l" fontAlgn="b"/>
+                      <a:r>
+                        <a:rPr lang="en-GB" sz="1100" b="0" i="0" u="none" strike="noStrike">
+                          <a:solidFill>
+                            <a:srgbClr val="000000"/>
+                          </a:solidFill>
+                          <a:effectLst/>
+                          <a:latin typeface="Calibri" panose="020F0502020204030204" pitchFamily="34" charset="0"/>
+                        </a:rPr>
+                        <a:t>Dark 65</a:t>
+                      </a:r>
+                    </a:p>
+                  </a:txBody>
+                  <a:tcPr marL="9525" marR="9525" marT="9525" marB="0" anchor="b">
+                    <a:lnL>
+                      <a:noFill/>
+                    </a:lnL>
+                    <a:lnR>
+                      <a:noFill/>
+                    </a:lnR>
+                    <a:lnT w="6350" cap="flat" cmpd="sng" algn="ctr">
+                      <a:solidFill>
+                        <a:srgbClr val="000000"/>
+                      </a:solidFill>
+                      <a:prstDash val="solid"/>
+                      <a:round/>
+                      <a:headEnd type="none" w="med" len="med"/>
+                      <a:tailEnd type="none" w="med" len="med"/>
+                    </a:lnT>
+                    <a:lnB>
+                      <a:noFill/>
+                    </a:lnB>
+                    <a:solidFill>
+                      <a:srgbClr val="D9D9D9"/>
+                    </a:solidFill>
+                  </a:tcPr>
+                </a:tc>
+                <a:tc>
+                  <a:txBody>
+                    <a:bodyPr/>
+                    <a:lstStyle/>
+                    <a:p>
+                      <a:pPr algn="l" fontAlgn="b"/>
+                      <a:r>
+                        <a:rPr lang="en-GB" sz="1100" b="0" i="0" u="none" strike="noStrike">
+                          <a:solidFill>
+                            <a:srgbClr val="000000"/>
+                          </a:solidFill>
+                          <a:effectLst/>
+                          <a:latin typeface="Calibri" panose="020F0502020204030204" pitchFamily="34" charset="0"/>
+                        </a:rPr>
+                        <a:t>Minus</a:t>
+                      </a:r>
+                    </a:p>
+                  </a:txBody>
+                  <a:tcPr marL="9525" marR="9525" marT="9525" marB="0" anchor="b">
+                    <a:lnL>
+                      <a:noFill/>
+                    </a:lnL>
+                    <a:lnR>
+                      <a:noFill/>
+                    </a:lnR>
+                    <a:lnT w="6350" cap="flat" cmpd="sng" algn="ctr">
+                      <a:solidFill>
+                        <a:srgbClr val="000000"/>
+                      </a:solidFill>
+                      <a:prstDash val="solid"/>
+                      <a:round/>
+                      <a:headEnd type="none" w="med" len="med"/>
+                      <a:tailEnd type="none" w="med" len="med"/>
+                    </a:lnT>
+                    <a:lnB>
+                      <a:noFill/>
+                    </a:lnB>
+                    <a:solidFill>
+                      <a:srgbClr val="D9D9D9"/>
+                    </a:solidFill>
+                  </a:tcPr>
+                </a:tc>
+                <a:tc>
+                  <a:txBody>
+                    <a:bodyPr/>
+                    <a:lstStyle/>
+                    <a:p>
+                      <a:pPr algn="l" fontAlgn="b"/>
+                      <a:r>
+                        <a:rPr lang="en-GB" sz="1100" b="0" i="0" u="none" strike="noStrike">
+                          <a:solidFill>
+                            <a:srgbClr val="000000"/>
+                          </a:solidFill>
+                          <a:effectLst/>
+                          <a:latin typeface="Calibri" panose="020F0502020204030204" pitchFamily="34" charset="0"/>
+                        </a:rPr>
+                        <a:t>All</a:t>
+                      </a:r>
+                    </a:p>
+                  </a:txBody>
+                  <a:tcPr marL="9525" marR="9525" marT="9525" marB="0" anchor="b">
+                    <a:lnL>
+                      <a:noFill/>
+                    </a:lnL>
+                    <a:lnR>
+                      <a:noFill/>
+                    </a:lnR>
+                    <a:lnT w="6350" cap="flat" cmpd="sng" algn="ctr">
+                      <a:solidFill>
+                        <a:srgbClr val="000000"/>
+                      </a:solidFill>
+                      <a:prstDash val="solid"/>
+                      <a:round/>
+                      <a:headEnd type="none" w="med" len="med"/>
+                      <a:tailEnd type="none" w="med" len="med"/>
+                    </a:lnT>
+                    <a:lnB>
+                      <a:noFill/>
+                    </a:lnB>
+                    <a:solidFill>
+                      <a:srgbClr val="D9D9D9"/>
+                    </a:solidFill>
+                  </a:tcPr>
+                </a:tc>
+                <a:tc>
+                  <a:txBody>
+                    <a:bodyPr/>
+                    <a:lstStyle/>
+                    <a:p>
+                      <a:pPr algn="r" fontAlgn="b"/>
+                      <a:r>
+                        <a:rPr lang="en-GB" sz="1100" b="0" i="0" u="none" strike="noStrike">
+                          <a:solidFill>
+                            <a:srgbClr val="000000"/>
+                          </a:solidFill>
+                          <a:effectLst/>
+                          <a:latin typeface="Calibri" panose="020F0502020204030204" pitchFamily="34" charset="0"/>
+                        </a:rPr>
+                        <a:t>1.35E+07</a:t>
+                      </a:r>
+                    </a:p>
+                  </a:txBody>
+                  <a:tcPr marL="9525" marR="9525" marT="9525" marB="0" anchor="b">
+                    <a:lnL>
+                      <a:noFill/>
+                    </a:lnL>
+                    <a:lnR>
+                      <a:noFill/>
+                    </a:lnR>
+                    <a:lnT w="6350" cap="flat" cmpd="sng" algn="ctr">
+                      <a:solidFill>
+                        <a:srgbClr val="000000"/>
+                      </a:solidFill>
+                      <a:prstDash val="solid"/>
+                      <a:round/>
+                      <a:headEnd type="none" w="med" len="med"/>
+                      <a:tailEnd type="none" w="med" len="med"/>
+                    </a:lnT>
+                    <a:lnB>
+                      <a:noFill/>
+                    </a:lnB>
+                    <a:solidFill>
+                      <a:srgbClr val="D9D9D9"/>
+                    </a:solidFill>
+                  </a:tcPr>
+                </a:tc>
+                <a:tc>
+                  <a:txBody>
+                    <a:bodyPr/>
+                    <a:lstStyle/>
+                    <a:p>
+                      <a:pPr algn="r" fontAlgn="b"/>
+                      <a:r>
+                        <a:rPr lang="en-GB" sz="1100" b="0" i="0" u="none" strike="noStrike">
+                          <a:solidFill>
+                            <a:srgbClr val="000000"/>
+                          </a:solidFill>
+                          <a:effectLst/>
+                          <a:latin typeface="Calibri" panose="020F0502020204030204" pitchFamily="34" charset="0"/>
+                        </a:rPr>
+                        <a:t>8.73E+03</a:t>
+                      </a:r>
+                    </a:p>
+                  </a:txBody>
+                  <a:tcPr marL="9525" marR="9525" marT="9525" marB="0" anchor="b">
+                    <a:lnL>
+                      <a:noFill/>
+                    </a:lnL>
+                    <a:lnR>
+                      <a:noFill/>
+                    </a:lnR>
+                    <a:lnT w="6350" cap="flat" cmpd="sng" algn="ctr">
+                      <a:solidFill>
+                        <a:srgbClr val="000000"/>
+                      </a:solidFill>
+                      <a:prstDash val="solid"/>
+                      <a:round/>
+                      <a:headEnd type="none" w="med" len="med"/>
+                      <a:tailEnd type="none" w="med" len="med"/>
+                    </a:lnT>
+                    <a:lnB>
+                      <a:noFill/>
+                    </a:lnB>
+                    <a:solidFill>
+                      <a:srgbClr val="D9D9D9"/>
+                    </a:solidFill>
+                  </a:tcPr>
+                </a:tc>
+                <a:extLst>
+                  <a:ext uri="{0D108BD9-81ED-4DB2-BD59-A6C34878D82A}">
+                    <a16:rowId xmlns:a16="http://schemas.microsoft.com/office/drawing/2014/main" val="130926091"/>
+                  </a:ext>
+                </a:extLst>
+              </a:tr>
+              <a:tr h="190500">
+                <a:tc>
+                  <a:txBody>
+                    <a:bodyPr/>
+                    <a:lstStyle/>
+                    <a:p>
+                      <a:pPr algn="l" fontAlgn="b"/>
+                      <a:r>
+                        <a:rPr lang="en-GB" sz="1100" b="0" i="0" u="none" strike="noStrike">
+                          <a:solidFill>
+                            <a:srgbClr val="000000"/>
+                          </a:solidFill>
+                          <a:effectLst/>
+                          <a:latin typeface="Calibri" panose="020F0502020204030204" pitchFamily="34" charset="0"/>
+                        </a:rPr>
+                        <a:t>0127_1527_WO3196_full_IV_curve_dark</a:t>
+                      </a:r>
+                    </a:p>
+                  </a:txBody>
+                  <a:tcPr marL="9525" marR="9525" marT="9525" marB="0" anchor="b">
+                    <a:lnL>
+                      <a:noFill/>
+                    </a:lnL>
+                    <a:lnR>
+                      <a:noFill/>
+                    </a:lnR>
+                    <a:lnT>
+                      <a:noFill/>
+                    </a:lnT>
+                    <a:lnB>
+                      <a:noFill/>
+                    </a:lnB>
+                  </a:tcPr>
+                </a:tc>
+                <a:tc>
+                  <a:txBody>
+                    <a:bodyPr/>
+                    <a:lstStyle/>
+                    <a:p>
+                      <a:pPr algn="l" fontAlgn="b"/>
+                      <a:r>
+                        <a:rPr lang="en-GB" sz="1100" b="0" i="0" u="none" strike="noStrike">
+                          <a:solidFill>
+                            <a:srgbClr val="000000"/>
+                          </a:solidFill>
+                          <a:effectLst/>
+                          <a:latin typeface="Calibri" panose="020F0502020204030204" pitchFamily="34" charset="0"/>
+                        </a:rPr>
+                        <a:t>Dark 65</a:t>
+                      </a:r>
+                    </a:p>
+                  </a:txBody>
+                  <a:tcPr marL="9525" marR="9525" marT="9525" marB="0" anchor="b">
+                    <a:lnL>
+                      <a:noFill/>
+                    </a:lnL>
+                    <a:lnR>
+                      <a:noFill/>
+                    </a:lnR>
+                    <a:lnT>
+                      <a:noFill/>
+                    </a:lnT>
+                    <a:lnB>
+                      <a:noFill/>
+                    </a:lnB>
+                  </a:tcPr>
+                </a:tc>
+                <a:tc>
+                  <a:txBody>
+                    <a:bodyPr/>
+                    <a:lstStyle/>
+                    <a:p>
+                      <a:pPr algn="l" fontAlgn="b"/>
+                      <a:r>
+                        <a:rPr lang="en-GB" sz="1100" b="0" i="0" u="none" strike="noStrike">
+                          <a:solidFill>
+                            <a:srgbClr val="000000"/>
+                          </a:solidFill>
+                          <a:effectLst/>
+                          <a:latin typeface="Calibri" panose="020F0502020204030204" pitchFamily="34" charset="0"/>
+                        </a:rPr>
+                        <a:t>Plus</a:t>
+                      </a:r>
+                    </a:p>
+                  </a:txBody>
+                  <a:tcPr marL="9525" marR="9525" marT="9525" marB="0" anchor="b">
+                    <a:lnL>
+                      <a:noFill/>
+                    </a:lnL>
+                    <a:lnR>
+                      <a:noFill/>
+                    </a:lnR>
+                    <a:lnT>
+                      <a:noFill/>
+                    </a:lnT>
+                    <a:lnB>
+                      <a:noFill/>
+                    </a:lnB>
+                  </a:tcPr>
+                </a:tc>
+                <a:tc>
+                  <a:txBody>
+                    <a:bodyPr/>
+                    <a:lstStyle/>
+                    <a:p>
+                      <a:pPr algn="l" fontAlgn="b"/>
+                      <a:r>
+                        <a:rPr lang="en-GB" sz="1100" b="0" i="0" u="none" strike="noStrike">
+                          <a:solidFill>
+                            <a:srgbClr val="000000"/>
+                          </a:solidFill>
+                          <a:effectLst/>
+                          <a:latin typeface="Calibri" panose="020F0502020204030204" pitchFamily="34" charset="0"/>
+                        </a:rPr>
+                        <a:t>All</a:t>
+                      </a:r>
+                    </a:p>
+                  </a:txBody>
+                  <a:tcPr marL="9525" marR="9525" marT="9525" marB="0" anchor="b">
+                    <a:lnL>
+                      <a:noFill/>
+                    </a:lnL>
+                    <a:lnR>
+                      <a:noFill/>
+                    </a:lnR>
+                    <a:lnT>
+                      <a:noFill/>
+                    </a:lnT>
+                    <a:lnB>
+                      <a:noFill/>
+                    </a:lnB>
+                  </a:tcPr>
+                </a:tc>
+                <a:tc>
+                  <a:txBody>
+                    <a:bodyPr/>
+                    <a:lstStyle/>
+                    <a:p>
+                      <a:pPr algn="r" fontAlgn="b"/>
+                      <a:r>
+                        <a:rPr lang="en-GB" sz="1100" b="0" i="0" u="none" strike="noStrike">
+                          <a:solidFill>
+                            <a:srgbClr val="000000"/>
+                          </a:solidFill>
+                          <a:effectLst/>
+                          <a:latin typeface="Calibri" panose="020F0502020204030204" pitchFamily="34" charset="0"/>
+                        </a:rPr>
+                        <a:t>1.33E+07</a:t>
+                      </a:r>
+                    </a:p>
+                  </a:txBody>
+                  <a:tcPr marL="9525" marR="9525" marT="9525" marB="0" anchor="b">
+                    <a:lnL>
+                      <a:noFill/>
+                    </a:lnL>
+                    <a:lnR>
+                      <a:noFill/>
+                    </a:lnR>
+                    <a:lnT>
+                      <a:noFill/>
+                    </a:lnT>
+                    <a:lnB>
+                      <a:noFill/>
+                    </a:lnB>
+                  </a:tcPr>
+                </a:tc>
+                <a:tc>
+                  <a:txBody>
+                    <a:bodyPr/>
+                    <a:lstStyle/>
+                    <a:p>
+                      <a:pPr algn="r" fontAlgn="b"/>
+                      <a:r>
+                        <a:rPr lang="en-GB" sz="1100" b="0" i="0" u="none" strike="noStrike" dirty="0">
+                          <a:solidFill>
+                            <a:srgbClr val="000000"/>
+                          </a:solidFill>
+                          <a:effectLst/>
+                          <a:latin typeface="Calibri" panose="020F0502020204030204" pitchFamily="34" charset="0"/>
+                        </a:rPr>
+                        <a:t>1.47E+04</a:t>
+                      </a:r>
+                    </a:p>
+                  </a:txBody>
+                  <a:tcPr marL="9525" marR="9525" marT="9525" marB="0" anchor="b">
+                    <a:lnL>
+                      <a:noFill/>
+                    </a:lnL>
+                    <a:lnR>
+                      <a:noFill/>
+                    </a:lnR>
+                    <a:lnT>
+                      <a:noFill/>
+                    </a:lnT>
+                    <a:lnB>
+                      <a:noFill/>
+                    </a:lnB>
+                  </a:tcPr>
+                </a:tc>
+                <a:extLst>
+                  <a:ext uri="{0D108BD9-81ED-4DB2-BD59-A6C34878D82A}">
+                    <a16:rowId xmlns:a16="http://schemas.microsoft.com/office/drawing/2014/main" val="1293040236"/>
+                  </a:ext>
+                </a:extLst>
+              </a:tr>
+            </a:tbl>
+          </a:graphicData>
+        </a:graphic>
+      </p:graphicFrame>
+      <p:sp>
+        <p:nvSpPr>
+          <p:cNvPr id="7" name="TextBox 6">
+            <a:extLst>
+              <a:ext uri="{FF2B5EF4-FFF2-40B4-BE49-F238E27FC236}">
+                <a16:creationId xmlns:a16="http://schemas.microsoft.com/office/drawing/2014/main" id="{5AABA758-D180-48FF-B2F3-9CB97886A22D}"/>
+              </a:ext>
+            </a:extLst>
+          </p:cNvPr>
+          <p:cNvSpPr txBox="1"/>
+          <p:nvPr/>
+        </p:nvSpPr>
+        <p:spPr>
+          <a:xfrm>
+            <a:off x="1210340" y="4813505"/>
+            <a:ext cx="3489251" cy="369332"/>
+          </a:xfrm>
+          <a:prstGeom prst="rect">
+            <a:avLst/>
+          </a:prstGeom>
+          <a:noFill/>
+        </p:spPr>
+        <p:txBody>
+          <a:bodyPr wrap="square" rtlCol="0">
+            <a:spAutoFit/>
+          </a:bodyPr>
+          <a:lstStyle/>
+          <a:p>
+            <a:r>
+              <a:rPr lang="en-GB" dirty="0"/>
+              <a:t>Fit results</a:t>
+            </a:r>
+          </a:p>
+        </p:txBody>
+      </p:sp>
+    </p:spTree>
+    <p:extLst>
+      <p:ext uri="{BB962C8B-B14F-4D97-AF65-F5344CB8AC3E}">
+        <p14:creationId xmlns:p14="http://schemas.microsoft.com/office/powerpoint/2010/main" val="257038580"/>
+      </p:ext>
+    </p:extLst>
+  </p:cSld>
+  <p:clrMapOvr>
+    <a:masterClrMapping/>
+  </p:clrMapOvr>
+</p:sld>
+</file>
+
+<file path=ppt/slides/slide6.xml><?xml version="1.0" encoding="utf-8"?>
 <p:sld xmlns:a="http://schemas.openxmlformats.org/drawingml/2006/main" xmlns:r="http://schemas.openxmlformats.org/officeDocument/2006/relationships" xmlns:p="http://schemas.openxmlformats.org/presentationml/2006/main">
   <p:cSld>
     <p:spTree>
@@ -7620,2822 +10471,6 @@
     <p:extLst>
       <p:ext uri="{BB962C8B-B14F-4D97-AF65-F5344CB8AC3E}">
         <p14:creationId xmlns:p14="http://schemas.microsoft.com/office/powerpoint/2010/main" val="1564235750"/>
-      </p:ext>
-    </p:extLst>
-  </p:cSld>
-  <p:clrMapOvr>
-    <a:masterClrMapping/>
-  </p:clrMapOvr>
-</p:sld>
-</file>
-
-<file path=ppt/slides/slide5.xml><?xml version="1.0" encoding="utf-8"?>
-<p:sld xmlns:a="http://schemas.openxmlformats.org/drawingml/2006/main" xmlns:r="http://schemas.openxmlformats.org/officeDocument/2006/relationships" xmlns:p="http://schemas.openxmlformats.org/presentationml/2006/main">
-  <p:cSld>
-    <p:spTree>
-      <p:nvGrpSpPr>
-        <p:cNvPr id="1" name=""/>
-        <p:cNvGrpSpPr/>
-        <p:nvPr/>
-      </p:nvGrpSpPr>
-      <p:grpSpPr>
-        <a:xfrm>
-          <a:off x="0" y="0"/>
-          <a:ext cx="0" cy="0"/>
-          <a:chOff x="0" y="0"/>
-          <a:chExt cx="0" cy="0"/>
-        </a:xfrm>
-      </p:grpSpPr>
-      <p:sp>
-        <p:nvSpPr>
-          <p:cNvPr id="2" name="Title 1">
-            <a:extLst>
-              <a:ext uri="{FF2B5EF4-FFF2-40B4-BE49-F238E27FC236}">
-                <a16:creationId xmlns:a16="http://schemas.microsoft.com/office/drawing/2014/main" id="{A09F2B33-E98A-4775-AFEE-D670902EE854}"/>
-              </a:ext>
-            </a:extLst>
-          </p:cNvPr>
-          <p:cNvSpPr>
-            <a:spLocks noGrp="1"/>
-          </p:cNvSpPr>
-          <p:nvPr>
-            <p:ph type="title"/>
-          </p:nvPr>
-        </p:nvSpPr>
-        <p:spPr/>
-        <p:txBody>
-          <a:bodyPr/>
-          <a:lstStyle/>
-          <a:p>
-            <a:r>
-              <a:rPr lang="en-GB" dirty="0"/>
-              <a:t>Dark 25 C</a:t>
-            </a:r>
-          </a:p>
-        </p:txBody>
-      </p:sp>
-      <p:pic>
-        <p:nvPicPr>
-          <p:cNvPr id="5" name="Content Placeholder 4">
-            <a:extLst>
-              <a:ext uri="{FF2B5EF4-FFF2-40B4-BE49-F238E27FC236}">
-                <a16:creationId xmlns:a16="http://schemas.microsoft.com/office/drawing/2014/main" id="{F56BC750-A4B2-4717-97C7-D81955AB4555}"/>
-              </a:ext>
-            </a:extLst>
-          </p:cNvPr>
-          <p:cNvPicPr>
-            <a:picLocks noGrp="1" noChangeAspect="1"/>
-          </p:cNvPicPr>
-          <p:nvPr>
-            <p:ph idx="1"/>
-          </p:nvPr>
-        </p:nvPicPr>
-        <p:blipFill>
-          <a:blip r:embed="rId2">
-            <a:extLst>
-              <a:ext uri="{28A0092B-C50C-407E-A947-70E740481C1C}">
-                <a14:useLocalDpi xmlns:a14="http://schemas.microsoft.com/office/drawing/2010/main" val="0"/>
-              </a:ext>
-            </a:extLst>
-          </a:blip>
-          <a:stretch>
-            <a:fillRect/>
-          </a:stretch>
-        </p:blipFill>
-        <p:spPr>
-          <a:xfrm>
-            <a:off x="6172224" y="113783"/>
-            <a:ext cx="5801784" cy="4351338"/>
-          </a:xfrm>
-        </p:spPr>
-      </p:pic>
-      <p:graphicFrame>
-        <p:nvGraphicFramePr>
-          <p:cNvPr id="7" name="Table 6">
-            <a:extLst>
-              <a:ext uri="{FF2B5EF4-FFF2-40B4-BE49-F238E27FC236}">
-                <a16:creationId xmlns:a16="http://schemas.microsoft.com/office/drawing/2014/main" id="{1FF4F0C0-4278-4E52-8B06-5E22C14E5823}"/>
-              </a:ext>
-            </a:extLst>
-          </p:cNvPr>
-          <p:cNvGraphicFramePr>
-            <a:graphicFrameLocks noGrp="1"/>
-          </p:cNvGraphicFramePr>
-          <p:nvPr>
-            <p:extLst>
-              <p:ext uri="{D42A27DB-BD31-4B8C-83A1-F6EECF244321}">
-                <p14:modId xmlns:p14="http://schemas.microsoft.com/office/powerpoint/2010/main" val="2274864421"/>
-              </p:ext>
-            </p:extLst>
-          </p:nvPr>
-        </p:nvGraphicFramePr>
-        <p:xfrm>
-          <a:off x="838200" y="4716463"/>
-          <a:ext cx="9588501" cy="1333500"/>
-        </p:xfrm>
-        <a:graphic>
-          <a:graphicData uri="http://schemas.openxmlformats.org/drawingml/2006/table">
-            <a:tbl>
-              <a:tblPr/>
-              <a:tblGrid>
-                <a:gridCol w="2769024">
-                  <a:extLst>
-                    <a:ext uri="{9D8B030D-6E8A-4147-A177-3AD203B41FA5}">
-                      <a16:colId xmlns:a16="http://schemas.microsoft.com/office/drawing/2014/main" val="668525327"/>
-                    </a:ext>
-                  </a:extLst>
-                </a:gridCol>
-                <a:gridCol w="1585925">
-                  <a:extLst>
-                    <a:ext uri="{9D8B030D-6E8A-4147-A177-3AD203B41FA5}">
-                      <a16:colId xmlns:a16="http://schemas.microsoft.com/office/drawing/2014/main" val="2130462678"/>
-                    </a:ext>
-                  </a:extLst>
-                </a:gridCol>
-                <a:gridCol w="1585925">
-                  <a:extLst>
-                    <a:ext uri="{9D8B030D-6E8A-4147-A177-3AD203B41FA5}">
-                      <a16:colId xmlns:a16="http://schemas.microsoft.com/office/drawing/2014/main" val="1114181779"/>
-                    </a:ext>
-                  </a:extLst>
-                </a:gridCol>
-                <a:gridCol w="697807">
-                  <a:extLst>
-                    <a:ext uri="{9D8B030D-6E8A-4147-A177-3AD203B41FA5}">
-                      <a16:colId xmlns:a16="http://schemas.microsoft.com/office/drawing/2014/main" val="2538120917"/>
-                    </a:ext>
-                  </a:extLst>
-                </a:gridCol>
-                <a:gridCol w="1474910">
-                  <a:extLst>
-                    <a:ext uri="{9D8B030D-6E8A-4147-A177-3AD203B41FA5}">
-                      <a16:colId xmlns:a16="http://schemas.microsoft.com/office/drawing/2014/main" val="4215215402"/>
-                    </a:ext>
-                  </a:extLst>
-                </a:gridCol>
-                <a:gridCol w="1474910">
-                  <a:extLst>
-                    <a:ext uri="{9D8B030D-6E8A-4147-A177-3AD203B41FA5}">
-                      <a16:colId xmlns:a16="http://schemas.microsoft.com/office/drawing/2014/main" val="1597128942"/>
-                    </a:ext>
-                  </a:extLst>
-                </a:gridCol>
-              </a:tblGrid>
-              <a:tr h="190500">
-                <a:tc>
-                  <a:txBody>
-                    <a:bodyPr/>
-                    <a:lstStyle/>
-                    <a:p>
-                      <a:pPr algn="l" fontAlgn="b"/>
-                      <a:r>
-                        <a:rPr lang="en-GB" sz="1100" b="1" i="0" u="none" strike="noStrike">
-                          <a:solidFill>
-                            <a:srgbClr val="000000"/>
-                          </a:solidFill>
-                          <a:effectLst/>
-                          <a:latin typeface="Calibri" panose="020F0502020204030204" pitchFamily="34" charset="0"/>
-                        </a:rPr>
-                        <a:t>Name</a:t>
-                      </a:r>
-                    </a:p>
-                  </a:txBody>
-                  <a:tcPr marL="9525" marR="9525" marT="9525" marB="0" anchor="b">
-                    <a:lnL>
-                      <a:noFill/>
-                    </a:lnL>
-                    <a:lnR>
-                      <a:noFill/>
-                    </a:lnR>
-                    <a:lnT w="6350" cap="flat" cmpd="sng" algn="ctr">
-                      <a:solidFill>
-                        <a:srgbClr val="000000"/>
-                      </a:solidFill>
-                      <a:prstDash val="solid"/>
-                      <a:round/>
-                      <a:headEnd type="none" w="med" len="med"/>
-                      <a:tailEnd type="none" w="med" len="med"/>
-                    </a:lnT>
-                    <a:lnB w="6350" cap="flat" cmpd="sng" algn="ctr">
-                      <a:solidFill>
-                        <a:srgbClr val="000000"/>
-                      </a:solidFill>
-                      <a:prstDash val="solid"/>
-                      <a:round/>
-                      <a:headEnd type="none" w="med" len="med"/>
-                      <a:tailEnd type="none" w="med" len="med"/>
-                    </a:lnB>
-                  </a:tcPr>
-                </a:tc>
-                <a:tc>
-                  <a:txBody>
-                    <a:bodyPr/>
-                    <a:lstStyle/>
-                    <a:p>
-                      <a:pPr algn="l" fontAlgn="b"/>
-                      <a:r>
-                        <a:rPr lang="en-GB" sz="1100" b="1" i="0" u="none" strike="noStrike">
-                          <a:solidFill>
-                            <a:srgbClr val="000000"/>
-                          </a:solidFill>
-                          <a:effectLst/>
-                          <a:latin typeface="Calibri" panose="020F0502020204030204" pitchFamily="34" charset="0"/>
-                        </a:rPr>
-                        <a:t>Measurement</a:t>
-                      </a:r>
-                    </a:p>
-                  </a:txBody>
-                  <a:tcPr marL="9525" marR="9525" marT="9525" marB="0" anchor="b">
-                    <a:lnL>
-                      <a:noFill/>
-                    </a:lnL>
-                    <a:lnR>
-                      <a:noFill/>
-                    </a:lnR>
-                    <a:lnT w="6350" cap="flat" cmpd="sng" algn="ctr">
-                      <a:solidFill>
-                        <a:srgbClr val="000000"/>
-                      </a:solidFill>
-                      <a:prstDash val="solid"/>
-                      <a:round/>
-                      <a:headEnd type="none" w="med" len="med"/>
-                      <a:tailEnd type="none" w="med" len="med"/>
-                    </a:lnT>
-                    <a:lnB w="6350" cap="flat" cmpd="sng" algn="ctr">
-                      <a:solidFill>
-                        <a:srgbClr val="000000"/>
-                      </a:solidFill>
-                      <a:prstDash val="solid"/>
-                      <a:round/>
-                      <a:headEnd type="none" w="med" len="med"/>
-                      <a:tailEnd type="none" w="med" len="med"/>
-                    </a:lnB>
-                  </a:tcPr>
-                </a:tc>
-                <a:tc>
-                  <a:txBody>
-                    <a:bodyPr/>
-                    <a:lstStyle/>
-                    <a:p>
-                      <a:pPr algn="l" fontAlgn="b"/>
-                      <a:r>
-                        <a:rPr lang="en-GB" sz="1100" b="1" i="0" u="none" strike="noStrike">
-                          <a:solidFill>
-                            <a:srgbClr val="000000"/>
-                          </a:solidFill>
-                          <a:effectLst/>
-                          <a:latin typeface="Calibri" panose="020F0502020204030204" pitchFamily="34" charset="0"/>
-                        </a:rPr>
-                        <a:t>Direction</a:t>
-                      </a:r>
-                    </a:p>
-                  </a:txBody>
-                  <a:tcPr marL="9525" marR="9525" marT="9525" marB="0" anchor="b">
-                    <a:lnL>
-                      <a:noFill/>
-                    </a:lnL>
-                    <a:lnR>
-                      <a:noFill/>
-                    </a:lnR>
-                    <a:lnT w="6350" cap="flat" cmpd="sng" algn="ctr">
-                      <a:solidFill>
-                        <a:srgbClr val="000000"/>
-                      </a:solidFill>
-                      <a:prstDash val="solid"/>
-                      <a:round/>
-                      <a:headEnd type="none" w="med" len="med"/>
-                      <a:tailEnd type="none" w="med" len="med"/>
-                    </a:lnT>
-                    <a:lnB w="6350" cap="flat" cmpd="sng" algn="ctr">
-                      <a:solidFill>
-                        <a:srgbClr val="000000"/>
-                      </a:solidFill>
-                      <a:prstDash val="solid"/>
-                      <a:round/>
-                      <a:headEnd type="none" w="med" len="med"/>
-                      <a:tailEnd type="none" w="med" len="med"/>
-                    </a:lnB>
-                  </a:tcPr>
-                </a:tc>
-                <a:tc>
-                  <a:txBody>
-                    <a:bodyPr/>
-                    <a:lstStyle/>
-                    <a:p>
-                      <a:pPr algn="l" fontAlgn="b"/>
-                      <a:r>
-                        <a:rPr lang="en-GB" sz="1100" b="1" i="0" u="none" strike="noStrike">
-                          <a:solidFill>
-                            <a:srgbClr val="000000"/>
-                          </a:solidFill>
-                          <a:effectLst/>
-                          <a:latin typeface="Calibri" panose="020F0502020204030204" pitchFamily="34" charset="0"/>
-                        </a:rPr>
-                        <a:t>Position</a:t>
-                      </a:r>
-                    </a:p>
-                  </a:txBody>
-                  <a:tcPr marL="9525" marR="9525" marT="9525" marB="0" anchor="b">
-                    <a:lnL>
-                      <a:noFill/>
-                    </a:lnL>
-                    <a:lnR>
-                      <a:noFill/>
-                    </a:lnR>
-                    <a:lnT w="6350" cap="flat" cmpd="sng" algn="ctr">
-                      <a:solidFill>
-                        <a:srgbClr val="000000"/>
-                      </a:solidFill>
-                      <a:prstDash val="solid"/>
-                      <a:round/>
-                      <a:headEnd type="none" w="med" len="med"/>
-                      <a:tailEnd type="none" w="med" len="med"/>
-                    </a:lnT>
-                    <a:lnB w="6350" cap="flat" cmpd="sng" algn="ctr">
-                      <a:solidFill>
-                        <a:srgbClr val="000000"/>
-                      </a:solidFill>
-                      <a:prstDash val="solid"/>
-                      <a:round/>
-                      <a:headEnd type="none" w="med" len="med"/>
-                      <a:tailEnd type="none" w="med" len="med"/>
-                    </a:lnB>
-                  </a:tcPr>
-                </a:tc>
-                <a:tc>
-                  <a:txBody>
-                    <a:bodyPr/>
-                    <a:lstStyle/>
-                    <a:p>
-                      <a:pPr algn="l" fontAlgn="b"/>
-                      <a:r>
-                        <a:rPr lang="en-GB" sz="1100" b="1" i="0" u="none" strike="noStrike">
-                          <a:solidFill>
-                            <a:srgbClr val="000000"/>
-                          </a:solidFill>
-                          <a:effectLst/>
-                          <a:latin typeface="Calibri" panose="020F0502020204030204" pitchFamily="34" charset="0"/>
-                        </a:rPr>
-                        <a:t>R (Ohm)</a:t>
-                      </a:r>
-                    </a:p>
-                  </a:txBody>
-                  <a:tcPr marL="9525" marR="9525" marT="9525" marB="0" anchor="b">
-                    <a:lnL>
-                      <a:noFill/>
-                    </a:lnL>
-                    <a:lnR>
-                      <a:noFill/>
-                    </a:lnR>
-                    <a:lnT w="6350" cap="flat" cmpd="sng" algn="ctr">
-                      <a:solidFill>
-                        <a:srgbClr val="000000"/>
-                      </a:solidFill>
-                      <a:prstDash val="solid"/>
-                      <a:round/>
-                      <a:headEnd type="none" w="med" len="med"/>
-                      <a:tailEnd type="none" w="med" len="med"/>
-                    </a:lnT>
-                    <a:lnB w="6350" cap="flat" cmpd="sng" algn="ctr">
-                      <a:solidFill>
-                        <a:srgbClr val="000000"/>
-                      </a:solidFill>
-                      <a:prstDash val="solid"/>
-                      <a:round/>
-                      <a:headEnd type="none" w="med" len="med"/>
-                      <a:tailEnd type="none" w="med" len="med"/>
-                    </a:lnB>
-                  </a:tcPr>
-                </a:tc>
-                <a:tc>
-                  <a:txBody>
-                    <a:bodyPr/>
-                    <a:lstStyle/>
-                    <a:p>
-                      <a:pPr algn="l" fontAlgn="b"/>
-                      <a:r>
-                        <a:rPr lang="en-GB" sz="1100" b="1" i="0" u="none" strike="noStrike">
-                          <a:solidFill>
-                            <a:srgbClr val="000000"/>
-                          </a:solidFill>
-                          <a:effectLst/>
-                          <a:latin typeface="Calibri" panose="020F0502020204030204" pitchFamily="34" charset="0"/>
-                        </a:rPr>
-                        <a:t>R Std (Ohm)</a:t>
-                      </a:r>
-                    </a:p>
-                  </a:txBody>
-                  <a:tcPr marL="9525" marR="9525" marT="9525" marB="0" anchor="b">
-                    <a:lnL>
-                      <a:noFill/>
-                    </a:lnL>
-                    <a:lnR>
-                      <a:noFill/>
-                    </a:lnR>
-                    <a:lnT w="6350" cap="flat" cmpd="sng" algn="ctr">
-                      <a:solidFill>
-                        <a:srgbClr val="000000"/>
-                      </a:solidFill>
-                      <a:prstDash val="solid"/>
-                      <a:round/>
-                      <a:headEnd type="none" w="med" len="med"/>
-                      <a:tailEnd type="none" w="med" len="med"/>
-                    </a:lnT>
-                    <a:lnB w="6350" cap="flat" cmpd="sng" algn="ctr">
-                      <a:solidFill>
-                        <a:srgbClr val="000000"/>
-                      </a:solidFill>
-                      <a:prstDash val="solid"/>
-                      <a:round/>
-                      <a:headEnd type="none" w="med" len="med"/>
-                      <a:tailEnd type="none" w="med" len="med"/>
-                    </a:lnB>
-                  </a:tcPr>
-                </a:tc>
-                <a:extLst>
-                  <a:ext uri="{0D108BD9-81ED-4DB2-BD59-A6C34878D82A}">
-                    <a16:rowId xmlns:a16="http://schemas.microsoft.com/office/drawing/2014/main" val="1459912918"/>
-                  </a:ext>
-                </a:extLst>
-              </a:tr>
-              <a:tr h="190500">
-                <a:tc>
-                  <a:txBody>
-                    <a:bodyPr/>
-                    <a:lstStyle/>
-                    <a:p>
-                      <a:pPr algn="l" fontAlgn="b"/>
-                      <a:r>
-                        <a:rPr lang="en-GB" sz="1100" b="0" i="0" u="none" strike="noStrike">
-                          <a:solidFill>
-                            <a:srgbClr val="000000"/>
-                          </a:solidFill>
-                          <a:effectLst/>
-                          <a:latin typeface="Calibri" panose="020F0502020204030204" pitchFamily="34" charset="0"/>
-                        </a:rPr>
-                        <a:t>0124_1816_WO3196_full_IV_curve_dark</a:t>
-                      </a:r>
-                    </a:p>
-                  </a:txBody>
-                  <a:tcPr marL="9525" marR="9525" marT="9525" marB="0" anchor="b">
-                    <a:lnL>
-                      <a:noFill/>
-                    </a:lnL>
-                    <a:lnR>
-                      <a:noFill/>
-                    </a:lnR>
-                    <a:lnT w="6350" cap="flat" cmpd="sng" algn="ctr">
-                      <a:solidFill>
-                        <a:srgbClr val="000000"/>
-                      </a:solidFill>
-                      <a:prstDash val="solid"/>
-                      <a:round/>
-                      <a:headEnd type="none" w="med" len="med"/>
-                      <a:tailEnd type="none" w="med" len="med"/>
-                    </a:lnT>
-                    <a:lnB>
-                      <a:noFill/>
-                    </a:lnB>
-                    <a:solidFill>
-                      <a:srgbClr val="D9D9D9"/>
-                    </a:solidFill>
-                  </a:tcPr>
-                </a:tc>
-                <a:tc>
-                  <a:txBody>
-                    <a:bodyPr/>
-                    <a:lstStyle/>
-                    <a:p>
-                      <a:pPr algn="l" fontAlgn="b"/>
-                      <a:r>
-                        <a:rPr lang="en-GB" sz="1100" b="0" i="0" u="none" strike="noStrike">
-                          <a:solidFill>
-                            <a:srgbClr val="000000"/>
-                          </a:solidFill>
-                          <a:effectLst/>
-                          <a:latin typeface="Calibri" panose="020F0502020204030204" pitchFamily="34" charset="0"/>
-                        </a:rPr>
-                        <a:t>Dark 25</a:t>
-                      </a:r>
-                    </a:p>
-                  </a:txBody>
-                  <a:tcPr marL="9525" marR="9525" marT="9525" marB="0" anchor="b">
-                    <a:lnL>
-                      <a:noFill/>
-                    </a:lnL>
-                    <a:lnR>
-                      <a:noFill/>
-                    </a:lnR>
-                    <a:lnT w="6350" cap="flat" cmpd="sng" algn="ctr">
-                      <a:solidFill>
-                        <a:srgbClr val="000000"/>
-                      </a:solidFill>
-                      <a:prstDash val="solid"/>
-                      <a:round/>
-                      <a:headEnd type="none" w="med" len="med"/>
-                      <a:tailEnd type="none" w="med" len="med"/>
-                    </a:lnT>
-                    <a:lnB>
-                      <a:noFill/>
-                    </a:lnB>
-                    <a:solidFill>
-                      <a:srgbClr val="D9D9D9"/>
-                    </a:solidFill>
-                  </a:tcPr>
-                </a:tc>
-                <a:tc>
-                  <a:txBody>
-                    <a:bodyPr/>
-                    <a:lstStyle/>
-                    <a:p>
-                      <a:pPr algn="l" fontAlgn="b"/>
-                      <a:r>
-                        <a:rPr lang="en-GB" sz="1100" b="0" i="0" u="none" strike="noStrike">
-                          <a:solidFill>
-                            <a:srgbClr val="000000"/>
-                          </a:solidFill>
-                          <a:effectLst/>
-                          <a:latin typeface="Calibri" panose="020F0502020204030204" pitchFamily="34" charset="0"/>
-                        </a:rPr>
-                        <a:t>Minus</a:t>
-                      </a:r>
-                    </a:p>
-                  </a:txBody>
-                  <a:tcPr marL="9525" marR="9525" marT="9525" marB="0" anchor="b">
-                    <a:lnL>
-                      <a:noFill/>
-                    </a:lnL>
-                    <a:lnR>
-                      <a:noFill/>
-                    </a:lnR>
-                    <a:lnT w="6350" cap="flat" cmpd="sng" algn="ctr">
-                      <a:solidFill>
-                        <a:srgbClr val="000000"/>
-                      </a:solidFill>
-                      <a:prstDash val="solid"/>
-                      <a:round/>
-                      <a:headEnd type="none" w="med" len="med"/>
-                      <a:tailEnd type="none" w="med" len="med"/>
-                    </a:lnT>
-                    <a:lnB>
-                      <a:noFill/>
-                    </a:lnB>
-                    <a:solidFill>
-                      <a:srgbClr val="D9D9D9"/>
-                    </a:solidFill>
-                  </a:tcPr>
-                </a:tc>
-                <a:tc>
-                  <a:txBody>
-                    <a:bodyPr/>
-                    <a:lstStyle/>
-                    <a:p>
-                      <a:pPr algn="l" fontAlgn="b"/>
-                      <a:r>
-                        <a:rPr lang="en-GB" sz="1100" b="0" i="0" u="none" strike="noStrike" dirty="0">
-                          <a:solidFill>
-                            <a:srgbClr val="000000"/>
-                          </a:solidFill>
-                          <a:effectLst/>
-                          <a:latin typeface="Calibri" panose="020F0502020204030204" pitchFamily="34" charset="0"/>
-                        </a:rPr>
-                        <a:t>Bottom</a:t>
-                      </a:r>
-                    </a:p>
-                  </a:txBody>
-                  <a:tcPr marL="9525" marR="9525" marT="9525" marB="0" anchor="b">
-                    <a:lnL>
-                      <a:noFill/>
-                    </a:lnL>
-                    <a:lnR>
-                      <a:noFill/>
-                    </a:lnR>
-                    <a:lnT w="6350" cap="flat" cmpd="sng" algn="ctr">
-                      <a:solidFill>
-                        <a:srgbClr val="000000"/>
-                      </a:solidFill>
-                      <a:prstDash val="solid"/>
-                      <a:round/>
-                      <a:headEnd type="none" w="med" len="med"/>
-                      <a:tailEnd type="none" w="med" len="med"/>
-                    </a:lnT>
-                    <a:lnB>
-                      <a:noFill/>
-                    </a:lnB>
-                    <a:solidFill>
-                      <a:srgbClr val="D9D9D9"/>
-                    </a:solidFill>
-                  </a:tcPr>
-                </a:tc>
-                <a:tc>
-                  <a:txBody>
-                    <a:bodyPr/>
-                    <a:lstStyle/>
-                    <a:p>
-                      <a:pPr algn="r" fontAlgn="b"/>
-                      <a:r>
-                        <a:rPr lang="en-GB" sz="1100" b="0" i="0" u="none" strike="noStrike">
-                          <a:solidFill>
-                            <a:srgbClr val="000000"/>
-                          </a:solidFill>
-                          <a:effectLst/>
-                          <a:latin typeface="Calibri" panose="020F0502020204030204" pitchFamily="34" charset="0"/>
-                        </a:rPr>
-                        <a:t>8.05E+07</a:t>
-                      </a:r>
-                    </a:p>
-                  </a:txBody>
-                  <a:tcPr marL="9525" marR="9525" marT="9525" marB="0" anchor="b">
-                    <a:lnL>
-                      <a:noFill/>
-                    </a:lnL>
-                    <a:lnR>
-                      <a:noFill/>
-                    </a:lnR>
-                    <a:lnT w="6350" cap="flat" cmpd="sng" algn="ctr">
-                      <a:solidFill>
-                        <a:srgbClr val="000000"/>
-                      </a:solidFill>
-                      <a:prstDash val="solid"/>
-                      <a:round/>
-                      <a:headEnd type="none" w="med" len="med"/>
-                      <a:tailEnd type="none" w="med" len="med"/>
-                    </a:lnT>
-                    <a:lnB>
-                      <a:noFill/>
-                    </a:lnB>
-                    <a:solidFill>
-                      <a:srgbClr val="D9D9D9"/>
-                    </a:solidFill>
-                  </a:tcPr>
-                </a:tc>
-                <a:tc>
-                  <a:txBody>
-                    <a:bodyPr/>
-                    <a:lstStyle/>
-                    <a:p>
-                      <a:pPr algn="r" fontAlgn="b"/>
-                      <a:r>
-                        <a:rPr lang="en-GB" sz="1100" b="0" i="0" u="none" strike="noStrike">
-                          <a:solidFill>
-                            <a:srgbClr val="000000"/>
-                          </a:solidFill>
-                          <a:effectLst/>
-                          <a:latin typeface="Calibri" panose="020F0502020204030204" pitchFamily="34" charset="0"/>
-                        </a:rPr>
-                        <a:t>2.78E+04</a:t>
-                      </a:r>
-                    </a:p>
-                  </a:txBody>
-                  <a:tcPr marL="9525" marR="9525" marT="9525" marB="0" anchor="b">
-                    <a:lnL>
-                      <a:noFill/>
-                    </a:lnL>
-                    <a:lnR>
-                      <a:noFill/>
-                    </a:lnR>
-                    <a:lnT w="6350" cap="flat" cmpd="sng" algn="ctr">
-                      <a:solidFill>
-                        <a:srgbClr val="000000"/>
-                      </a:solidFill>
-                      <a:prstDash val="solid"/>
-                      <a:round/>
-                      <a:headEnd type="none" w="med" len="med"/>
-                      <a:tailEnd type="none" w="med" len="med"/>
-                    </a:lnT>
-                    <a:lnB>
-                      <a:noFill/>
-                    </a:lnB>
-                    <a:solidFill>
-                      <a:srgbClr val="D9D9D9"/>
-                    </a:solidFill>
-                  </a:tcPr>
-                </a:tc>
-                <a:extLst>
-                  <a:ext uri="{0D108BD9-81ED-4DB2-BD59-A6C34878D82A}">
-                    <a16:rowId xmlns:a16="http://schemas.microsoft.com/office/drawing/2014/main" val="1238558310"/>
-                  </a:ext>
-                </a:extLst>
-              </a:tr>
-              <a:tr h="190500">
-                <a:tc>
-                  <a:txBody>
-                    <a:bodyPr/>
-                    <a:lstStyle/>
-                    <a:p>
-                      <a:pPr algn="l" fontAlgn="b"/>
-                      <a:r>
-                        <a:rPr lang="en-GB" sz="1100" b="0" i="0" u="none" strike="noStrike">
-                          <a:solidFill>
-                            <a:srgbClr val="000000"/>
-                          </a:solidFill>
-                          <a:effectLst/>
-                          <a:latin typeface="Calibri" panose="020F0502020204030204" pitchFamily="34" charset="0"/>
-                        </a:rPr>
-                        <a:t>0124_1816_WO3196_full_IV_curve_dark</a:t>
-                      </a:r>
-                    </a:p>
-                  </a:txBody>
-                  <a:tcPr marL="9525" marR="9525" marT="9525" marB="0" anchor="b">
-                    <a:lnL>
-                      <a:noFill/>
-                    </a:lnL>
-                    <a:lnR>
-                      <a:noFill/>
-                    </a:lnR>
-                    <a:lnT>
-                      <a:noFill/>
-                    </a:lnT>
-                    <a:lnB>
-                      <a:noFill/>
-                    </a:lnB>
-                  </a:tcPr>
-                </a:tc>
-                <a:tc>
-                  <a:txBody>
-                    <a:bodyPr/>
-                    <a:lstStyle/>
-                    <a:p>
-                      <a:pPr algn="l" fontAlgn="b"/>
-                      <a:r>
-                        <a:rPr lang="en-GB" sz="1100" b="0" i="0" u="none" strike="noStrike">
-                          <a:solidFill>
-                            <a:srgbClr val="000000"/>
-                          </a:solidFill>
-                          <a:effectLst/>
-                          <a:latin typeface="Calibri" panose="020F0502020204030204" pitchFamily="34" charset="0"/>
-                        </a:rPr>
-                        <a:t>Dark 25</a:t>
-                      </a:r>
-                    </a:p>
-                  </a:txBody>
-                  <a:tcPr marL="9525" marR="9525" marT="9525" marB="0" anchor="b">
-                    <a:lnL>
-                      <a:noFill/>
-                    </a:lnL>
-                    <a:lnR>
-                      <a:noFill/>
-                    </a:lnR>
-                    <a:lnT>
-                      <a:noFill/>
-                    </a:lnT>
-                    <a:lnB>
-                      <a:noFill/>
-                    </a:lnB>
-                  </a:tcPr>
-                </a:tc>
-                <a:tc>
-                  <a:txBody>
-                    <a:bodyPr/>
-                    <a:lstStyle/>
-                    <a:p>
-                      <a:pPr algn="l" fontAlgn="b"/>
-                      <a:r>
-                        <a:rPr lang="en-GB" sz="1100" b="0" i="0" u="none" strike="noStrike">
-                          <a:solidFill>
-                            <a:srgbClr val="000000"/>
-                          </a:solidFill>
-                          <a:effectLst/>
-                          <a:latin typeface="Calibri" panose="020F0502020204030204" pitchFamily="34" charset="0"/>
-                        </a:rPr>
-                        <a:t>Minus</a:t>
-                      </a:r>
-                    </a:p>
-                  </a:txBody>
-                  <a:tcPr marL="9525" marR="9525" marT="9525" marB="0" anchor="b">
-                    <a:lnL>
-                      <a:noFill/>
-                    </a:lnL>
-                    <a:lnR>
-                      <a:noFill/>
-                    </a:lnR>
-                    <a:lnT>
-                      <a:noFill/>
-                    </a:lnT>
-                    <a:lnB>
-                      <a:noFill/>
-                    </a:lnB>
-                  </a:tcPr>
-                </a:tc>
-                <a:tc>
-                  <a:txBody>
-                    <a:bodyPr/>
-                    <a:lstStyle/>
-                    <a:p>
-                      <a:pPr algn="l" fontAlgn="b"/>
-                      <a:r>
-                        <a:rPr lang="en-GB" sz="1100" b="0" i="0" u="none" strike="noStrike">
-                          <a:solidFill>
-                            <a:srgbClr val="000000"/>
-                          </a:solidFill>
-                          <a:effectLst/>
-                          <a:latin typeface="Calibri" panose="020F0502020204030204" pitchFamily="34" charset="0"/>
-                        </a:rPr>
-                        <a:t>Middle</a:t>
-                      </a:r>
-                    </a:p>
-                  </a:txBody>
-                  <a:tcPr marL="9525" marR="9525" marT="9525" marB="0" anchor="b">
-                    <a:lnL>
-                      <a:noFill/>
-                    </a:lnL>
-                    <a:lnR>
-                      <a:noFill/>
-                    </a:lnR>
-                    <a:lnT>
-                      <a:noFill/>
-                    </a:lnT>
-                    <a:lnB>
-                      <a:noFill/>
-                    </a:lnB>
-                  </a:tcPr>
-                </a:tc>
-                <a:tc>
-                  <a:txBody>
-                    <a:bodyPr/>
-                    <a:lstStyle/>
-                    <a:p>
-                      <a:pPr algn="r" fontAlgn="b"/>
-                      <a:r>
-                        <a:rPr lang="en-GB" sz="1100" b="0" i="0" u="none" strike="noStrike">
-                          <a:solidFill>
-                            <a:srgbClr val="000000"/>
-                          </a:solidFill>
-                          <a:effectLst/>
-                          <a:latin typeface="Calibri" panose="020F0502020204030204" pitchFamily="34" charset="0"/>
-                        </a:rPr>
-                        <a:t>3.16E+07</a:t>
-                      </a:r>
-                    </a:p>
-                  </a:txBody>
-                  <a:tcPr marL="9525" marR="9525" marT="9525" marB="0" anchor="b">
-                    <a:lnL>
-                      <a:noFill/>
-                    </a:lnL>
-                    <a:lnR>
-                      <a:noFill/>
-                    </a:lnR>
-                    <a:lnT>
-                      <a:noFill/>
-                    </a:lnT>
-                    <a:lnB>
-                      <a:noFill/>
-                    </a:lnB>
-                  </a:tcPr>
-                </a:tc>
-                <a:tc>
-                  <a:txBody>
-                    <a:bodyPr/>
-                    <a:lstStyle/>
-                    <a:p>
-                      <a:pPr algn="r" fontAlgn="b"/>
-                      <a:r>
-                        <a:rPr lang="en-GB" sz="1100" b="0" i="0" u="none" strike="noStrike">
-                          <a:solidFill>
-                            <a:srgbClr val="000000"/>
-                          </a:solidFill>
-                          <a:effectLst/>
-                          <a:latin typeface="Calibri" panose="020F0502020204030204" pitchFamily="34" charset="0"/>
-                        </a:rPr>
-                        <a:t>8.11E+04</a:t>
-                      </a:r>
-                    </a:p>
-                  </a:txBody>
-                  <a:tcPr marL="9525" marR="9525" marT="9525" marB="0" anchor="b">
-                    <a:lnL>
-                      <a:noFill/>
-                    </a:lnL>
-                    <a:lnR>
-                      <a:noFill/>
-                    </a:lnR>
-                    <a:lnT>
-                      <a:noFill/>
-                    </a:lnT>
-                    <a:lnB>
-                      <a:noFill/>
-                    </a:lnB>
-                  </a:tcPr>
-                </a:tc>
-                <a:extLst>
-                  <a:ext uri="{0D108BD9-81ED-4DB2-BD59-A6C34878D82A}">
-                    <a16:rowId xmlns:a16="http://schemas.microsoft.com/office/drawing/2014/main" val="2337922610"/>
-                  </a:ext>
-                </a:extLst>
-              </a:tr>
-              <a:tr h="190500">
-                <a:tc>
-                  <a:txBody>
-                    <a:bodyPr/>
-                    <a:lstStyle/>
-                    <a:p>
-                      <a:pPr algn="l" fontAlgn="b"/>
-                      <a:r>
-                        <a:rPr lang="en-GB" sz="1100" b="0" i="0" u="none" strike="noStrike">
-                          <a:solidFill>
-                            <a:srgbClr val="000000"/>
-                          </a:solidFill>
-                          <a:effectLst/>
-                          <a:latin typeface="Calibri" panose="020F0502020204030204" pitchFamily="34" charset="0"/>
-                        </a:rPr>
-                        <a:t>0124_1816_WO3196_full_IV_curve_dark</a:t>
-                      </a:r>
-                    </a:p>
-                  </a:txBody>
-                  <a:tcPr marL="9525" marR="9525" marT="9525" marB="0" anchor="b">
-                    <a:lnL>
-                      <a:noFill/>
-                    </a:lnL>
-                    <a:lnR>
-                      <a:noFill/>
-                    </a:lnR>
-                    <a:lnT>
-                      <a:noFill/>
-                    </a:lnT>
-                    <a:lnB>
-                      <a:noFill/>
-                    </a:lnB>
-                    <a:solidFill>
-                      <a:srgbClr val="D9D9D9"/>
-                    </a:solidFill>
-                  </a:tcPr>
-                </a:tc>
-                <a:tc>
-                  <a:txBody>
-                    <a:bodyPr/>
-                    <a:lstStyle/>
-                    <a:p>
-                      <a:pPr algn="l" fontAlgn="b"/>
-                      <a:r>
-                        <a:rPr lang="en-GB" sz="1100" b="0" i="0" u="none" strike="noStrike">
-                          <a:solidFill>
-                            <a:srgbClr val="000000"/>
-                          </a:solidFill>
-                          <a:effectLst/>
-                          <a:latin typeface="Calibri" panose="020F0502020204030204" pitchFamily="34" charset="0"/>
-                        </a:rPr>
-                        <a:t>Dark 25</a:t>
-                      </a:r>
-                    </a:p>
-                  </a:txBody>
-                  <a:tcPr marL="9525" marR="9525" marT="9525" marB="0" anchor="b">
-                    <a:lnL>
-                      <a:noFill/>
-                    </a:lnL>
-                    <a:lnR>
-                      <a:noFill/>
-                    </a:lnR>
-                    <a:lnT>
-                      <a:noFill/>
-                    </a:lnT>
-                    <a:lnB>
-                      <a:noFill/>
-                    </a:lnB>
-                    <a:solidFill>
-                      <a:srgbClr val="D9D9D9"/>
-                    </a:solidFill>
-                  </a:tcPr>
-                </a:tc>
-                <a:tc>
-                  <a:txBody>
-                    <a:bodyPr/>
-                    <a:lstStyle/>
-                    <a:p>
-                      <a:pPr algn="l" fontAlgn="b"/>
-                      <a:r>
-                        <a:rPr lang="en-GB" sz="1100" b="0" i="0" u="none" strike="noStrike">
-                          <a:solidFill>
-                            <a:srgbClr val="000000"/>
-                          </a:solidFill>
-                          <a:effectLst/>
-                          <a:latin typeface="Calibri" panose="020F0502020204030204" pitchFamily="34" charset="0"/>
-                        </a:rPr>
-                        <a:t>Minus</a:t>
-                      </a:r>
-                    </a:p>
-                  </a:txBody>
-                  <a:tcPr marL="9525" marR="9525" marT="9525" marB="0" anchor="b">
-                    <a:lnL>
-                      <a:noFill/>
-                    </a:lnL>
-                    <a:lnR>
-                      <a:noFill/>
-                    </a:lnR>
-                    <a:lnT>
-                      <a:noFill/>
-                    </a:lnT>
-                    <a:lnB>
-                      <a:noFill/>
-                    </a:lnB>
-                    <a:solidFill>
-                      <a:srgbClr val="D9D9D9"/>
-                    </a:solidFill>
-                  </a:tcPr>
-                </a:tc>
-                <a:tc>
-                  <a:txBody>
-                    <a:bodyPr/>
-                    <a:lstStyle/>
-                    <a:p>
-                      <a:pPr algn="l" fontAlgn="b"/>
-                      <a:r>
-                        <a:rPr lang="en-GB" sz="1100" b="0" i="0" u="none" strike="noStrike">
-                          <a:solidFill>
-                            <a:srgbClr val="000000"/>
-                          </a:solidFill>
-                          <a:effectLst/>
-                          <a:latin typeface="Calibri" panose="020F0502020204030204" pitchFamily="34" charset="0"/>
-                        </a:rPr>
-                        <a:t>Top</a:t>
-                      </a:r>
-                    </a:p>
-                  </a:txBody>
-                  <a:tcPr marL="9525" marR="9525" marT="9525" marB="0" anchor="b">
-                    <a:lnL>
-                      <a:noFill/>
-                    </a:lnL>
-                    <a:lnR>
-                      <a:noFill/>
-                    </a:lnR>
-                    <a:lnT>
-                      <a:noFill/>
-                    </a:lnT>
-                    <a:lnB>
-                      <a:noFill/>
-                    </a:lnB>
-                    <a:solidFill>
-                      <a:srgbClr val="D9D9D9"/>
-                    </a:solidFill>
-                  </a:tcPr>
-                </a:tc>
-                <a:tc>
-                  <a:txBody>
-                    <a:bodyPr/>
-                    <a:lstStyle/>
-                    <a:p>
-                      <a:pPr algn="r" fontAlgn="b"/>
-                      <a:r>
-                        <a:rPr lang="en-GB" sz="1100" b="0" i="0" u="none" strike="noStrike">
-                          <a:solidFill>
-                            <a:srgbClr val="000000"/>
-                          </a:solidFill>
-                          <a:effectLst/>
-                          <a:latin typeface="Calibri" panose="020F0502020204030204" pitchFamily="34" charset="0"/>
-                        </a:rPr>
-                        <a:t>8.19E+07</a:t>
-                      </a:r>
-                    </a:p>
-                  </a:txBody>
-                  <a:tcPr marL="9525" marR="9525" marT="9525" marB="0" anchor="b">
-                    <a:lnL>
-                      <a:noFill/>
-                    </a:lnL>
-                    <a:lnR>
-                      <a:noFill/>
-                    </a:lnR>
-                    <a:lnT>
-                      <a:noFill/>
-                    </a:lnT>
-                    <a:lnB>
-                      <a:noFill/>
-                    </a:lnB>
-                    <a:solidFill>
-                      <a:srgbClr val="D9D9D9"/>
-                    </a:solidFill>
-                  </a:tcPr>
-                </a:tc>
-                <a:tc>
-                  <a:txBody>
-                    <a:bodyPr/>
-                    <a:lstStyle/>
-                    <a:p>
-                      <a:pPr algn="r" fontAlgn="b"/>
-                      <a:r>
-                        <a:rPr lang="en-GB" sz="1100" b="0" i="0" u="none" strike="noStrike">
-                          <a:solidFill>
-                            <a:srgbClr val="000000"/>
-                          </a:solidFill>
-                          <a:effectLst/>
-                          <a:latin typeface="Calibri" panose="020F0502020204030204" pitchFamily="34" charset="0"/>
-                        </a:rPr>
-                        <a:t>2.46E+04</a:t>
-                      </a:r>
-                    </a:p>
-                  </a:txBody>
-                  <a:tcPr marL="9525" marR="9525" marT="9525" marB="0" anchor="b">
-                    <a:lnL>
-                      <a:noFill/>
-                    </a:lnL>
-                    <a:lnR>
-                      <a:noFill/>
-                    </a:lnR>
-                    <a:lnT>
-                      <a:noFill/>
-                    </a:lnT>
-                    <a:lnB>
-                      <a:noFill/>
-                    </a:lnB>
-                    <a:solidFill>
-                      <a:srgbClr val="D9D9D9"/>
-                    </a:solidFill>
-                  </a:tcPr>
-                </a:tc>
-                <a:extLst>
-                  <a:ext uri="{0D108BD9-81ED-4DB2-BD59-A6C34878D82A}">
-                    <a16:rowId xmlns:a16="http://schemas.microsoft.com/office/drawing/2014/main" val="3534649390"/>
-                  </a:ext>
-                </a:extLst>
-              </a:tr>
-              <a:tr h="190500">
-                <a:tc>
-                  <a:txBody>
-                    <a:bodyPr/>
-                    <a:lstStyle/>
-                    <a:p>
-                      <a:pPr algn="l" fontAlgn="b"/>
-                      <a:r>
-                        <a:rPr lang="en-GB" sz="1100" b="0" i="0" u="none" strike="noStrike">
-                          <a:solidFill>
-                            <a:srgbClr val="000000"/>
-                          </a:solidFill>
-                          <a:effectLst/>
-                          <a:latin typeface="Calibri" panose="020F0502020204030204" pitchFamily="34" charset="0"/>
-                        </a:rPr>
-                        <a:t>0124_1816_WO3196_full_IV_curve_dark</a:t>
-                      </a:r>
-                    </a:p>
-                  </a:txBody>
-                  <a:tcPr marL="9525" marR="9525" marT="9525" marB="0" anchor="b">
-                    <a:lnL>
-                      <a:noFill/>
-                    </a:lnL>
-                    <a:lnR>
-                      <a:noFill/>
-                    </a:lnR>
-                    <a:lnT>
-                      <a:noFill/>
-                    </a:lnT>
-                    <a:lnB>
-                      <a:noFill/>
-                    </a:lnB>
-                  </a:tcPr>
-                </a:tc>
-                <a:tc>
-                  <a:txBody>
-                    <a:bodyPr/>
-                    <a:lstStyle/>
-                    <a:p>
-                      <a:pPr algn="l" fontAlgn="b"/>
-                      <a:r>
-                        <a:rPr lang="en-GB" sz="1100" b="0" i="0" u="none" strike="noStrike">
-                          <a:solidFill>
-                            <a:srgbClr val="000000"/>
-                          </a:solidFill>
-                          <a:effectLst/>
-                          <a:latin typeface="Calibri" panose="020F0502020204030204" pitchFamily="34" charset="0"/>
-                        </a:rPr>
-                        <a:t>Dark 25</a:t>
-                      </a:r>
-                    </a:p>
-                  </a:txBody>
-                  <a:tcPr marL="9525" marR="9525" marT="9525" marB="0" anchor="b">
-                    <a:lnL>
-                      <a:noFill/>
-                    </a:lnL>
-                    <a:lnR>
-                      <a:noFill/>
-                    </a:lnR>
-                    <a:lnT>
-                      <a:noFill/>
-                    </a:lnT>
-                    <a:lnB>
-                      <a:noFill/>
-                    </a:lnB>
-                  </a:tcPr>
-                </a:tc>
-                <a:tc>
-                  <a:txBody>
-                    <a:bodyPr/>
-                    <a:lstStyle/>
-                    <a:p>
-                      <a:pPr algn="l" fontAlgn="b"/>
-                      <a:r>
-                        <a:rPr lang="en-GB" sz="1100" b="0" i="0" u="none" strike="noStrike">
-                          <a:solidFill>
-                            <a:srgbClr val="000000"/>
-                          </a:solidFill>
-                          <a:effectLst/>
-                          <a:latin typeface="Calibri" panose="020F0502020204030204" pitchFamily="34" charset="0"/>
-                        </a:rPr>
-                        <a:t>Plus</a:t>
-                      </a:r>
-                    </a:p>
-                  </a:txBody>
-                  <a:tcPr marL="9525" marR="9525" marT="9525" marB="0" anchor="b">
-                    <a:lnL>
-                      <a:noFill/>
-                    </a:lnL>
-                    <a:lnR>
-                      <a:noFill/>
-                    </a:lnR>
-                    <a:lnT>
-                      <a:noFill/>
-                    </a:lnT>
-                    <a:lnB>
-                      <a:noFill/>
-                    </a:lnB>
-                  </a:tcPr>
-                </a:tc>
-                <a:tc>
-                  <a:txBody>
-                    <a:bodyPr/>
-                    <a:lstStyle/>
-                    <a:p>
-                      <a:pPr algn="l" fontAlgn="b"/>
-                      <a:r>
-                        <a:rPr lang="en-GB" sz="1100" b="0" i="0" u="none" strike="noStrike">
-                          <a:solidFill>
-                            <a:srgbClr val="000000"/>
-                          </a:solidFill>
-                          <a:effectLst/>
-                          <a:latin typeface="Calibri" panose="020F0502020204030204" pitchFamily="34" charset="0"/>
-                        </a:rPr>
-                        <a:t>Bottom</a:t>
-                      </a:r>
-                    </a:p>
-                  </a:txBody>
-                  <a:tcPr marL="9525" marR="9525" marT="9525" marB="0" anchor="b">
-                    <a:lnL>
-                      <a:noFill/>
-                    </a:lnL>
-                    <a:lnR>
-                      <a:noFill/>
-                    </a:lnR>
-                    <a:lnT>
-                      <a:noFill/>
-                    </a:lnT>
-                    <a:lnB>
-                      <a:noFill/>
-                    </a:lnB>
-                  </a:tcPr>
-                </a:tc>
-                <a:tc>
-                  <a:txBody>
-                    <a:bodyPr/>
-                    <a:lstStyle/>
-                    <a:p>
-                      <a:pPr algn="r" fontAlgn="b"/>
-                      <a:r>
-                        <a:rPr lang="en-GB" sz="1100" b="0" i="0" u="none" strike="noStrike">
-                          <a:solidFill>
-                            <a:srgbClr val="000000"/>
-                          </a:solidFill>
-                          <a:effectLst/>
-                          <a:latin typeface="Calibri" panose="020F0502020204030204" pitchFamily="34" charset="0"/>
-                        </a:rPr>
-                        <a:t>7.96E+07</a:t>
-                      </a:r>
-                    </a:p>
-                  </a:txBody>
-                  <a:tcPr marL="9525" marR="9525" marT="9525" marB="0" anchor="b">
-                    <a:lnL>
-                      <a:noFill/>
-                    </a:lnL>
-                    <a:lnR>
-                      <a:noFill/>
-                    </a:lnR>
-                    <a:lnT>
-                      <a:noFill/>
-                    </a:lnT>
-                    <a:lnB>
-                      <a:noFill/>
-                    </a:lnB>
-                  </a:tcPr>
-                </a:tc>
-                <a:tc>
-                  <a:txBody>
-                    <a:bodyPr/>
-                    <a:lstStyle/>
-                    <a:p>
-                      <a:pPr algn="r" fontAlgn="b"/>
-                      <a:r>
-                        <a:rPr lang="en-GB" sz="1100" b="0" i="0" u="none" strike="noStrike">
-                          <a:solidFill>
-                            <a:srgbClr val="000000"/>
-                          </a:solidFill>
-                          <a:effectLst/>
-                          <a:latin typeface="Calibri" panose="020F0502020204030204" pitchFamily="34" charset="0"/>
-                        </a:rPr>
-                        <a:t>3.31E+04</a:t>
-                      </a:r>
-                    </a:p>
-                  </a:txBody>
-                  <a:tcPr marL="9525" marR="9525" marT="9525" marB="0" anchor="b">
-                    <a:lnL>
-                      <a:noFill/>
-                    </a:lnL>
-                    <a:lnR>
-                      <a:noFill/>
-                    </a:lnR>
-                    <a:lnT>
-                      <a:noFill/>
-                    </a:lnT>
-                    <a:lnB>
-                      <a:noFill/>
-                    </a:lnB>
-                  </a:tcPr>
-                </a:tc>
-                <a:extLst>
-                  <a:ext uri="{0D108BD9-81ED-4DB2-BD59-A6C34878D82A}">
-                    <a16:rowId xmlns:a16="http://schemas.microsoft.com/office/drawing/2014/main" val="3701430715"/>
-                  </a:ext>
-                </a:extLst>
-              </a:tr>
-              <a:tr h="190500">
-                <a:tc>
-                  <a:txBody>
-                    <a:bodyPr/>
-                    <a:lstStyle/>
-                    <a:p>
-                      <a:pPr algn="l" fontAlgn="b"/>
-                      <a:r>
-                        <a:rPr lang="en-GB" sz="1100" b="0" i="0" u="none" strike="noStrike">
-                          <a:solidFill>
-                            <a:srgbClr val="000000"/>
-                          </a:solidFill>
-                          <a:effectLst/>
-                          <a:latin typeface="Calibri" panose="020F0502020204030204" pitchFamily="34" charset="0"/>
-                        </a:rPr>
-                        <a:t>0124_1816_WO3196_full_IV_curve_dark</a:t>
-                      </a:r>
-                    </a:p>
-                  </a:txBody>
-                  <a:tcPr marL="9525" marR="9525" marT="9525" marB="0" anchor="b">
-                    <a:lnL>
-                      <a:noFill/>
-                    </a:lnL>
-                    <a:lnR>
-                      <a:noFill/>
-                    </a:lnR>
-                    <a:lnT>
-                      <a:noFill/>
-                    </a:lnT>
-                    <a:lnB>
-                      <a:noFill/>
-                    </a:lnB>
-                    <a:solidFill>
-                      <a:srgbClr val="D9D9D9"/>
-                    </a:solidFill>
-                  </a:tcPr>
-                </a:tc>
-                <a:tc>
-                  <a:txBody>
-                    <a:bodyPr/>
-                    <a:lstStyle/>
-                    <a:p>
-                      <a:pPr algn="l" fontAlgn="b"/>
-                      <a:r>
-                        <a:rPr lang="en-GB" sz="1100" b="0" i="0" u="none" strike="noStrike">
-                          <a:solidFill>
-                            <a:srgbClr val="000000"/>
-                          </a:solidFill>
-                          <a:effectLst/>
-                          <a:latin typeface="Calibri" panose="020F0502020204030204" pitchFamily="34" charset="0"/>
-                        </a:rPr>
-                        <a:t>Dark 25</a:t>
-                      </a:r>
-                    </a:p>
-                  </a:txBody>
-                  <a:tcPr marL="9525" marR="9525" marT="9525" marB="0" anchor="b">
-                    <a:lnL>
-                      <a:noFill/>
-                    </a:lnL>
-                    <a:lnR>
-                      <a:noFill/>
-                    </a:lnR>
-                    <a:lnT>
-                      <a:noFill/>
-                    </a:lnT>
-                    <a:lnB>
-                      <a:noFill/>
-                    </a:lnB>
-                    <a:solidFill>
-                      <a:srgbClr val="D9D9D9"/>
-                    </a:solidFill>
-                  </a:tcPr>
-                </a:tc>
-                <a:tc>
-                  <a:txBody>
-                    <a:bodyPr/>
-                    <a:lstStyle/>
-                    <a:p>
-                      <a:pPr algn="l" fontAlgn="b"/>
-                      <a:r>
-                        <a:rPr lang="en-GB" sz="1100" b="0" i="0" u="none" strike="noStrike">
-                          <a:solidFill>
-                            <a:srgbClr val="000000"/>
-                          </a:solidFill>
-                          <a:effectLst/>
-                          <a:latin typeface="Calibri" panose="020F0502020204030204" pitchFamily="34" charset="0"/>
-                        </a:rPr>
-                        <a:t>Plus</a:t>
-                      </a:r>
-                    </a:p>
-                  </a:txBody>
-                  <a:tcPr marL="9525" marR="9525" marT="9525" marB="0" anchor="b">
-                    <a:lnL>
-                      <a:noFill/>
-                    </a:lnL>
-                    <a:lnR>
-                      <a:noFill/>
-                    </a:lnR>
-                    <a:lnT>
-                      <a:noFill/>
-                    </a:lnT>
-                    <a:lnB>
-                      <a:noFill/>
-                    </a:lnB>
-                    <a:solidFill>
-                      <a:srgbClr val="D9D9D9"/>
-                    </a:solidFill>
-                  </a:tcPr>
-                </a:tc>
-                <a:tc>
-                  <a:txBody>
-                    <a:bodyPr/>
-                    <a:lstStyle/>
-                    <a:p>
-                      <a:pPr algn="l" fontAlgn="b"/>
-                      <a:r>
-                        <a:rPr lang="en-GB" sz="1100" b="0" i="0" u="none" strike="noStrike">
-                          <a:solidFill>
-                            <a:srgbClr val="000000"/>
-                          </a:solidFill>
-                          <a:effectLst/>
-                          <a:latin typeface="Calibri" panose="020F0502020204030204" pitchFamily="34" charset="0"/>
-                        </a:rPr>
-                        <a:t>Middle</a:t>
-                      </a:r>
-                    </a:p>
-                  </a:txBody>
-                  <a:tcPr marL="9525" marR="9525" marT="9525" marB="0" anchor="b">
-                    <a:lnL>
-                      <a:noFill/>
-                    </a:lnL>
-                    <a:lnR>
-                      <a:noFill/>
-                    </a:lnR>
-                    <a:lnT>
-                      <a:noFill/>
-                    </a:lnT>
-                    <a:lnB>
-                      <a:noFill/>
-                    </a:lnB>
-                    <a:solidFill>
-                      <a:srgbClr val="D9D9D9"/>
-                    </a:solidFill>
-                  </a:tcPr>
-                </a:tc>
-                <a:tc>
-                  <a:txBody>
-                    <a:bodyPr/>
-                    <a:lstStyle/>
-                    <a:p>
-                      <a:pPr algn="r" fontAlgn="b"/>
-                      <a:r>
-                        <a:rPr lang="en-GB" sz="1100" b="0" i="0" u="none" strike="noStrike">
-                          <a:solidFill>
-                            <a:srgbClr val="000000"/>
-                          </a:solidFill>
-                          <a:effectLst/>
-                          <a:latin typeface="Calibri" panose="020F0502020204030204" pitchFamily="34" charset="0"/>
-                        </a:rPr>
-                        <a:t>3.14E+07</a:t>
-                      </a:r>
-                    </a:p>
-                  </a:txBody>
-                  <a:tcPr marL="9525" marR="9525" marT="9525" marB="0" anchor="b">
-                    <a:lnL>
-                      <a:noFill/>
-                    </a:lnL>
-                    <a:lnR>
-                      <a:noFill/>
-                    </a:lnR>
-                    <a:lnT>
-                      <a:noFill/>
-                    </a:lnT>
-                    <a:lnB>
-                      <a:noFill/>
-                    </a:lnB>
-                    <a:solidFill>
-                      <a:srgbClr val="D9D9D9"/>
-                    </a:solidFill>
-                  </a:tcPr>
-                </a:tc>
-                <a:tc>
-                  <a:txBody>
-                    <a:bodyPr/>
-                    <a:lstStyle/>
-                    <a:p>
-                      <a:pPr algn="r" fontAlgn="b"/>
-                      <a:r>
-                        <a:rPr lang="en-GB" sz="1100" b="0" i="0" u="none" strike="noStrike">
-                          <a:solidFill>
-                            <a:srgbClr val="000000"/>
-                          </a:solidFill>
-                          <a:effectLst/>
-                          <a:latin typeface="Calibri" panose="020F0502020204030204" pitchFamily="34" charset="0"/>
-                        </a:rPr>
-                        <a:t>7.42E+04</a:t>
-                      </a:r>
-                    </a:p>
-                  </a:txBody>
-                  <a:tcPr marL="9525" marR="9525" marT="9525" marB="0" anchor="b">
-                    <a:lnL>
-                      <a:noFill/>
-                    </a:lnL>
-                    <a:lnR>
-                      <a:noFill/>
-                    </a:lnR>
-                    <a:lnT>
-                      <a:noFill/>
-                    </a:lnT>
-                    <a:lnB>
-                      <a:noFill/>
-                    </a:lnB>
-                    <a:solidFill>
-                      <a:srgbClr val="D9D9D9"/>
-                    </a:solidFill>
-                  </a:tcPr>
-                </a:tc>
-                <a:extLst>
-                  <a:ext uri="{0D108BD9-81ED-4DB2-BD59-A6C34878D82A}">
-                    <a16:rowId xmlns:a16="http://schemas.microsoft.com/office/drawing/2014/main" val="1640051636"/>
-                  </a:ext>
-                </a:extLst>
-              </a:tr>
-              <a:tr h="190500">
-                <a:tc>
-                  <a:txBody>
-                    <a:bodyPr/>
-                    <a:lstStyle/>
-                    <a:p>
-                      <a:pPr algn="l" fontAlgn="b"/>
-                      <a:r>
-                        <a:rPr lang="en-GB" sz="1100" b="0" i="0" u="none" strike="noStrike">
-                          <a:solidFill>
-                            <a:srgbClr val="000000"/>
-                          </a:solidFill>
-                          <a:effectLst/>
-                          <a:latin typeface="Calibri" panose="020F0502020204030204" pitchFamily="34" charset="0"/>
-                        </a:rPr>
-                        <a:t>0124_1816_WO3196_full_IV_curve_dark</a:t>
-                      </a:r>
-                    </a:p>
-                  </a:txBody>
-                  <a:tcPr marL="9525" marR="9525" marT="9525" marB="0" anchor="b">
-                    <a:lnL>
-                      <a:noFill/>
-                    </a:lnL>
-                    <a:lnR>
-                      <a:noFill/>
-                    </a:lnR>
-                    <a:lnT>
-                      <a:noFill/>
-                    </a:lnT>
-                    <a:lnB>
-                      <a:noFill/>
-                    </a:lnB>
-                  </a:tcPr>
-                </a:tc>
-                <a:tc>
-                  <a:txBody>
-                    <a:bodyPr/>
-                    <a:lstStyle/>
-                    <a:p>
-                      <a:pPr algn="l" fontAlgn="b"/>
-                      <a:r>
-                        <a:rPr lang="en-GB" sz="1100" b="0" i="0" u="none" strike="noStrike">
-                          <a:solidFill>
-                            <a:srgbClr val="000000"/>
-                          </a:solidFill>
-                          <a:effectLst/>
-                          <a:latin typeface="Calibri" panose="020F0502020204030204" pitchFamily="34" charset="0"/>
-                        </a:rPr>
-                        <a:t>Dark 25</a:t>
-                      </a:r>
-                    </a:p>
-                  </a:txBody>
-                  <a:tcPr marL="9525" marR="9525" marT="9525" marB="0" anchor="b">
-                    <a:lnL>
-                      <a:noFill/>
-                    </a:lnL>
-                    <a:lnR>
-                      <a:noFill/>
-                    </a:lnR>
-                    <a:lnT>
-                      <a:noFill/>
-                    </a:lnT>
-                    <a:lnB>
-                      <a:noFill/>
-                    </a:lnB>
-                  </a:tcPr>
-                </a:tc>
-                <a:tc>
-                  <a:txBody>
-                    <a:bodyPr/>
-                    <a:lstStyle/>
-                    <a:p>
-                      <a:pPr algn="l" fontAlgn="b"/>
-                      <a:r>
-                        <a:rPr lang="en-GB" sz="1100" b="0" i="0" u="none" strike="noStrike">
-                          <a:solidFill>
-                            <a:srgbClr val="000000"/>
-                          </a:solidFill>
-                          <a:effectLst/>
-                          <a:latin typeface="Calibri" panose="020F0502020204030204" pitchFamily="34" charset="0"/>
-                        </a:rPr>
-                        <a:t>Plus</a:t>
-                      </a:r>
-                    </a:p>
-                  </a:txBody>
-                  <a:tcPr marL="9525" marR="9525" marT="9525" marB="0" anchor="b">
-                    <a:lnL>
-                      <a:noFill/>
-                    </a:lnL>
-                    <a:lnR>
-                      <a:noFill/>
-                    </a:lnR>
-                    <a:lnT>
-                      <a:noFill/>
-                    </a:lnT>
-                    <a:lnB>
-                      <a:noFill/>
-                    </a:lnB>
-                  </a:tcPr>
-                </a:tc>
-                <a:tc>
-                  <a:txBody>
-                    <a:bodyPr/>
-                    <a:lstStyle/>
-                    <a:p>
-                      <a:pPr algn="l" fontAlgn="b"/>
-                      <a:r>
-                        <a:rPr lang="en-GB" sz="1100" b="0" i="0" u="none" strike="noStrike">
-                          <a:solidFill>
-                            <a:srgbClr val="000000"/>
-                          </a:solidFill>
-                          <a:effectLst/>
-                          <a:latin typeface="Calibri" panose="020F0502020204030204" pitchFamily="34" charset="0"/>
-                        </a:rPr>
-                        <a:t>Top</a:t>
-                      </a:r>
-                    </a:p>
-                  </a:txBody>
-                  <a:tcPr marL="9525" marR="9525" marT="9525" marB="0" anchor="b">
-                    <a:lnL>
-                      <a:noFill/>
-                    </a:lnL>
-                    <a:lnR>
-                      <a:noFill/>
-                    </a:lnR>
-                    <a:lnT>
-                      <a:noFill/>
-                    </a:lnT>
-                    <a:lnB>
-                      <a:noFill/>
-                    </a:lnB>
-                  </a:tcPr>
-                </a:tc>
-                <a:tc>
-                  <a:txBody>
-                    <a:bodyPr/>
-                    <a:lstStyle/>
-                    <a:p>
-                      <a:pPr algn="r" fontAlgn="b"/>
-                      <a:r>
-                        <a:rPr lang="en-GB" sz="1100" b="0" i="0" u="none" strike="noStrike">
-                          <a:solidFill>
-                            <a:srgbClr val="000000"/>
-                          </a:solidFill>
-                          <a:effectLst/>
-                          <a:latin typeface="Calibri" panose="020F0502020204030204" pitchFamily="34" charset="0"/>
-                        </a:rPr>
-                        <a:t>8.21E+07</a:t>
-                      </a:r>
-                    </a:p>
-                  </a:txBody>
-                  <a:tcPr marL="9525" marR="9525" marT="9525" marB="0" anchor="b">
-                    <a:lnL>
-                      <a:noFill/>
-                    </a:lnL>
-                    <a:lnR>
-                      <a:noFill/>
-                    </a:lnR>
-                    <a:lnT>
-                      <a:noFill/>
-                    </a:lnT>
-                    <a:lnB>
-                      <a:noFill/>
-                    </a:lnB>
-                  </a:tcPr>
-                </a:tc>
-                <a:tc>
-                  <a:txBody>
-                    <a:bodyPr/>
-                    <a:lstStyle/>
-                    <a:p>
-                      <a:pPr algn="r" fontAlgn="b"/>
-                      <a:r>
-                        <a:rPr lang="en-GB" sz="1100" b="0" i="0" u="none" strike="noStrike" dirty="0">
-                          <a:solidFill>
-                            <a:srgbClr val="000000"/>
-                          </a:solidFill>
-                          <a:effectLst/>
-                          <a:latin typeface="Calibri" panose="020F0502020204030204" pitchFamily="34" charset="0"/>
-                        </a:rPr>
-                        <a:t>3.58E+04</a:t>
-                      </a:r>
-                    </a:p>
-                  </a:txBody>
-                  <a:tcPr marL="9525" marR="9525" marT="9525" marB="0" anchor="b">
-                    <a:lnL>
-                      <a:noFill/>
-                    </a:lnL>
-                    <a:lnR>
-                      <a:noFill/>
-                    </a:lnR>
-                    <a:lnT>
-                      <a:noFill/>
-                    </a:lnT>
-                    <a:lnB>
-                      <a:noFill/>
-                    </a:lnB>
-                  </a:tcPr>
-                </a:tc>
-                <a:extLst>
-                  <a:ext uri="{0D108BD9-81ED-4DB2-BD59-A6C34878D82A}">
-                    <a16:rowId xmlns:a16="http://schemas.microsoft.com/office/drawing/2014/main" val="703075527"/>
-                  </a:ext>
-                </a:extLst>
-              </a:tr>
-            </a:tbl>
-          </a:graphicData>
-        </a:graphic>
-      </p:graphicFrame>
-      <p:sp>
-        <p:nvSpPr>
-          <p:cNvPr id="8" name="TextBox 7">
-            <a:extLst>
-              <a:ext uri="{FF2B5EF4-FFF2-40B4-BE49-F238E27FC236}">
-                <a16:creationId xmlns:a16="http://schemas.microsoft.com/office/drawing/2014/main" id="{B556825F-1719-4C2B-B844-BD04DA61B30F}"/>
-              </a:ext>
-            </a:extLst>
-          </p:cNvPr>
-          <p:cNvSpPr txBox="1"/>
-          <p:nvPr/>
-        </p:nvSpPr>
-        <p:spPr>
-          <a:xfrm>
-            <a:off x="1584251" y="2158409"/>
-            <a:ext cx="3774558" cy="369332"/>
-          </a:xfrm>
-          <a:prstGeom prst="rect">
-            <a:avLst/>
-          </a:prstGeom>
-          <a:noFill/>
-        </p:spPr>
-        <p:txBody>
-          <a:bodyPr wrap="square" rtlCol="0">
-            <a:spAutoFit/>
-          </a:bodyPr>
-          <a:lstStyle/>
-          <a:p>
-            <a:r>
-              <a:rPr lang="en-GB" dirty="0"/>
-              <a:t>Also kinks at 1.5 V and 0.5e-7 A</a:t>
-            </a:r>
-          </a:p>
-        </p:txBody>
-      </p:sp>
-      <p:sp>
-        <p:nvSpPr>
-          <p:cNvPr id="6" name="TextBox 5">
-            <a:extLst>
-              <a:ext uri="{FF2B5EF4-FFF2-40B4-BE49-F238E27FC236}">
-                <a16:creationId xmlns:a16="http://schemas.microsoft.com/office/drawing/2014/main" id="{DE61092A-D6CE-4E78-8B21-D8E3C62918C8}"/>
-              </a:ext>
-            </a:extLst>
-          </p:cNvPr>
-          <p:cNvSpPr txBox="1"/>
-          <p:nvPr/>
-        </p:nvSpPr>
-        <p:spPr>
-          <a:xfrm>
-            <a:off x="838200" y="4357765"/>
-            <a:ext cx="3489251" cy="369332"/>
-          </a:xfrm>
-          <a:prstGeom prst="rect">
-            <a:avLst/>
-          </a:prstGeom>
-          <a:noFill/>
-        </p:spPr>
-        <p:txBody>
-          <a:bodyPr wrap="square" rtlCol="0">
-            <a:spAutoFit/>
-          </a:bodyPr>
-          <a:lstStyle/>
-          <a:p>
-            <a:r>
-              <a:rPr lang="en-GB" dirty="0"/>
-              <a:t>Fit results</a:t>
-            </a:r>
-          </a:p>
-        </p:txBody>
-      </p:sp>
-    </p:spTree>
-    <p:extLst>
-      <p:ext uri="{BB962C8B-B14F-4D97-AF65-F5344CB8AC3E}">
-        <p14:creationId xmlns:p14="http://schemas.microsoft.com/office/powerpoint/2010/main" val="851369127"/>
-      </p:ext>
-    </p:extLst>
-  </p:cSld>
-  <p:clrMapOvr>
-    <a:masterClrMapping/>
-  </p:clrMapOvr>
-</p:sld>
-</file>
-
-<file path=ppt/slides/slide6.xml><?xml version="1.0" encoding="utf-8"?>
-<p:sld xmlns:a="http://schemas.openxmlformats.org/drawingml/2006/main" xmlns:r="http://schemas.openxmlformats.org/officeDocument/2006/relationships" xmlns:p="http://schemas.openxmlformats.org/presentationml/2006/main">
-  <p:cSld>
-    <p:spTree>
-      <p:nvGrpSpPr>
-        <p:cNvPr id="1" name=""/>
-        <p:cNvGrpSpPr/>
-        <p:nvPr/>
-      </p:nvGrpSpPr>
-      <p:grpSpPr>
-        <a:xfrm>
-          <a:off x="0" y="0"/>
-          <a:ext cx="0" cy="0"/>
-          <a:chOff x="0" y="0"/>
-          <a:chExt cx="0" cy="0"/>
-        </a:xfrm>
-      </p:grpSpPr>
-      <p:sp>
-        <p:nvSpPr>
-          <p:cNvPr id="2" name="Title 1">
-            <a:extLst>
-              <a:ext uri="{FF2B5EF4-FFF2-40B4-BE49-F238E27FC236}">
-                <a16:creationId xmlns:a16="http://schemas.microsoft.com/office/drawing/2014/main" id="{DA37E7AE-987D-4E88-98DA-689707C0C20F}"/>
-              </a:ext>
-            </a:extLst>
-          </p:cNvPr>
-          <p:cNvSpPr>
-            <a:spLocks noGrp="1"/>
-          </p:cNvSpPr>
-          <p:nvPr>
-            <p:ph type="title"/>
-          </p:nvPr>
-        </p:nvSpPr>
-        <p:spPr/>
-        <p:txBody>
-          <a:bodyPr/>
-          <a:lstStyle/>
-          <a:p>
-            <a:r>
-              <a:rPr lang="en-GB" dirty="0"/>
-              <a:t>Dark 65 C</a:t>
-            </a:r>
-          </a:p>
-        </p:txBody>
-      </p:sp>
-      <p:pic>
-        <p:nvPicPr>
-          <p:cNvPr id="5" name="Content Placeholder 4">
-            <a:extLst>
-              <a:ext uri="{FF2B5EF4-FFF2-40B4-BE49-F238E27FC236}">
-                <a16:creationId xmlns:a16="http://schemas.microsoft.com/office/drawing/2014/main" id="{E9F1F8C9-7C07-4F83-9C14-2CE780A26963}"/>
-              </a:ext>
-            </a:extLst>
-          </p:cNvPr>
-          <p:cNvPicPr>
-            <a:picLocks noGrp="1" noChangeAspect="1"/>
-          </p:cNvPicPr>
-          <p:nvPr>
-            <p:ph idx="1"/>
-          </p:nvPr>
-        </p:nvPicPr>
-        <p:blipFill>
-          <a:blip r:embed="rId2">
-            <a:extLst>
-              <a:ext uri="{28A0092B-C50C-407E-A947-70E740481C1C}">
-                <a14:useLocalDpi xmlns:a14="http://schemas.microsoft.com/office/drawing/2010/main" val="0"/>
-              </a:ext>
-            </a:extLst>
-          </a:blip>
-          <a:stretch>
-            <a:fillRect/>
-          </a:stretch>
-        </p:blipFill>
-        <p:spPr>
-          <a:xfrm>
-            <a:off x="5332252" y="454485"/>
-            <a:ext cx="5801784" cy="4351338"/>
-          </a:xfrm>
-        </p:spPr>
-      </p:pic>
-      <p:sp>
-        <p:nvSpPr>
-          <p:cNvPr id="6" name="TextBox 5">
-            <a:extLst>
-              <a:ext uri="{FF2B5EF4-FFF2-40B4-BE49-F238E27FC236}">
-                <a16:creationId xmlns:a16="http://schemas.microsoft.com/office/drawing/2014/main" id="{3BB2E6B9-8461-4040-8D96-F8CF5F7C383A}"/>
-              </a:ext>
-            </a:extLst>
-          </p:cNvPr>
-          <p:cNvSpPr txBox="1"/>
-          <p:nvPr/>
-        </p:nvSpPr>
-        <p:spPr>
-          <a:xfrm>
-            <a:off x="967563" y="2445488"/>
-            <a:ext cx="3732028" cy="369332"/>
-          </a:xfrm>
-          <a:prstGeom prst="rect">
-            <a:avLst/>
-          </a:prstGeom>
-          <a:noFill/>
-        </p:spPr>
-        <p:txBody>
-          <a:bodyPr wrap="square" rtlCol="0">
-            <a:spAutoFit/>
-          </a:bodyPr>
-          <a:lstStyle/>
-          <a:p>
-            <a:r>
-              <a:rPr lang="en-GB" dirty="0"/>
-              <a:t>No kinks at all</a:t>
-            </a:r>
-          </a:p>
-        </p:txBody>
-      </p:sp>
-      <p:graphicFrame>
-        <p:nvGraphicFramePr>
-          <p:cNvPr id="10" name="Table 9">
-            <a:extLst>
-              <a:ext uri="{FF2B5EF4-FFF2-40B4-BE49-F238E27FC236}">
-                <a16:creationId xmlns:a16="http://schemas.microsoft.com/office/drawing/2014/main" id="{86D37568-5F36-464D-9DEB-06B6B99DE18F}"/>
-              </a:ext>
-            </a:extLst>
-          </p:cNvPr>
-          <p:cNvGraphicFramePr>
-            <a:graphicFrameLocks noGrp="1"/>
-          </p:cNvGraphicFramePr>
-          <p:nvPr>
-            <p:extLst>
-              <p:ext uri="{D42A27DB-BD31-4B8C-83A1-F6EECF244321}">
-                <p14:modId xmlns:p14="http://schemas.microsoft.com/office/powerpoint/2010/main" val="1932684095"/>
-              </p:ext>
-            </p:extLst>
-          </p:nvPr>
-        </p:nvGraphicFramePr>
-        <p:xfrm>
-          <a:off x="1301749" y="5182837"/>
-          <a:ext cx="9588501" cy="571500"/>
-        </p:xfrm>
-        <a:graphic>
-          <a:graphicData uri="http://schemas.openxmlformats.org/drawingml/2006/table">
-            <a:tbl>
-              <a:tblPr/>
-              <a:tblGrid>
-                <a:gridCol w="2769024">
-                  <a:extLst>
-                    <a:ext uri="{9D8B030D-6E8A-4147-A177-3AD203B41FA5}">
-                      <a16:colId xmlns:a16="http://schemas.microsoft.com/office/drawing/2014/main" val="1494714113"/>
-                    </a:ext>
-                  </a:extLst>
-                </a:gridCol>
-                <a:gridCol w="1585925">
-                  <a:extLst>
-                    <a:ext uri="{9D8B030D-6E8A-4147-A177-3AD203B41FA5}">
-                      <a16:colId xmlns:a16="http://schemas.microsoft.com/office/drawing/2014/main" val="2257067832"/>
-                    </a:ext>
-                  </a:extLst>
-                </a:gridCol>
-                <a:gridCol w="1585925">
-                  <a:extLst>
-                    <a:ext uri="{9D8B030D-6E8A-4147-A177-3AD203B41FA5}">
-                      <a16:colId xmlns:a16="http://schemas.microsoft.com/office/drawing/2014/main" val="3228902186"/>
-                    </a:ext>
-                  </a:extLst>
-                </a:gridCol>
-                <a:gridCol w="697807">
-                  <a:extLst>
-                    <a:ext uri="{9D8B030D-6E8A-4147-A177-3AD203B41FA5}">
-                      <a16:colId xmlns:a16="http://schemas.microsoft.com/office/drawing/2014/main" val="1809483132"/>
-                    </a:ext>
-                  </a:extLst>
-                </a:gridCol>
-                <a:gridCol w="1474910">
-                  <a:extLst>
-                    <a:ext uri="{9D8B030D-6E8A-4147-A177-3AD203B41FA5}">
-                      <a16:colId xmlns:a16="http://schemas.microsoft.com/office/drawing/2014/main" val="2735900140"/>
-                    </a:ext>
-                  </a:extLst>
-                </a:gridCol>
-                <a:gridCol w="1474910">
-                  <a:extLst>
-                    <a:ext uri="{9D8B030D-6E8A-4147-A177-3AD203B41FA5}">
-                      <a16:colId xmlns:a16="http://schemas.microsoft.com/office/drawing/2014/main" val="3343531616"/>
-                    </a:ext>
-                  </a:extLst>
-                </a:gridCol>
-              </a:tblGrid>
-              <a:tr h="190500">
-                <a:tc>
-                  <a:txBody>
-                    <a:bodyPr/>
-                    <a:lstStyle/>
-                    <a:p>
-                      <a:pPr algn="l" fontAlgn="b"/>
-                      <a:r>
-                        <a:rPr lang="en-GB" sz="1100" b="1" i="0" u="none" strike="noStrike">
-                          <a:solidFill>
-                            <a:srgbClr val="000000"/>
-                          </a:solidFill>
-                          <a:effectLst/>
-                          <a:latin typeface="Calibri" panose="020F0502020204030204" pitchFamily="34" charset="0"/>
-                        </a:rPr>
-                        <a:t>Name</a:t>
-                      </a:r>
-                    </a:p>
-                  </a:txBody>
-                  <a:tcPr marL="9525" marR="9525" marT="9525" marB="0" anchor="b">
-                    <a:lnL>
-                      <a:noFill/>
-                    </a:lnL>
-                    <a:lnR>
-                      <a:noFill/>
-                    </a:lnR>
-                    <a:lnT w="6350" cap="flat" cmpd="sng" algn="ctr">
-                      <a:solidFill>
-                        <a:srgbClr val="000000"/>
-                      </a:solidFill>
-                      <a:prstDash val="solid"/>
-                      <a:round/>
-                      <a:headEnd type="none" w="med" len="med"/>
-                      <a:tailEnd type="none" w="med" len="med"/>
-                    </a:lnT>
-                    <a:lnB w="6350" cap="flat" cmpd="sng" algn="ctr">
-                      <a:solidFill>
-                        <a:srgbClr val="000000"/>
-                      </a:solidFill>
-                      <a:prstDash val="solid"/>
-                      <a:round/>
-                      <a:headEnd type="none" w="med" len="med"/>
-                      <a:tailEnd type="none" w="med" len="med"/>
-                    </a:lnB>
-                  </a:tcPr>
-                </a:tc>
-                <a:tc>
-                  <a:txBody>
-                    <a:bodyPr/>
-                    <a:lstStyle/>
-                    <a:p>
-                      <a:pPr algn="l" fontAlgn="b"/>
-                      <a:r>
-                        <a:rPr lang="en-GB" sz="1100" b="1" i="0" u="none" strike="noStrike">
-                          <a:solidFill>
-                            <a:srgbClr val="000000"/>
-                          </a:solidFill>
-                          <a:effectLst/>
-                          <a:latin typeface="Calibri" panose="020F0502020204030204" pitchFamily="34" charset="0"/>
-                        </a:rPr>
-                        <a:t>Measurement</a:t>
-                      </a:r>
-                    </a:p>
-                  </a:txBody>
-                  <a:tcPr marL="9525" marR="9525" marT="9525" marB="0" anchor="b">
-                    <a:lnL>
-                      <a:noFill/>
-                    </a:lnL>
-                    <a:lnR>
-                      <a:noFill/>
-                    </a:lnR>
-                    <a:lnT w="6350" cap="flat" cmpd="sng" algn="ctr">
-                      <a:solidFill>
-                        <a:srgbClr val="000000"/>
-                      </a:solidFill>
-                      <a:prstDash val="solid"/>
-                      <a:round/>
-                      <a:headEnd type="none" w="med" len="med"/>
-                      <a:tailEnd type="none" w="med" len="med"/>
-                    </a:lnT>
-                    <a:lnB w="6350" cap="flat" cmpd="sng" algn="ctr">
-                      <a:solidFill>
-                        <a:srgbClr val="000000"/>
-                      </a:solidFill>
-                      <a:prstDash val="solid"/>
-                      <a:round/>
-                      <a:headEnd type="none" w="med" len="med"/>
-                      <a:tailEnd type="none" w="med" len="med"/>
-                    </a:lnB>
-                  </a:tcPr>
-                </a:tc>
-                <a:tc>
-                  <a:txBody>
-                    <a:bodyPr/>
-                    <a:lstStyle/>
-                    <a:p>
-                      <a:pPr algn="l" fontAlgn="b"/>
-                      <a:r>
-                        <a:rPr lang="en-GB" sz="1100" b="1" i="0" u="none" strike="noStrike">
-                          <a:solidFill>
-                            <a:srgbClr val="000000"/>
-                          </a:solidFill>
-                          <a:effectLst/>
-                          <a:latin typeface="Calibri" panose="020F0502020204030204" pitchFamily="34" charset="0"/>
-                        </a:rPr>
-                        <a:t>Direction</a:t>
-                      </a:r>
-                    </a:p>
-                  </a:txBody>
-                  <a:tcPr marL="9525" marR="9525" marT="9525" marB="0" anchor="b">
-                    <a:lnL>
-                      <a:noFill/>
-                    </a:lnL>
-                    <a:lnR>
-                      <a:noFill/>
-                    </a:lnR>
-                    <a:lnT w="6350" cap="flat" cmpd="sng" algn="ctr">
-                      <a:solidFill>
-                        <a:srgbClr val="000000"/>
-                      </a:solidFill>
-                      <a:prstDash val="solid"/>
-                      <a:round/>
-                      <a:headEnd type="none" w="med" len="med"/>
-                      <a:tailEnd type="none" w="med" len="med"/>
-                    </a:lnT>
-                    <a:lnB w="6350" cap="flat" cmpd="sng" algn="ctr">
-                      <a:solidFill>
-                        <a:srgbClr val="000000"/>
-                      </a:solidFill>
-                      <a:prstDash val="solid"/>
-                      <a:round/>
-                      <a:headEnd type="none" w="med" len="med"/>
-                      <a:tailEnd type="none" w="med" len="med"/>
-                    </a:lnB>
-                  </a:tcPr>
-                </a:tc>
-                <a:tc>
-                  <a:txBody>
-                    <a:bodyPr/>
-                    <a:lstStyle/>
-                    <a:p>
-                      <a:pPr algn="l" fontAlgn="b"/>
-                      <a:r>
-                        <a:rPr lang="en-GB" sz="1100" b="1" i="0" u="none" strike="noStrike">
-                          <a:solidFill>
-                            <a:srgbClr val="000000"/>
-                          </a:solidFill>
-                          <a:effectLst/>
-                          <a:latin typeface="Calibri" panose="020F0502020204030204" pitchFamily="34" charset="0"/>
-                        </a:rPr>
-                        <a:t>Position</a:t>
-                      </a:r>
-                    </a:p>
-                  </a:txBody>
-                  <a:tcPr marL="9525" marR="9525" marT="9525" marB="0" anchor="b">
-                    <a:lnL>
-                      <a:noFill/>
-                    </a:lnL>
-                    <a:lnR>
-                      <a:noFill/>
-                    </a:lnR>
-                    <a:lnT w="6350" cap="flat" cmpd="sng" algn="ctr">
-                      <a:solidFill>
-                        <a:srgbClr val="000000"/>
-                      </a:solidFill>
-                      <a:prstDash val="solid"/>
-                      <a:round/>
-                      <a:headEnd type="none" w="med" len="med"/>
-                      <a:tailEnd type="none" w="med" len="med"/>
-                    </a:lnT>
-                    <a:lnB w="6350" cap="flat" cmpd="sng" algn="ctr">
-                      <a:solidFill>
-                        <a:srgbClr val="000000"/>
-                      </a:solidFill>
-                      <a:prstDash val="solid"/>
-                      <a:round/>
-                      <a:headEnd type="none" w="med" len="med"/>
-                      <a:tailEnd type="none" w="med" len="med"/>
-                    </a:lnB>
-                  </a:tcPr>
-                </a:tc>
-                <a:tc>
-                  <a:txBody>
-                    <a:bodyPr/>
-                    <a:lstStyle/>
-                    <a:p>
-                      <a:pPr algn="l" fontAlgn="b"/>
-                      <a:r>
-                        <a:rPr lang="en-GB" sz="1100" b="1" i="0" u="none" strike="noStrike">
-                          <a:solidFill>
-                            <a:srgbClr val="000000"/>
-                          </a:solidFill>
-                          <a:effectLst/>
-                          <a:latin typeface="Calibri" panose="020F0502020204030204" pitchFamily="34" charset="0"/>
-                        </a:rPr>
-                        <a:t>R (Ohm)</a:t>
-                      </a:r>
-                    </a:p>
-                  </a:txBody>
-                  <a:tcPr marL="9525" marR="9525" marT="9525" marB="0" anchor="b">
-                    <a:lnL>
-                      <a:noFill/>
-                    </a:lnL>
-                    <a:lnR>
-                      <a:noFill/>
-                    </a:lnR>
-                    <a:lnT w="6350" cap="flat" cmpd="sng" algn="ctr">
-                      <a:solidFill>
-                        <a:srgbClr val="000000"/>
-                      </a:solidFill>
-                      <a:prstDash val="solid"/>
-                      <a:round/>
-                      <a:headEnd type="none" w="med" len="med"/>
-                      <a:tailEnd type="none" w="med" len="med"/>
-                    </a:lnT>
-                    <a:lnB w="6350" cap="flat" cmpd="sng" algn="ctr">
-                      <a:solidFill>
-                        <a:srgbClr val="000000"/>
-                      </a:solidFill>
-                      <a:prstDash val="solid"/>
-                      <a:round/>
-                      <a:headEnd type="none" w="med" len="med"/>
-                      <a:tailEnd type="none" w="med" len="med"/>
-                    </a:lnB>
-                  </a:tcPr>
-                </a:tc>
-                <a:tc>
-                  <a:txBody>
-                    <a:bodyPr/>
-                    <a:lstStyle/>
-                    <a:p>
-                      <a:pPr algn="l" fontAlgn="b"/>
-                      <a:r>
-                        <a:rPr lang="en-GB" sz="1100" b="1" i="0" u="none" strike="noStrike">
-                          <a:solidFill>
-                            <a:srgbClr val="000000"/>
-                          </a:solidFill>
-                          <a:effectLst/>
-                          <a:latin typeface="Calibri" panose="020F0502020204030204" pitchFamily="34" charset="0"/>
-                        </a:rPr>
-                        <a:t>R Std (Ohm)</a:t>
-                      </a:r>
-                    </a:p>
-                  </a:txBody>
-                  <a:tcPr marL="9525" marR="9525" marT="9525" marB="0" anchor="b">
-                    <a:lnL>
-                      <a:noFill/>
-                    </a:lnL>
-                    <a:lnR>
-                      <a:noFill/>
-                    </a:lnR>
-                    <a:lnT w="6350" cap="flat" cmpd="sng" algn="ctr">
-                      <a:solidFill>
-                        <a:srgbClr val="000000"/>
-                      </a:solidFill>
-                      <a:prstDash val="solid"/>
-                      <a:round/>
-                      <a:headEnd type="none" w="med" len="med"/>
-                      <a:tailEnd type="none" w="med" len="med"/>
-                    </a:lnT>
-                    <a:lnB w="6350" cap="flat" cmpd="sng" algn="ctr">
-                      <a:solidFill>
-                        <a:srgbClr val="000000"/>
-                      </a:solidFill>
-                      <a:prstDash val="solid"/>
-                      <a:round/>
-                      <a:headEnd type="none" w="med" len="med"/>
-                      <a:tailEnd type="none" w="med" len="med"/>
-                    </a:lnB>
-                  </a:tcPr>
-                </a:tc>
-                <a:extLst>
-                  <a:ext uri="{0D108BD9-81ED-4DB2-BD59-A6C34878D82A}">
-                    <a16:rowId xmlns:a16="http://schemas.microsoft.com/office/drawing/2014/main" val="4086214900"/>
-                  </a:ext>
-                </a:extLst>
-              </a:tr>
-              <a:tr h="190500">
-                <a:tc>
-                  <a:txBody>
-                    <a:bodyPr/>
-                    <a:lstStyle/>
-                    <a:p>
-                      <a:pPr algn="l" fontAlgn="b"/>
-                      <a:r>
-                        <a:rPr lang="en-GB" sz="1100" b="0" i="0" u="none" strike="noStrike">
-                          <a:solidFill>
-                            <a:srgbClr val="000000"/>
-                          </a:solidFill>
-                          <a:effectLst/>
-                          <a:latin typeface="Calibri" panose="020F0502020204030204" pitchFamily="34" charset="0"/>
-                        </a:rPr>
-                        <a:t>0127_1527_WO3196_full_IV_curve_dark</a:t>
-                      </a:r>
-                    </a:p>
-                  </a:txBody>
-                  <a:tcPr marL="9525" marR="9525" marT="9525" marB="0" anchor="b">
-                    <a:lnL>
-                      <a:noFill/>
-                    </a:lnL>
-                    <a:lnR>
-                      <a:noFill/>
-                    </a:lnR>
-                    <a:lnT w="6350" cap="flat" cmpd="sng" algn="ctr">
-                      <a:solidFill>
-                        <a:srgbClr val="000000"/>
-                      </a:solidFill>
-                      <a:prstDash val="solid"/>
-                      <a:round/>
-                      <a:headEnd type="none" w="med" len="med"/>
-                      <a:tailEnd type="none" w="med" len="med"/>
-                    </a:lnT>
-                    <a:lnB>
-                      <a:noFill/>
-                    </a:lnB>
-                    <a:solidFill>
-                      <a:srgbClr val="D9D9D9"/>
-                    </a:solidFill>
-                  </a:tcPr>
-                </a:tc>
-                <a:tc>
-                  <a:txBody>
-                    <a:bodyPr/>
-                    <a:lstStyle/>
-                    <a:p>
-                      <a:pPr algn="l" fontAlgn="b"/>
-                      <a:r>
-                        <a:rPr lang="en-GB" sz="1100" b="0" i="0" u="none" strike="noStrike">
-                          <a:solidFill>
-                            <a:srgbClr val="000000"/>
-                          </a:solidFill>
-                          <a:effectLst/>
-                          <a:latin typeface="Calibri" panose="020F0502020204030204" pitchFamily="34" charset="0"/>
-                        </a:rPr>
-                        <a:t>Dark 65</a:t>
-                      </a:r>
-                    </a:p>
-                  </a:txBody>
-                  <a:tcPr marL="9525" marR="9525" marT="9525" marB="0" anchor="b">
-                    <a:lnL>
-                      <a:noFill/>
-                    </a:lnL>
-                    <a:lnR>
-                      <a:noFill/>
-                    </a:lnR>
-                    <a:lnT w="6350" cap="flat" cmpd="sng" algn="ctr">
-                      <a:solidFill>
-                        <a:srgbClr val="000000"/>
-                      </a:solidFill>
-                      <a:prstDash val="solid"/>
-                      <a:round/>
-                      <a:headEnd type="none" w="med" len="med"/>
-                      <a:tailEnd type="none" w="med" len="med"/>
-                    </a:lnT>
-                    <a:lnB>
-                      <a:noFill/>
-                    </a:lnB>
-                    <a:solidFill>
-                      <a:srgbClr val="D9D9D9"/>
-                    </a:solidFill>
-                  </a:tcPr>
-                </a:tc>
-                <a:tc>
-                  <a:txBody>
-                    <a:bodyPr/>
-                    <a:lstStyle/>
-                    <a:p>
-                      <a:pPr algn="l" fontAlgn="b"/>
-                      <a:r>
-                        <a:rPr lang="en-GB" sz="1100" b="0" i="0" u="none" strike="noStrike">
-                          <a:solidFill>
-                            <a:srgbClr val="000000"/>
-                          </a:solidFill>
-                          <a:effectLst/>
-                          <a:latin typeface="Calibri" panose="020F0502020204030204" pitchFamily="34" charset="0"/>
-                        </a:rPr>
-                        <a:t>Minus</a:t>
-                      </a:r>
-                    </a:p>
-                  </a:txBody>
-                  <a:tcPr marL="9525" marR="9525" marT="9525" marB="0" anchor="b">
-                    <a:lnL>
-                      <a:noFill/>
-                    </a:lnL>
-                    <a:lnR>
-                      <a:noFill/>
-                    </a:lnR>
-                    <a:lnT w="6350" cap="flat" cmpd="sng" algn="ctr">
-                      <a:solidFill>
-                        <a:srgbClr val="000000"/>
-                      </a:solidFill>
-                      <a:prstDash val="solid"/>
-                      <a:round/>
-                      <a:headEnd type="none" w="med" len="med"/>
-                      <a:tailEnd type="none" w="med" len="med"/>
-                    </a:lnT>
-                    <a:lnB>
-                      <a:noFill/>
-                    </a:lnB>
-                    <a:solidFill>
-                      <a:srgbClr val="D9D9D9"/>
-                    </a:solidFill>
-                  </a:tcPr>
-                </a:tc>
-                <a:tc>
-                  <a:txBody>
-                    <a:bodyPr/>
-                    <a:lstStyle/>
-                    <a:p>
-                      <a:pPr algn="l" fontAlgn="b"/>
-                      <a:r>
-                        <a:rPr lang="en-GB" sz="1100" b="0" i="0" u="none" strike="noStrike">
-                          <a:solidFill>
-                            <a:srgbClr val="000000"/>
-                          </a:solidFill>
-                          <a:effectLst/>
-                          <a:latin typeface="Calibri" panose="020F0502020204030204" pitchFamily="34" charset="0"/>
-                        </a:rPr>
-                        <a:t>All</a:t>
-                      </a:r>
-                    </a:p>
-                  </a:txBody>
-                  <a:tcPr marL="9525" marR="9525" marT="9525" marB="0" anchor="b">
-                    <a:lnL>
-                      <a:noFill/>
-                    </a:lnL>
-                    <a:lnR>
-                      <a:noFill/>
-                    </a:lnR>
-                    <a:lnT w="6350" cap="flat" cmpd="sng" algn="ctr">
-                      <a:solidFill>
-                        <a:srgbClr val="000000"/>
-                      </a:solidFill>
-                      <a:prstDash val="solid"/>
-                      <a:round/>
-                      <a:headEnd type="none" w="med" len="med"/>
-                      <a:tailEnd type="none" w="med" len="med"/>
-                    </a:lnT>
-                    <a:lnB>
-                      <a:noFill/>
-                    </a:lnB>
-                    <a:solidFill>
-                      <a:srgbClr val="D9D9D9"/>
-                    </a:solidFill>
-                  </a:tcPr>
-                </a:tc>
-                <a:tc>
-                  <a:txBody>
-                    <a:bodyPr/>
-                    <a:lstStyle/>
-                    <a:p>
-                      <a:pPr algn="r" fontAlgn="b"/>
-                      <a:r>
-                        <a:rPr lang="en-GB" sz="1100" b="0" i="0" u="none" strike="noStrike">
-                          <a:solidFill>
-                            <a:srgbClr val="000000"/>
-                          </a:solidFill>
-                          <a:effectLst/>
-                          <a:latin typeface="Calibri" panose="020F0502020204030204" pitchFamily="34" charset="0"/>
-                        </a:rPr>
-                        <a:t>1.35E+07</a:t>
-                      </a:r>
-                    </a:p>
-                  </a:txBody>
-                  <a:tcPr marL="9525" marR="9525" marT="9525" marB="0" anchor="b">
-                    <a:lnL>
-                      <a:noFill/>
-                    </a:lnL>
-                    <a:lnR>
-                      <a:noFill/>
-                    </a:lnR>
-                    <a:lnT w="6350" cap="flat" cmpd="sng" algn="ctr">
-                      <a:solidFill>
-                        <a:srgbClr val="000000"/>
-                      </a:solidFill>
-                      <a:prstDash val="solid"/>
-                      <a:round/>
-                      <a:headEnd type="none" w="med" len="med"/>
-                      <a:tailEnd type="none" w="med" len="med"/>
-                    </a:lnT>
-                    <a:lnB>
-                      <a:noFill/>
-                    </a:lnB>
-                    <a:solidFill>
-                      <a:srgbClr val="D9D9D9"/>
-                    </a:solidFill>
-                  </a:tcPr>
-                </a:tc>
-                <a:tc>
-                  <a:txBody>
-                    <a:bodyPr/>
-                    <a:lstStyle/>
-                    <a:p>
-                      <a:pPr algn="r" fontAlgn="b"/>
-                      <a:r>
-                        <a:rPr lang="en-GB" sz="1100" b="0" i="0" u="none" strike="noStrike">
-                          <a:solidFill>
-                            <a:srgbClr val="000000"/>
-                          </a:solidFill>
-                          <a:effectLst/>
-                          <a:latin typeface="Calibri" panose="020F0502020204030204" pitchFamily="34" charset="0"/>
-                        </a:rPr>
-                        <a:t>8.73E+03</a:t>
-                      </a:r>
-                    </a:p>
-                  </a:txBody>
-                  <a:tcPr marL="9525" marR="9525" marT="9525" marB="0" anchor="b">
-                    <a:lnL>
-                      <a:noFill/>
-                    </a:lnL>
-                    <a:lnR>
-                      <a:noFill/>
-                    </a:lnR>
-                    <a:lnT w="6350" cap="flat" cmpd="sng" algn="ctr">
-                      <a:solidFill>
-                        <a:srgbClr val="000000"/>
-                      </a:solidFill>
-                      <a:prstDash val="solid"/>
-                      <a:round/>
-                      <a:headEnd type="none" w="med" len="med"/>
-                      <a:tailEnd type="none" w="med" len="med"/>
-                    </a:lnT>
-                    <a:lnB>
-                      <a:noFill/>
-                    </a:lnB>
-                    <a:solidFill>
-                      <a:srgbClr val="D9D9D9"/>
-                    </a:solidFill>
-                  </a:tcPr>
-                </a:tc>
-                <a:extLst>
-                  <a:ext uri="{0D108BD9-81ED-4DB2-BD59-A6C34878D82A}">
-                    <a16:rowId xmlns:a16="http://schemas.microsoft.com/office/drawing/2014/main" val="130926091"/>
-                  </a:ext>
-                </a:extLst>
-              </a:tr>
-              <a:tr h="190500">
-                <a:tc>
-                  <a:txBody>
-                    <a:bodyPr/>
-                    <a:lstStyle/>
-                    <a:p>
-                      <a:pPr algn="l" fontAlgn="b"/>
-                      <a:r>
-                        <a:rPr lang="en-GB" sz="1100" b="0" i="0" u="none" strike="noStrike">
-                          <a:solidFill>
-                            <a:srgbClr val="000000"/>
-                          </a:solidFill>
-                          <a:effectLst/>
-                          <a:latin typeface="Calibri" panose="020F0502020204030204" pitchFamily="34" charset="0"/>
-                        </a:rPr>
-                        <a:t>0127_1527_WO3196_full_IV_curve_dark</a:t>
-                      </a:r>
-                    </a:p>
-                  </a:txBody>
-                  <a:tcPr marL="9525" marR="9525" marT="9525" marB="0" anchor="b">
-                    <a:lnL>
-                      <a:noFill/>
-                    </a:lnL>
-                    <a:lnR>
-                      <a:noFill/>
-                    </a:lnR>
-                    <a:lnT>
-                      <a:noFill/>
-                    </a:lnT>
-                    <a:lnB>
-                      <a:noFill/>
-                    </a:lnB>
-                  </a:tcPr>
-                </a:tc>
-                <a:tc>
-                  <a:txBody>
-                    <a:bodyPr/>
-                    <a:lstStyle/>
-                    <a:p>
-                      <a:pPr algn="l" fontAlgn="b"/>
-                      <a:r>
-                        <a:rPr lang="en-GB" sz="1100" b="0" i="0" u="none" strike="noStrike">
-                          <a:solidFill>
-                            <a:srgbClr val="000000"/>
-                          </a:solidFill>
-                          <a:effectLst/>
-                          <a:latin typeface="Calibri" panose="020F0502020204030204" pitchFamily="34" charset="0"/>
-                        </a:rPr>
-                        <a:t>Dark 65</a:t>
-                      </a:r>
-                    </a:p>
-                  </a:txBody>
-                  <a:tcPr marL="9525" marR="9525" marT="9525" marB="0" anchor="b">
-                    <a:lnL>
-                      <a:noFill/>
-                    </a:lnL>
-                    <a:lnR>
-                      <a:noFill/>
-                    </a:lnR>
-                    <a:lnT>
-                      <a:noFill/>
-                    </a:lnT>
-                    <a:lnB>
-                      <a:noFill/>
-                    </a:lnB>
-                  </a:tcPr>
-                </a:tc>
-                <a:tc>
-                  <a:txBody>
-                    <a:bodyPr/>
-                    <a:lstStyle/>
-                    <a:p>
-                      <a:pPr algn="l" fontAlgn="b"/>
-                      <a:r>
-                        <a:rPr lang="en-GB" sz="1100" b="0" i="0" u="none" strike="noStrike">
-                          <a:solidFill>
-                            <a:srgbClr val="000000"/>
-                          </a:solidFill>
-                          <a:effectLst/>
-                          <a:latin typeface="Calibri" panose="020F0502020204030204" pitchFamily="34" charset="0"/>
-                        </a:rPr>
-                        <a:t>Plus</a:t>
-                      </a:r>
-                    </a:p>
-                  </a:txBody>
-                  <a:tcPr marL="9525" marR="9525" marT="9525" marB="0" anchor="b">
-                    <a:lnL>
-                      <a:noFill/>
-                    </a:lnL>
-                    <a:lnR>
-                      <a:noFill/>
-                    </a:lnR>
-                    <a:lnT>
-                      <a:noFill/>
-                    </a:lnT>
-                    <a:lnB>
-                      <a:noFill/>
-                    </a:lnB>
-                  </a:tcPr>
-                </a:tc>
-                <a:tc>
-                  <a:txBody>
-                    <a:bodyPr/>
-                    <a:lstStyle/>
-                    <a:p>
-                      <a:pPr algn="l" fontAlgn="b"/>
-                      <a:r>
-                        <a:rPr lang="en-GB" sz="1100" b="0" i="0" u="none" strike="noStrike">
-                          <a:solidFill>
-                            <a:srgbClr val="000000"/>
-                          </a:solidFill>
-                          <a:effectLst/>
-                          <a:latin typeface="Calibri" panose="020F0502020204030204" pitchFamily="34" charset="0"/>
-                        </a:rPr>
-                        <a:t>All</a:t>
-                      </a:r>
-                    </a:p>
-                  </a:txBody>
-                  <a:tcPr marL="9525" marR="9525" marT="9525" marB="0" anchor="b">
-                    <a:lnL>
-                      <a:noFill/>
-                    </a:lnL>
-                    <a:lnR>
-                      <a:noFill/>
-                    </a:lnR>
-                    <a:lnT>
-                      <a:noFill/>
-                    </a:lnT>
-                    <a:lnB>
-                      <a:noFill/>
-                    </a:lnB>
-                  </a:tcPr>
-                </a:tc>
-                <a:tc>
-                  <a:txBody>
-                    <a:bodyPr/>
-                    <a:lstStyle/>
-                    <a:p>
-                      <a:pPr algn="r" fontAlgn="b"/>
-                      <a:r>
-                        <a:rPr lang="en-GB" sz="1100" b="0" i="0" u="none" strike="noStrike">
-                          <a:solidFill>
-                            <a:srgbClr val="000000"/>
-                          </a:solidFill>
-                          <a:effectLst/>
-                          <a:latin typeface="Calibri" panose="020F0502020204030204" pitchFamily="34" charset="0"/>
-                        </a:rPr>
-                        <a:t>1.33E+07</a:t>
-                      </a:r>
-                    </a:p>
-                  </a:txBody>
-                  <a:tcPr marL="9525" marR="9525" marT="9525" marB="0" anchor="b">
-                    <a:lnL>
-                      <a:noFill/>
-                    </a:lnL>
-                    <a:lnR>
-                      <a:noFill/>
-                    </a:lnR>
-                    <a:lnT>
-                      <a:noFill/>
-                    </a:lnT>
-                    <a:lnB>
-                      <a:noFill/>
-                    </a:lnB>
-                  </a:tcPr>
-                </a:tc>
-                <a:tc>
-                  <a:txBody>
-                    <a:bodyPr/>
-                    <a:lstStyle/>
-                    <a:p>
-                      <a:pPr algn="r" fontAlgn="b"/>
-                      <a:r>
-                        <a:rPr lang="en-GB" sz="1100" b="0" i="0" u="none" strike="noStrike" dirty="0">
-                          <a:solidFill>
-                            <a:srgbClr val="000000"/>
-                          </a:solidFill>
-                          <a:effectLst/>
-                          <a:latin typeface="Calibri" panose="020F0502020204030204" pitchFamily="34" charset="0"/>
-                        </a:rPr>
-                        <a:t>1.47E+04</a:t>
-                      </a:r>
-                    </a:p>
-                  </a:txBody>
-                  <a:tcPr marL="9525" marR="9525" marT="9525" marB="0" anchor="b">
-                    <a:lnL>
-                      <a:noFill/>
-                    </a:lnL>
-                    <a:lnR>
-                      <a:noFill/>
-                    </a:lnR>
-                    <a:lnT>
-                      <a:noFill/>
-                    </a:lnT>
-                    <a:lnB>
-                      <a:noFill/>
-                    </a:lnB>
-                  </a:tcPr>
-                </a:tc>
-                <a:extLst>
-                  <a:ext uri="{0D108BD9-81ED-4DB2-BD59-A6C34878D82A}">
-                    <a16:rowId xmlns:a16="http://schemas.microsoft.com/office/drawing/2014/main" val="1293040236"/>
-                  </a:ext>
-                </a:extLst>
-              </a:tr>
-            </a:tbl>
-          </a:graphicData>
-        </a:graphic>
-      </p:graphicFrame>
-      <p:sp>
-        <p:nvSpPr>
-          <p:cNvPr id="7" name="TextBox 6">
-            <a:extLst>
-              <a:ext uri="{FF2B5EF4-FFF2-40B4-BE49-F238E27FC236}">
-                <a16:creationId xmlns:a16="http://schemas.microsoft.com/office/drawing/2014/main" id="{5AABA758-D180-48FF-B2F3-9CB97886A22D}"/>
-              </a:ext>
-            </a:extLst>
-          </p:cNvPr>
-          <p:cNvSpPr txBox="1"/>
-          <p:nvPr/>
-        </p:nvSpPr>
-        <p:spPr>
-          <a:xfrm>
-            <a:off x="1210340" y="4813505"/>
-            <a:ext cx="3489251" cy="369332"/>
-          </a:xfrm>
-          <a:prstGeom prst="rect">
-            <a:avLst/>
-          </a:prstGeom>
-          <a:noFill/>
-        </p:spPr>
-        <p:txBody>
-          <a:bodyPr wrap="square" rtlCol="0">
-            <a:spAutoFit/>
-          </a:bodyPr>
-          <a:lstStyle/>
-          <a:p>
-            <a:r>
-              <a:rPr lang="en-GB" dirty="0"/>
-              <a:t>Fit results</a:t>
-            </a:r>
-          </a:p>
-        </p:txBody>
-      </p:sp>
-    </p:spTree>
-    <p:extLst>
-      <p:ext uri="{BB962C8B-B14F-4D97-AF65-F5344CB8AC3E}">
-        <p14:creationId xmlns:p14="http://schemas.microsoft.com/office/powerpoint/2010/main" val="257038580"/>
       </p:ext>
     </p:extLst>
   </p:cSld>
